--- a/Project2_Chicago_Crime.pptx
+++ b/Project2_Chicago_Crime.pptx
@@ -3330,753 +3330,6 @@
 </dgm:colorsDef>
 </file>
 
-<file path=ppt/diagrams/colors3.xml><?xml version="1.0" encoding="utf-8"?>
-<dgm:colorsDef xmlns:dgm="http://schemas.openxmlformats.org/drawingml/2006/diagram" xmlns:a="http://schemas.openxmlformats.org/drawingml/2006/main" uniqueId="urn:microsoft.com/office/officeart/2005/8/colors/accent1_2">
-  <dgm:title val=""/>
-  <dgm:desc val=""/>
-  <dgm:catLst>
-    <dgm:cat type="accent1" pri="11200"/>
-  </dgm:catLst>
-  <dgm:styleLbl name="node0">
-    <dgm:fillClrLst meth="repeat">
-      <a:schemeClr val="accent1"/>
-    </dgm:fillClrLst>
-    <dgm:linClrLst meth="repeat">
-      <a:schemeClr val="lt1"/>
-    </dgm:linClrLst>
-    <dgm:effectClrLst/>
-    <dgm:txLinClrLst/>
-    <dgm:txFillClrLst/>
-    <dgm:txEffectClrLst/>
-  </dgm:styleLbl>
-  <dgm:styleLbl name="alignNode1">
-    <dgm:fillClrLst meth="repeat">
-      <a:schemeClr val="accent1"/>
-    </dgm:fillClrLst>
-    <dgm:linClrLst meth="repeat">
-      <a:schemeClr val="accent1"/>
-    </dgm:linClrLst>
-    <dgm:effectClrLst/>
-    <dgm:txLinClrLst/>
-    <dgm:txFillClrLst/>
-    <dgm:txEffectClrLst/>
-  </dgm:styleLbl>
-  <dgm:styleLbl name="node1">
-    <dgm:fillClrLst meth="repeat">
-      <a:schemeClr val="accent1"/>
-    </dgm:fillClrLst>
-    <dgm:linClrLst meth="repeat">
-      <a:schemeClr val="lt1"/>
-    </dgm:linClrLst>
-    <dgm:effectClrLst/>
-    <dgm:txLinClrLst/>
-    <dgm:txFillClrLst/>
-    <dgm:txEffectClrLst/>
-  </dgm:styleLbl>
-  <dgm:styleLbl name="lnNode1">
-    <dgm:fillClrLst meth="repeat">
-      <a:schemeClr val="accent1"/>
-    </dgm:fillClrLst>
-    <dgm:linClrLst meth="repeat">
-      <a:schemeClr val="lt1"/>
-    </dgm:linClrLst>
-    <dgm:effectClrLst/>
-    <dgm:txLinClrLst/>
-    <dgm:txFillClrLst/>
-    <dgm:txEffectClrLst/>
-  </dgm:styleLbl>
-  <dgm:styleLbl name="vennNode1">
-    <dgm:fillClrLst meth="repeat">
-      <a:schemeClr val="accent1">
-        <a:alpha val="50000"/>
-      </a:schemeClr>
-    </dgm:fillClrLst>
-    <dgm:linClrLst meth="repeat">
-      <a:schemeClr val="lt1"/>
-    </dgm:linClrLst>
-    <dgm:effectClrLst/>
-    <dgm:txLinClrLst/>
-    <dgm:txFillClrLst/>
-    <dgm:txEffectClrLst/>
-  </dgm:styleLbl>
-  <dgm:styleLbl name="node2">
-    <dgm:fillClrLst meth="repeat">
-      <a:schemeClr val="accent1"/>
-    </dgm:fillClrLst>
-    <dgm:linClrLst meth="repeat">
-      <a:schemeClr val="lt1"/>
-    </dgm:linClrLst>
-    <dgm:effectClrLst/>
-    <dgm:txLinClrLst/>
-    <dgm:txFillClrLst/>
-    <dgm:txEffectClrLst/>
-  </dgm:styleLbl>
-  <dgm:styleLbl name="node3">
-    <dgm:fillClrLst meth="repeat">
-      <a:schemeClr val="accent1"/>
-    </dgm:fillClrLst>
-    <dgm:linClrLst meth="repeat">
-      <a:schemeClr val="lt1"/>
-    </dgm:linClrLst>
-    <dgm:effectClrLst/>
-    <dgm:txLinClrLst/>
-    <dgm:txFillClrLst/>
-    <dgm:txEffectClrLst/>
-  </dgm:styleLbl>
-  <dgm:styleLbl name="node4">
-    <dgm:fillClrLst meth="repeat">
-      <a:schemeClr val="accent1"/>
-    </dgm:fillClrLst>
-    <dgm:linClrLst meth="repeat">
-      <a:schemeClr val="lt1"/>
-    </dgm:linClrLst>
-    <dgm:effectClrLst/>
-    <dgm:txLinClrLst/>
-    <dgm:txFillClrLst/>
-    <dgm:txEffectClrLst/>
-  </dgm:styleLbl>
-  <dgm:styleLbl name="fgImgPlace1">
-    <dgm:fillClrLst meth="repeat">
-      <a:schemeClr val="accent1">
-        <a:tint val="50000"/>
-      </a:schemeClr>
-    </dgm:fillClrLst>
-    <dgm:linClrLst meth="repeat">
-      <a:schemeClr val="lt1"/>
-    </dgm:linClrLst>
-    <dgm:effectClrLst/>
-    <dgm:txLinClrLst/>
-    <dgm:txFillClrLst meth="repeat">
-      <a:schemeClr val="lt1"/>
-    </dgm:txFillClrLst>
-    <dgm:txEffectClrLst/>
-  </dgm:styleLbl>
-  <dgm:styleLbl name="alignImgPlace1">
-    <dgm:fillClrLst meth="repeat">
-      <a:schemeClr val="accent1">
-        <a:tint val="50000"/>
-      </a:schemeClr>
-    </dgm:fillClrLst>
-    <dgm:linClrLst meth="repeat">
-      <a:schemeClr val="lt1"/>
-    </dgm:linClrLst>
-    <dgm:effectClrLst/>
-    <dgm:txLinClrLst/>
-    <dgm:txFillClrLst meth="repeat">
-      <a:schemeClr val="lt1"/>
-    </dgm:txFillClrLst>
-    <dgm:txEffectClrLst/>
-  </dgm:styleLbl>
-  <dgm:styleLbl name="bgImgPlace1">
-    <dgm:fillClrLst meth="repeat">
-      <a:schemeClr val="accent1">
-        <a:tint val="50000"/>
-      </a:schemeClr>
-    </dgm:fillClrLst>
-    <dgm:linClrLst meth="repeat">
-      <a:schemeClr val="lt1"/>
-    </dgm:linClrLst>
-    <dgm:effectClrLst/>
-    <dgm:txLinClrLst/>
-    <dgm:txFillClrLst meth="repeat">
-      <a:schemeClr val="lt1"/>
-    </dgm:txFillClrLst>
-    <dgm:txEffectClrLst/>
-  </dgm:styleLbl>
-  <dgm:styleLbl name="sibTrans2D1">
-    <dgm:fillClrLst meth="repeat">
-      <a:schemeClr val="accent1">
-        <a:tint val="60000"/>
-      </a:schemeClr>
-    </dgm:fillClrLst>
-    <dgm:linClrLst meth="repeat">
-      <a:schemeClr val="accent1">
-        <a:tint val="60000"/>
-      </a:schemeClr>
-    </dgm:linClrLst>
-    <dgm:effectClrLst/>
-    <dgm:txLinClrLst/>
-    <dgm:txFillClrLst/>
-    <dgm:txEffectClrLst/>
-  </dgm:styleLbl>
-  <dgm:styleLbl name="fgSibTrans2D1">
-    <dgm:fillClrLst meth="repeat">
-      <a:schemeClr val="accent1">
-        <a:tint val="60000"/>
-      </a:schemeClr>
-    </dgm:fillClrLst>
-    <dgm:linClrLst meth="repeat">
-      <a:schemeClr val="accent1">
-        <a:tint val="60000"/>
-      </a:schemeClr>
-    </dgm:linClrLst>
-    <dgm:effectClrLst/>
-    <dgm:txLinClrLst/>
-    <dgm:txFillClrLst/>
-    <dgm:txEffectClrLst/>
-  </dgm:styleLbl>
-  <dgm:styleLbl name="bgSibTrans2D1">
-    <dgm:fillClrLst meth="repeat">
-      <a:schemeClr val="accent1">
-        <a:tint val="60000"/>
-      </a:schemeClr>
-    </dgm:fillClrLst>
-    <dgm:linClrLst meth="repeat">
-      <a:schemeClr val="accent1">
-        <a:tint val="60000"/>
-      </a:schemeClr>
-    </dgm:linClrLst>
-    <dgm:effectClrLst/>
-    <dgm:txLinClrLst/>
-    <dgm:txFillClrLst/>
-    <dgm:txEffectClrLst/>
-  </dgm:styleLbl>
-  <dgm:styleLbl name="sibTrans1D1">
-    <dgm:fillClrLst meth="repeat">
-      <a:schemeClr val="accent1"/>
-    </dgm:fillClrLst>
-    <dgm:linClrLst meth="repeat">
-      <a:schemeClr val="accent1"/>
-    </dgm:linClrLst>
-    <dgm:effectClrLst/>
-    <dgm:txLinClrLst/>
-    <dgm:txFillClrLst meth="repeat">
-      <a:schemeClr val="tx1"/>
-    </dgm:txFillClrLst>
-    <dgm:txEffectClrLst/>
-  </dgm:styleLbl>
-  <dgm:styleLbl name="callout">
-    <dgm:fillClrLst meth="repeat">
-      <a:schemeClr val="accent1"/>
-    </dgm:fillClrLst>
-    <dgm:linClrLst meth="repeat">
-      <a:schemeClr val="accent1">
-        <a:tint val="50000"/>
-      </a:schemeClr>
-    </dgm:linClrLst>
-    <dgm:effectClrLst/>
-    <dgm:txLinClrLst/>
-    <dgm:txFillClrLst meth="repeat">
-      <a:schemeClr val="tx1"/>
-    </dgm:txFillClrLst>
-    <dgm:txEffectClrLst/>
-  </dgm:styleLbl>
-  <dgm:styleLbl name="asst0">
-    <dgm:fillClrLst meth="repeat">
-      <a:schemeClr val="accent1"/>
-    </dgm:fillClrLst>
-    <dgm:linClrLst meth="repeat">
-      <a:schemeClr val="lt1"/>
-    </dgm:linClrLst>
-    <dgm:effectClrLst/>
-    <dgm:txLinClrLst/>
-    <dgm:txFillClrLst/>
-    <dgm:txEffectClrLst/>
-  </dgm:styleLbl>
-  <dgm:styleLbl name="asst1">
-    <dgm:fillClrLst meth="repeat">
-      <a:schemeClr val="accent1"/>
-    </dgm:fillClrLst>
-    <dgm:linClrLst meth="repeat">
-      <a:schemeClr val="lt1"/>
-    </dgm:linClrLst>
-    <dgm:effectClrLst/>
-    <dgm:txLinClrLst/>
-    <dgm:txFillClrLst/>
-    <dgm:txEffectClrLst/>
-  </dgm:styleLbl>
-  <dgm:styleLbl name="asst2">
-    <dgm:fillClrLst meth="repeat">
-      <a:schemeClr val="accent1"/>
-    </dgm:fillClrLst>
-    <dgm:linClrLst meth="repeat">
-      <a:schemeClr val="lt1"/>
-    </dgm:linClrLst>
-    <dgm:effectClrLst/>
-    <dgm:txLinClrLst/>
-    <dgm:txFillClrLst/>
-    <dgm:txEffectClrLst/>
-  </dgm:styleLbl>
-  <dgm:styleLbl name="asst3">
-    <dgm:fillClrLst meth="repeat">
-      <a:schemeClr val="accent1"/>
-    </dgm:fillClrLst>
-    <dgm:linClrLst meth="repeat">
-      <a:schemeClr val="lt1"/>
-    </dgm:linClrLst>
-    <dgm:effectClrLst/>
-    <dgm:txLinClrLst/>
-    <dgm:txFillClrLst/>
-    <dgm:txEffectClrLst/>
-  </dgm:styleLbl>
-  <dgm:styleLbl name="asst4">
-    <dgm:fillClrLst meth="repeat">
-      <a:schemeClr val="accent1"/>
-    </dgm:fillClrLst>
-    <dgm:linClrLst meth="repeat">
-      <a:schemeClr val="lt1"/>
-    </dgm:linClrLst>
-    <dgm:effectClrLst/>
-    <dgm:txLinClrLst/>
-    <dgm:txFillClrLst/>
-    <dgm:txEffectClrLst/>
-  </dgm:styleLbl>
-  <dgm:styleLbl name="parChTrans2D1">
-    <dgm:fillClrLst meth="repeat">
-      <a:schemeClr val="accent1">
-        <a:tint val="60000"/>
-      </a:schemeClr>
-    </dgm:fillClrLst>
-    <dgm:linClrLst meth="repeat">
-      <a:schemeClr val="accent1">
-        <a:tint val="60000"/>
-      </a:schemeClr>
-    </dgm:linClrLst>
-    <dgm:effectClrLst/>
-    <dgm:txLinClrLst/>
-    <dgm:txFillClrLst meth="repeat">
-      <a:schemeClr val="lt1"/>
-    </dgm:txFillClrLst>
-    <dgm:txEffectClrLst/>
-  </dgm:styleLbl>
-  <dgm:styleLbl name="parChTrans2D2">
-    <dgm:fillClrLst meth="repeat">
-      <a:schemeClr val="accent1"/>
-    </dgm:fillClrLst>
-    <dgm:linClrLst meth="repeat">
-      <a:schemeClr val="accent1"/>
-    </dgm:linClrLst>
-    <dgm:effectClrLst/>
-    <dgm:txLinClrLst/>
-    <dgm:txFillClrLst meth="repeat">
-      <a:schemeClr val="lt1"/>
-    </dgm:txFillClrLst>
-    <dgm:txEffectClrLst/>
-  </dgm:styleLbl>
-  <dgm:styleLbl name="parChTrans2D3">
-    <dgm:fillClrLst meth="repeat">
-      <a:schemeClr val="accent1"/>
-    </dgm:fillClrLst>
-    <dgm:linClrLst meth="repeat">
-      <a:schemeClr val="accent1"/>
-    </dgm:linClrLst>
-    <dgm:effectClrLst/>
-    <dgm:txLinClrLst/>
-    <dgm:txFillClrLst meth="repeat">
-      <a:schemeClr val="lt1"/>
-    </dgm:txFillClrLst>
-    <dgm:txEffectClrLst/>
-  </dgm:styleLbl>
-  <dgm:styleLbl name="parChTrans2D4">
-    <dgm:fillClrLst meth="repeat">
-      <a:schemeClr val="accent1"/>
-    </dgm:fillClrLst>
-    <dgm:linClrLst meth="repeat">
-      <a:schemeClr val="accent1"/>
-    </dgm:linClrLst>
-    <dgm:effectClrLst/>
-    <dgm:txLinClrLst/>
-    <dgm:txFillClrLst meth="repeat">
-      <a:schemeClr val="lt1"/>
-    </dgm:txFillClrLst>
-    <dgm:txEffectClrLst/>
-  </dgm:styleLbl>
-  <dgm:styleLbl name="parChTrans1D1">
-    <dgm:fillClrLst meth="repeat">
-      <a:schemeClr val="accent1"/>
-    </dgm:fillClrLst>
-    <dgm:linClrLst meth="repeat">
-      <a:schemeClr val="accent1">
-        <a:shade val="60000"/>
-      </a:schemeClr>
-    </dgm:linClrLst>
-    <dgm:effectClrLst/>
-    <dgm:txLinClrLst/>
-    <dgm:txFillClrLst meth="repeat">
-      <a:schemeClr val="tx1"/>
-    </dgm:txFillClrLst>
-    <dgm:txEffectClrLst/>
-  </dgm:styleLbl>
-  <dgm:styleLbl name="parChTrans1D2">
-    <dgm:fillClrLst meth="repeat">
-      <a:schemeClr val="accent1"/>
-    </dgm:fillClrLst>
-    <dgm:linClrLst meth="repeat">
-      <a:schemeClr val="accent1">
-        <a:shade val="60000"/>
-      </a:schemeClr>
-    </dgm:linClrLst>
-    <dgm:effectClrLst/>
-    <dgm:txLinClrLst/>
-    <dgm:txFillClrLst meth="repeat">
-      <a:schemeClr val="tx1"/>
-    </dgm:txFillClrLst>
-    <dgm:txEffectClrLst/>
-  </dgm:styleLbl>
-  <dgm:styleLbl name="parChTrans1D3">
-    <dgm:fillClrLst meth="repeat">
-      <a:schemeClr val="accent1"/>
-    </dgm:fillClrLst>
-    <dgm:linClrLst meth="repeat">
-      <a:schemeClr val="accent1">
-        <a:shade val="80000"/>
-      </a:schemeClr>
-    </dgm:linClrLst>
-    <dgm:effectClrLst/>
-    <dgm:txLinClrLst/>
-    <dgm:txFillClrLst meth="repeat">
-      <a:schemeClr val="tx1"/>
-    </dgm:txFillClrLst>
-    <dgm:txEffectClrLst/>
-  </dgm:styleLbl>
-  <dgm:styleLbl name="parChTrans1D4">
-    <dgm:fillClrLst meth="repeat">
-      <a:schemeClr val="accent1"/>
-    </dgm:fillClrLst>
-    <dgm:linClrLst meth="repeat">
-      <a:schemeClr val="accent1">
-        <a:shade val="80000"/>
-      </a:schemeClr>
-    </dgm:linClrLst>
-    <dgm:effectClrLst/>
-    <dgm:txLinClrLst/>
-    <dgm:txFillClrLst meth="repeat">
-      <a:schemeClr val="tx1"/>
-    </dgm:txFillClrLst>
-    <dgm:txEffectClrLst/>
-  </dgm:styleLbl>
-  <dgm:styleLbl name="fgAcc1">
-    <dgm:fillClrLst meth="repeat">
-      <a:schemeClr val="lt1">
-        <a:alpha val="90000"/>
-      </a:schemeClr>
-    </dgm:fillClrLst>
-    <dgm:linClrLst meth="repeat">
-      <a:schemeClr val="accent1"/>
-    </dgm:linClrLst>
-    <dgm:effectClrLst/>
-    <dgm:txLinClrLst/>
-    <dgm:txFillClrLst meth="repeat">
-      <a:schemeClr val="dk1"/>
-    </dgm:txFillClrLst>
-    <dgm:txEffectClrLst/>
-  </dgm:styleLbl>
-  <dgm:styleLbl name="conFgAcc1">
-    <dgm:fillClrLst meth="repeat">
-      <a:schemeClr val="lt1">
-        <a:alpha val="90000"/>
-      </a:schemeClr>
-    </dgm:fillClrLst>
-    <dgm:linClrLst meth="repeat">
-      <a:schemeClr val="accent1"/>
-    </dgm:linClrLst>
-    <dgm:effectClrLst/>
-    <dgm:txLinClrLst/>
-    <dgm:txFillClrLst meth="repeat">
-      <a:schemeClr val="dk1"/>
-    </dgm:txFillClrLst>
-    <dgm:txEffectClrLst/>
-  </dgm:styleLbl>
-  <dgm:styleLbl name="alignAcc1">
-    <dgm:fillClrLst meth="repeat">
-      <a:schemeClr val="lt1">
-        <a:alpha val="90000"/>
-      </a:schemeClr>
-    </dgm:fillClrLst>
-    <dgm:linClrLst meth="repeat">
-      <a:schemeClr val="accent1"/>
-    </dgm:linClrLst>
-    <dgm:effectClrLst/>
-    <dgm:txLinClrLst/>
-    <dgm:txFillClrLst meth="repeat">
-      <a:schemeClr val="dk1"/>
-    </dgm:txFillClrLst>
-    <dgm:txEffectClrLst/>
-  </dgm:styleLbl>
-  <dgm:styleLbl name="trAlignAcc1">
-    <dgm:fillClrLst meth="repeat">
-      <a:schemeClr val="lt1">
-        <a:alpha val="40000"/>
-      </a:schemeClr>
-    </dgm:fillClrLst>
-    <dgm:linClrLst meth="repeat">
-      <a:schemeClr val="accent1"/>
-    </dgm:linClrLst>
-    <dgm:effectClrLst/>
-    <dgm:txLinClrLst/>
-    <dgm:txFillClrLst meth="repeat">
-      <a:schemeClr val="dk1"/>
-    </dgm:txFillClrLst>
-    <dgm:txEffectClrLst/>
-  </dgm:styleLbl>
-  <dgm:styleLbl name="bgAcc1">
-    <dgm:fillClrLst meth="repeat">
-      <a:schemeClr val="lt1">
-        <a:alpha val="90000"/>
-      </a:schemeClr>
-    </dgm:fillClrLst>
-    <dgm:linClrLst meth="repeat">
-      <a:schemeClr val="accent1"/>
-    </dgm:linClrLst>
-    <dgm:effectClrLst/>
-    <dgm:txLinClrLst/>
-    <dgm:txFillClrLst meth="repeat">
-      <a:schemeClr val="dk1"/>
-    </dgm:txFillClrLst>
-    <dgm:txEffectClrLst/>
-  </dgm:styleLbl>
-  <dgm:styleLbl name="solidFgAcc1">
-    <dgm:fillClrLst meth="repeat">
-      <a:schemeClr val="lt1"/>
-    </dgm:fillClrLst>
-    <dgm:linClrLst meth="repeat">
-      <a:schemeClr val="accent1"/>
-    </dgm:linClrLst>
-    <dgm:effectClrLst/>
-    <dgm:txLinClrLst/>
-    <dgm:txFillClrLst meth="repeat">
-      <a:schemeClr val="dk1"/>
-    </dgm:txFillClrLst>
-    <dgm:txEffectClrLst/>
-  </dgm:styleLbl>
-  <dgm:styleLbl name="solidAlignAcc1">
-    <dgm:fillClrLst meth="repeat">
-      <a:schemeClr val="lt1"/>
-    </dgm:fillClrLst>
-    <dgm:linClrLst meth="repeat">
-      <a:schemeClr val="accent1"/>
-    </dgm:linClrLst>
-    <dgm:effectClrLst/>
-    <dgm:txLinClrLst/>
-    <dgm:txFillClrLst meth="repeat">
-      <a:schemeClr val="dk1"/>
-    </dgm:txFillClrLst>
-    <dgm:txEffectClrLst/>
-  </dgm:styleLbl>
-  <dgm:styleLbl name="solidBgAcc1">
-    <dgm:fillClrLst meth="repeat">
-      <a:schemeClr val="lt1"/>
-    </dgm:fillClrLst>
-    <dgm:linClrLst meth="repeat">
-      <a:schemeClr val="accent1"/>
-    </dgm:linClrLst>
-    <dgm:effectClrLst/>
-    <dgm:txLinClrLst/>
-    <dgm:txFillClrLst meth="repeat">
-      <a:schemeClr val="dk1"/>
-    </dgm:txFillClrLst>
-    <dgm:txEffectClrLst/>
-  </dgm:styleLbl>
-  <dgm:styleLbl name="fgAccFollowNode1">
-    <dgm:fillClrLst meth="repeat">
-      <a:schemeClr val="accent1">
-        <a:alpha val="90000"/>
-        <a:tint val="40000"/>
-      </a:schemeClr>
-    </dgm:fillClrLst>
-    <dgm:linClrLst meth="repeat">
-      <a:schemeClr val="accent1">
-        <a:alpha val="90000"/>
-        <a:tint val="40000"/>
-      </a:schemeClr>
-    </dgm:linClrLst>
-    <dgm:effectClrLst/>
-    <dgm:txLinClrLst/>
-    <dgm:txFillClrLst meth="repeat">
-      <a:schemeClr val="dk1"/>
-    </dgm:txFillClrLst>
-    <dgm:txEffectClrLst/>
-  </dgm:styleLbl>
-  <dgm:styleLbl name="alignAccFollowNode1">
-    <dgm:fillClrLst meth="repeat">
-      <a:schemeClr val="accent1">
-        <a:alpha val="90000"/>
-        <a:tint val="40000"/>
-      </a:schemeClr>
-    </dgm:fillClrLst>
-    <dgm:linClrLst meth="repeat">
-      <a:schemeClr val="accent1">
-        <a:alpha val="90000"/>
-        <a:tint val="40000"/>
-      </a:schemeClr>
-    </dgm:linClrLst>
-    <dgm:effectClrLst/>
-    <dgm:txLinClrLst/>
-    <dgm:txFillClrLst meth="repeat">
-      <a:schemeClr val="dk1"/>
-    </dgm:txFillClrLst>
-    <dgm:txEffectClrLst/>
-  </dgm:styleLbl>
-  <dgm:styleLbl name="bgAccFollowNode1">
-    <dgm:fillClrLst meth="repeat">
-      <a:schemeClr val="accent1">
-        <a:alpha val="90000"/>
-        <a:tint val="40000"/>
-      </a:schemeClr>
-    </dgm:fillClrLst>
-    <dgm:linClrLst meth="repeat">
-      <a:schemeClr val="accent1">
-        <a:alpha val="90000"/>
-        <a:tint val="40000"/>
-      </a:schemeClr>
-    </dgm:linClrLst>
-    <dgm:effectClrLst/>
-    <dgm:txLinClrLst/>
-    <dgm:txFillClrLst meth="repeat">
-      <a:schemeClr val="dk1"/>
-    </dgm:txFillClrLst>
-    <dgm:txEffectClrLst/>
-  </dgm:styleLbl>
-  <dgm:styleLbl name="fgAcc0">
-    <dgm:fillClrLst meth="repeat">
-      <a:schemeClr val="lt1">
-        <a:alpha val="90000"/>
-      </a:schemeClr>
-    </dgm:fillClrLst>
-    <dgm:linClrLst meth="repeat">
-      <a:schemeClr val="accent1"/>
-    </dgm:linClrLst>
-    <dgm:effectClrLst/>
-    <dgm:txLinClrLst/>
-    <dgm:txFillClrLst meth="repeat">
-      <a:schemeClr val="dk1"/>
-    </dgm:txFillClrLst>
-    <dgm:txEffectClrLst/>
-  </dgm:styleLbl>
-  <dgm:styleLbl name="fgAcc2">
-    <dgm:fillClrLst meth="repeat">
-      <a:schemeClr val="lt1">
-        <a:alpha val="90000"/>
-      </a:schemeClr>
-    </dgm:fillClrLst>
-    <dgm:linClrLst meth="repeat">
-      <a:schemeClr val="accent1"/>
-    </dgm:linClrLst>
-    <dgm:effectClrLst/>
-    <dgm:txLinClrLst/>
-    <dgm:txFillClrLst meth="repeat">
-      <a:schemeClr val="dk1"/>
-    </dgm:txFillClrLst>
-    <dgm:txEffectClrLst/>
-  </dgm:styleLbl>
-  <dgm:styleLbl name="fgAcc3">
-    <dgm:fillClrLst meth="repeat">
-      <a:schemeClr val="lt1">
-        <a:alpha val="90000"/>
-      </a:schemeClr>
-    </dgm:fillClrLst>
-    <dgm:linClrLst meth="repeat">
-      <a:schemeClr val="accent1"/>
-    </dgm:linClrLst>
-    <dgm:effectClrLst/>
-    <dgm:txLinClrLst/>
-    <dgm:txFillClrLst meth="repeat">
-      <a:schemeClr val="dk1"/>
-    </dgm:txFillClrLst>
-    <dgm:txEffectClrLst/>
-  </dgm:styleLbl>
-  <dgm:styleLbl name="fgAcc4">
-    <dgm:fillClrLst meth="repeat">
-      <a:schemeClr val="lt1">
-        <a:alpha val="90000"/>
-      </a:schemeClr>
-    </dgm:fillClrLst>
-    <dgm:linClrLst meth="repeat">
-      <a:schemeClr val="accent1"/>
-    </dgm:linClrLst>
-    <dgm:effectClrLst/>
-    <dgm:txLinClrLst/>
-    <dgm:txFillClrLst meth="repeat">
-      <a:schemeClr val="dk1"/>
-    </dgm:txFillClrLst>
-    <dgm:txEffectClrLst/>
-  </dgm:styleLbl>
-  <dgm:styleLbl name="bgShp">
-    <dgm:fillClrLst meth="repeat">
-      <a:schemeClr val="accent1">
-        <a:tint val="40000"/>
-      </a:schemeClr>
-    </dgm:fillClrLst>
-    <dgm:linClrLst meth="repeat">
-      <a:schemeClr val="accent1"/>
-    </dgm:linClrLst>
-    <dgm:effectClrLst/>
-    <dgm:txLinClrLst/>
-    <dgm:txFillClrLst meth="repeat">
-      <a:schemeClr val="dk1"/>
-    </dgm:txFillClrLst>
-    <dgm:txEffectClrLst/>
-  </dgm:styleLbl>
-  <dgm:styleLbl name="dkBgShp">
-    <dgm:fillClrLst meth="repeat">
-      <a:schemeClr val="accent1">
-        <a:shade val="80000"/>
-      </a:schemeClr>
-    </dgm:fillClrLst>
-    <dgm:linClrLst meth="repeat">
-      <a:schemeClr val="accent1"/>
-    </dgm:linClrLst>
-    <dgm:effectClrLst/>
-    <dgm:txLinClrLst/>
-    <dgm:txFillClrLst meth="repeat">
-      <a:schemeClr val="lt1"/>
-    </dgm:txFillClrLst>
-    <dgm:txEffectClrLst/>
-  </dgm:styleLbl>
-  <dgm:styleLbl name="trBgShp">
-    <dgm:fillClrLst meth="repeat">
-      <a:schemeClr val="accent1">
-        <a:tint val="50000"/>
-        <a:alpha val="40000"/>
-      </a:schemeClr>
-    </dgm:fillClrLst>
-    <dgm:linClrLst meth="repeat">
-      <a:schemeClr val="accent1"/>
-    </dgm:linClrLst>
-    <dgm:effectClrLst/>
-    <dgm:txLinClrLst/>
-    <dgm:txFillClrLst meth="repeat">
-      <a:schemeClr val="lt1"/>
-    </dgm:txFillClrLst>
-    <dgm:txEffectClrLst/>
-  </dgm:styleLbl>
-  <dgm:styleLbl name="fgShp">
-    <dgm:fillClrLst meth="repeat">
-      <a:schemeClr val="accent1">
-        <a:tint val="60000"/>
-      </a:schemeClr>
-    </dgm:fillClrLst>
-    <dgm:linClrLst meth="repeat">
-      <a:schemeClr val="lt1"/>
-    </dgm:linClrLst>
-    <dgm:effectClrLst/>
-    <dgm:txLinClrLst/>
-    <dgm:txFillClrLst meth="repeat">
-      <a:schemeClr val="dk1"/>
-    </dgm:txFillClrLst>
-    <dgm:txEffectClrLst/>
-  </dgm:styleLbl>
-  <dgm:styleLbl name="revTx">
-    <dgm:fillClrLst meth="repeat">
-      <a:schemeClr val="lt1">
-        <a:alpha val="0"/>
-      </a:schemeClr>
-    </dgm:fillClrLst>
-    <dgm:linClrLst meth="repeat">
-      <a:schemeClr val="dk1">
-        <a:alpha val="0"/>
-      </a:schemeClr>
-    </dgm:linClrLst>
-    <dgm:effectClrLst/>
-    <dgm:txLinClrLst/>
-    <dgm:txFillClrLst meth="repeat">
-      <a:schemeClr val="tx1"/>
-    </dgm:txFillClrLst>
-    <dgm:txEffectClrLst/>
-  </dgm:styleLbl>
-</dgm:colorsDef>
-</file>
-
 <file path=ppt/diagrams/data1.xml><?xml version="1.0" encoding="utf-8"?>
 <dgm:dataModel xmlns:dgm="http://schemas.openxmlformats.org/drawingml/2006/diagram" xmlns:a="http://schemas.openxmlformats.org/drawingml/2006/main">
   <dgm:ptLst>
@@ -5230,486 +4483,6 @@
     <dgm:cxn modelId="{C6218CA3-3A82-46B6-83FA-92E8DC89AF92}" type="presParOf" srcId="{500EBCF9-5FE8-4C8F-96A3-54EE144E0AFC}" destId="{7FA822C9-9872-4A73-90E5-7888767823A5}" srcOrd="0" destOrd="0" presId="urn:microsoft.com/office/officeart/2005/8/layout/process3"/>
     <dgm:cxn modelId="{9233C429-688D-4F63-80B8-A29A0EB3689B}" type="presParOf" srcId="{500EBCF9-5FE8-4C8F-96A3-54EE144E0AFC}" destId="{4A693A76-0130-4524-9B13-91A0EA0AF38D}" srcOrd="1" destOrd="0" presId="urn:microsoft.com/office/officeart/2005/8/layout/process3"/>
     <dgm:cxn modelId="{3ADC980E-C38A-46E9-922D-5679F6BA46A7}" type="presParOf" srcId="{500EBCF9-5FE8-4C8F-96A3-54EE144E0AFC}" destId="{1B20661B-6083-48DB-A87A-C519C2EFEC2C}" srcOrd="2" destOrd="0" presId="urn:microsoft.com/office/officeart/2005/8/layout/process3"/>
-  </dgm:cxnLst>
-  <dgm:bg/>
-  <dgm:whole/>
-  <dgm:extLst>
-    <a:ext uri="http://schemas.microsoft.com/office/drawing/2008/diagram">
-      <dsp:dataModelExt xmlns:dsp="http://schemas.microsoft.com/office/drawing/2008/diagram" relId="rId7" minVer="http://schemas.openxmlformats.org/drawingml/2006/diagram"/>
-    </a:ext>
-  </dgm:extLst>
-</dgm:dataModel>
-</file>
-
-<file path=ppt/diagrams/data3.xml><?xml version="1.0" encoding="utf-8"?>
-<dgm:dataModel xmlns:dgm="http://schemas.openxmlformats.org/drawingml/2006/diagram" xmlns:a="http://schemas.openxmlformats.org/drawingml/2006/main">
-  <dgm:ptLst>
-    <dgm:pt modelId="{FA1545C4-2986-4060-94F7-8BE4C7B2F430}" type="doc">
-      <dgm:prSet loTypeId="urn:microsoft.com/office/officeart/2008/layout/LinedList" loCatId="list" qsTypeId="urn:microsoft.com/office/officeart/2005/8/quickstyle/simple1" qsCatId="simple" csTypeId="urn:microsoft.com/office/officeart/2005/8/colors/accent1_2" csCatId="accent1" phldr="1"/>
-      <dgm:spPr/>
-      <dgm:t>
-        <a:bodyPr/>
-        <a:lstStyle/>
-        <a:p>
-          <a:endParaRPr lang="en-US"/>
-        </a:p>
-      </dgm:t>
-    </dgm:pt>
-    <dgm:pt modelId="{11060F10-5C50-45D6-AA13-146922547BC9}">
-      <dgm:prSet custT="1"/>
-      <dgm:spPr/>
-      <dgm:t>
-        <a:bodyPr/>
-        <a:lstStyle/>
-        <a:p>
-          <a:r>
-            <a:rPr lang="en-US" sz="1600" dirty="0">
-              <a:latin typeface="Arial" panose="020B0604020202020204" pitchFamily="34" charset="0"/>
-              <a:cs typeface="Arial" panose="020B0604020202020204" pitchFamily="34" charset="0"/>
-            </a:rPr>
-            <a:t>Source of API (</a:t>
-          </a:r>
-          <a:r>
-            <a:rPr lang="en-US" sz="1600" dirty="0" err="1">
-              <a:latin typeface="Arial" panose="020B0604020202020204" pitchFamily="34" charset="0"/>
-              <a:cs typeface="Arial" panose="020B0604020202020204" pitchFamily="34" charset="0"/>
-            </a:rPr>
-            <a:t>Geojson</a:t>
-          </a:r>
-          <a:r>
-            <a:rPr lang="en-US" sz="1600" dirty="0">
-              <a:latin typeface="Arial" panose="020B0604020202020204" pitchFamily="34" charset="0"/>
-              <a:cs typeface="Arial" panose="020B0604020202020204" pitchFamily="34" charset="0"/>
-            </a:rPr>
-            <a:t>)</a:t>
-          </a:r>
-        </a:p>
-        <a:p>
-          <a:r>
-            <a:rPr lang="en-US" sz="1600" dirty="0">
-              <a:latin typeface="Arial" panose="020B0604020202020204" pitchFamily="34" charset="0"/>
-              <a:cs typeface="Arial" panose="020B0604020202020204" pitchFamily="34" charset="0"/>
-            </a:rPr>
-            <a:t> </a:t>
-          </a:r>
-          <a:r>
-            <a:rPr lang="en-US" sz="1600" b="0" dirty="0">
-              <a:latin typeface="Arial" panose="020B0604020202020204" pitchFamily="34" charset="0"/>
-              <a:cs typeface="Arial" panose="020B0604020202020204" pitchFamily="34" charset="0"/>
-            </a:rPr>
-            <a:t>"https://data.cityofchicago.org/resource/ijzp-q8t2.geojson</a:t>
-          </a:r>
-          <a:endParaRPr lang="en-US" sz="1600" dirty="0">
-            <a:latin typeface="Arial" panose="020B0604020202020204" pitchFamily="34" charset="0"/>
-            <a:cs typeface="Arial" panose="020B0604020202020204" pitchFamily="34" charset="0"/>
-          </a:endParaRPr>
-        </a:p>
-      </dgm:t>
-    </dgm:pt>
-    <dgm:pt modelId="{8CEF0B96-7548-4632-B80B-039A77FEFB28}" type="parTrans" cxnId="{3DA755C5-6026-4FEF-9FBA-69ADBCA40747}">
-      <dgm:prSet/>
-      <dgm:spPr/>
-      <dgm:t>
-        <a:bodyPr/>
-        <a:lstStyle/>
-        <a:p>
-          <a:endParaRPr lang="en-US"/>
-        </a:p>
-      </dgm:t>
-    </dgm:pt>
-    <dgm:pt modelId="{F3624E9C-855C-45CF-B82C-33CD04ECC6FF}" type="sibTrans" cxnId="{3DA755C5-6026-4FEF-9FBA-69ADBCA40747}">
-      <dgm:prSet/>
-      <dgm:spPr/>
-      <dgm:t>
-        <a:bodyPr/>
-        <a:lstStyle/>
-        <a:p>
-          <a:endParaRPr lang="en-US"/>
-        </a:p>
-      </dgm:t>
-    </dgm:pt>
-    <dgm:pt modelId="{E3FAE1C7-986C-4C0D-8F61-1FFB5A75CE5C}">
-      <dgm:prSet custT="1"/>
-      <dgm:spPr/>
-      <dgm:t>
-        <a:bodyPr/>
-        <a:lstStyle/>
-        <a:p>
-          <a:r>
-            <a:rPr lang="en-US" sz="1600" dirty="0">
-              <a:latin typeface="Arial" panose="020B0604020202020204" pitchFamily="34" charset="0"/>
-              <a:cs typeface="Arial" panose="020B0604020202020204" pitchFamily="34" charset="0"/>
-            </a:rPr>
-            <a:t>Limit data to 10,000 because of the performance.</a:t>
-          </a:r>
-        </a:p>
-      </dgm:t>
-    </dgm:pt>
-    <dgm:pt modelId="{CB7B97D7-8A1C-4232-B452-A6A8601F4488}" type="parTrans" cxnId="{9AD239B8-3CF1-4D58-8EAC-7C50AC0AE7E9}">
-      <dgm:prSet/>
-      <dgm:spPr/>
-      <dgm:t>
-        <a:bodyPr/>
-        <a:lstStyle/>
-        <a:p>
-          <a:endParaRPr lang="en-US"/>
-        </a:p>
-      </dgm:t>
-    </dgm:pt>
-    <dgm:pt modelId="{59422A49-E4F9-4DFC-B7B8-AFA4961CAE23}" type="sibTrans" cxnId="{9AD239B8-3CF1-4D58-8EAC-7C50AC0AE7E9}">
-      <dgm:prSet/>
-      <dgm:spPr/>
-      <dgm:t>
-        <a:bodyPr/>
-        <a:lstStyle/>
-        <a:p>
-          <a:endParaRPr lang="en-US"/>
-        </a:p>
-      </dgm:t>
-    </dgm:pt>
-    <dgm:pt modelId="{FBBF28E7-92AE-4E5D-AB6F-60BED039C02A}">
-      <dgm:prSet custT="1"/>
-      <dgm:spPr/>
-      <dgm:t>
-        <a:bodyPr/>
-        <a:lstStyle/>
-        <a:p>
-          <a:r>
-            <a:rPr lang="en-US" sz="1600" dirty="0" err="1">
-              <a:latin typeface="Arial" panose="020B0604020202020204" pitchFamily="34" charset="0"/>
-              <a:cs typeface="Arial" panose="020B0604020202020204" pitchFamily="34" charset="0"/>
-            </a:rPr>
-            <a:t>Geojson</a:t>
-          </a:r>
-          <a:r>
-            <a:rPr lang="en-US" sz="1600" dirty="0">
-              <a:latin typeface="Arial" panose="020B0604020202020204" pitchFamily="34" charset="0"/>
-              <a:cs typeface="Arial" panose="020B0604020202020204" pitchFamily="34" charset="0"/>
-            </a:rPr>
-            <a:t> with Leaflet to draw the map</a:t>
-          </a:r>
-        </a:p>
-      </dgm:t>
-    </dgm:pt>
-    <dgm:pt modelId="{6DFE4A21-3ADA-42A0-8D35-3CFC6522C104}" type="parTrans" cxnId="{07C65534-6268-4C63-922F-2FE00384EEC1}">
-      <dgm:prSet/>
-      <dgm:spPr/>
-      <dgm:t>
-        <a:bodyPr/>
-        <a:lstStyle/>
-        <a:p>
-          <a:endParaRPr lang="en-US"/>
-        </a:p>
-      </dgm:t>
-    </dgm:pt>
-    <dgm:pt modelId="{145B6550-B991-4761-BC9C-BFFF81915576}" type="sibTrans" cxnId="{07C65534-6268-4C63-922F-2FE00384EEC1}">
-      <dgm:prSet/>
-      <dgm:spPr/>
-      <dgm:t>
-        <a:bodyPr/>
-        <a:lstStyle/>
-        <a:p>
-          <a:endParaRPr lang="en-US"/>
-        </a:p>
-      </dgm:t>
-    </dgm:pt>
-    <dgm:pt modelId="{837E2A4B-9C70-4841-B81A-238A1CC92125}">
-      <dgm:prSet custT="1"/>
-      <dgm:spPr/>
-      <dgm:t>
-        <a:bodyPr/>
-        <a:lstStyle/>
-        <a:p>
-          <a:r>
-            <a:rPr lang="en-US" sz="1600" dirty="0" err="1">
-              <a:latin typeface="Arial" panose="020B0604020202020204" pitchFamily="34" charset="0"/>
-              <a:cs typeface="Arial" panose="020B0604020202020204" pitchFamily="34" charset="0"/>
-            </a:rPr>
-            <a:t>Geojson</a:t>
-          </a:r>
-          <a:r>
-            <a:rPr lang="en-US" sz="1600" dirty="0">
-              <a:latin typeface="Arial" panose="020B0604020202020204" pitchFamily="34" charset="0"/>
-              <a:cs typeface="Arial" panose="020B0604020202020204" pitchFamily="34" charset="0"/>
-            </a:rPr>
-            <a:t> data has “feature’ array that make is easy to plot the map.</a:t>
-          </a:r>
-        </a:p>
-      </dgm:t>
-    </dgm:pt>
-    <dgm:pt modelId="{93D986D4-CB1F-41F1-A99C-B3FB1A02F6DC}" type="parTrans" cxnId="{1A642282-F697-4FBE-8447-5CFA527DB0BB}">
-      <dgm:prSet/>
-      <dgm:spPr/>
-      <dgm:t>
-        <a:bodyPr/>
-        <a:lstStyle/>
-        <a:p>
-          <a:endParaRPr lang="en-US"/>
-        </a:p>
-      </dgm:t>
-    </dgm:pt>
-    <dgm:pt modelId="{810E4D8B-9D8D-4DC7-B2FB-23C26D260F60}" type="sibTrans" cxnId="{1A642282-F697-4FBE-8447-5CFA527DB0BB}">
-      <dgm:prSet/>
-      <dgm:spPr/>
-      <dgm:t>
-        <a:bodyPr/>
-        <a:lstStyle/>
-        <a:p>
-          <a:endParaRPr lang="en-US"/>
-        </a:p>
-      </dgm:t>
-    </dgm:pt>
-    <dgm:pt modelId="{6926BC16-FED6-4C01-ACFD-5D0126AE8AA2}">
-      <dgm:prSet custT="1"/>
-      <dgm:spPr/>
-      <dgm:t>
-        <a:bodyPr/>
-        <a:lstStyle/>
-        <a:p>
-          <a:r>
-            <a:rPr lang="en-US" sz="1600" dirty="0">
-              <a:latin typeface="Arial" panose="020B0604020202020204" pitchFamily="34" charset="0"/>
-              <a:cs typeface="Arial" panose="020B0604020202020204" pitchFamily="34" charset="0"/>
-            </a:rPr>
-            <a:t>Data was not fully loaded as </a:t>
-          </a:r>
-          <a:r>
-            <a:rPr lang="en-US" sz="1600" dirty="0" err="1">
-              <a:latin typeface="Arial" panose="020B0604020202020204" pitchFamily="34" charset="0"/>
-              <a:cs typeface="Arial" panose="020B0604020202020204" pitchFamily="34" charset="0"/>
-            </a:rPr>
-            <a:t>geojson</a:t>
-          </a:r>
-          <a:r>
-            <a:rPr lang="en-US" sz="1600" dirty="0">
-              <a:latin typeface="Arial" panose="020B0604020202020204" pitchFamily="34" charset="0"/>
-              <a:cs typeface="Arial" panose="020B0604020202020204" pitchFamily="34" charset="0"/>
-            </a:rPr>
-            <a:t> format because some other challenges. The list was missing </a:t>
-          </a:r>
-        </a:p>
-      </dgm:t>
-    </dgm:pt>
-    <dgm:pt modelId="{19128B83-3EE6-4030-A115-6E029F82FA3E}" type="parTrans" cxnId="{BB65ACF6-21DB-405A-B9EF-7945E9FBA70F}">
-      <dgm:prSet/>
-      <dgm:spPr/>
-      <dgm:t>
-        <a:bodyPr/>
-        <a:lstStyle/>
-        <a:p>
-          <a:endParaRPr lang="en-US"/>
-        </a:p>
-      </dgm:t>
-    </dgm:pt>
-    <dgm:pt modelId="{43110061-BA93-4C56-B291-F59E8CD359D8}" type="sibTrans" cxnId="{BB65ACF6-21DB-405A-B9EF-7945E9FBA70F}">
-      <dgm:prSet/>
-      <dgm:spPr/>
-      <dgm:t>
-        <a:bodyPr/>
-        <a:lstStyle/>
-        <a:p>
-          <a:endParaRPr lang="en-US"/>
-        </a:p>
-      </dgm:t>
-    </dgm:pt>
-    <dgm:pt modelId="{BCCC0CBD-8F46-4B42-BD68-699A70C4563E}">
-      <dgm:prSet custT="1"/>
-      <dgm:spPr/>
-      <dgm:t>
-        <a:bodyPr/>
-        <a:lstStyle/>
-        <a:p>
-          <a:r>
-            <a:rPr lang="en-US" sz="1600" dirty="0">
-              <a:latin typeface="Arial" panose="020B0604020202020204" pitchFamily="34" charset="0"/>
-              <a:cs typeface="Arial" panose="020B0604020202020204" pitchFamily="34" charset="0"/>
-            </a:rPr>
-            <a:t>A line was added in python script to convert fully to a  </a:t>
-          </a:r>
-          <a:r>
-            <a:rPr lang="en-US" sz="1600" dirty="0" err="1">
-              <a:latin typeface="Arial" panose="020B0604020202020204" pitchFamily="34" charset="0"/>
-              <a:cs typeface="Arial" panose="020B0604020202020204" pitchFamily="34" charset="0"/>
-            </a:rPr>
-            <a:t>geojson</a:t>
-          </a:r>
-          <a:r>
-            <a:rPr lang="en-US" sz="1600" dirty="0">
-              <a:latin typeface="Arial" panose="020B0604020202020204" pitchFamily="34" charset="0"/>
-              <a:cs typeface="Arial" panose="020B0604020202020204" pitchFamily="34" charset="0"/>
-            </a:rPr>
-            <a:t> format.</a:t>
-          </a:r>
-        </a:p>
-      </dgm:t>
-    </dgm:pt>
-    <dgm:pt modelId="{BB0DFEE1-0EAC-4893-9C6C-477436508F1C}" type="parTrans" cxnId="{C86B922B-05FE-4814-AA60-6158403BA597}">
-      <dgm:prSet/>
-      <dgm:spPr/>
-      <dgm:t>
-        <a:bodyPr/>
-        <a:lstStyle/>
-        <a:p>
-          <a:endParaRPr lang="en-US"/>
-        </a:p>
-      </dgm:t>
-    </dgm:pt>
-    <dgm:pt modelId="{61B3F9E3-E6FC-48E5-86A4-DB4ED5F0B943}" type="sibTrans" cxnId="{C86B922B-05FE-4814-AA60-6158403BA597}">
-      <dgm:prSet/>
-      <dgm:spPr/>
-      <dgm:t>
-        <a:bodyPr/>
-        <a:lstStyle/>
-        <a:p>
-          <a:endParaRPr lang="en-US"/>
-        </a:p>
-      </dgm:t>
-    </dgm:pt>
-    <dgm:pt modelId="{1D2CD841-425A-4328-831E-22B70BF4EE56}" type="pres">
-      <dgm:prSet presAssocID="{FA1545C4-2986-4060-94F7-8BE4C7B2F430}" presName="vert0" presStyleCnt="0">
-        <dgm:presLayoutVars>
-          <dgm:dir/>
-          <dgm:animOne val="branch"/>
-          <dgm:animLvl val="lvl"/>
-        </dgm:presLayoutVars>
-      </dgm:prSet>
-      <dgm:spPr/>
-    </dgm:pt>
-    <dgm:pt modelId="{AC30E8B0-BC21-495D-8A17-1A0A499DDB80}" type="pres">
-      <dgm:prSet presAssocID="{11060F10-5C50-45D6-AA13-146922547BC9}" presName="thickLine" presStyleLbl="alignNode1" presStyleIdx="0" presStyleCnt="6"/>
-      <dgm:spPr/>
-    </dgm:pt>
-    <dgm:pt modelId="{087B5717-BF91-4BF0-BD95-2CB74E495FDF}" type="pres">
-      <dgm:prSet presAssocID="{11060F10-5C50-45D6-AA13-146922547BC9}" presName="horz1" presStyleCnt="0"/>
-      <dgm:spPr/>
-    </dgm:pt>
-    <dgm:pt modelId="{CD50FD96-11AC-4D4E-A245-FBC875D2B096}" type="pres">
-      <dgm:prSet presAssocID="{11060F10-5C50-45D6-AA13-146922547BC9}" presName="tx1" presStyleLbl="revTx" presStyleIdx="0" presStyleCnt="6"/>
-      <dgm:spPr/>
-    </dgm:pt>
-    <dgm:pt modelId="{FC64D0E6-A2F6-4FDF-8C78-6A5C5A12B57D}" type="pres">
-      <dgm:prSet presAssocID="{11060F10-5C50-45D6-AA13-146922547BC9}" presName="vert1" presStyleCnt="0"/>
-      <dgm:spPr/>
-    </dgm:pt>
-    <dgm:pt modelId="{FF4728A1-6094-43F0-8E01-815BEAB077AC}" type="pres">
-      <dgm:prSet presAssocID="{E3FAE1C7-986C-4C0D-8F61-1FFB5A75CE5C}" presName="thickLine" presStyleLbl="alignNode1" presStyleIdx="1" presStyleCnt="6"/>
-      <dgm:spPr/>
-    </dgm:pt>
-    <dgm:pt modelId="{07ACADF4-5E50-4BBE-B5FA-96912E6E8BA4}" type="pres">
-      <dgm:prSet presAssocID="{E3FAE1C7-986C-4C0D-8F61-1FFB5A75CE5C}" presName="horz1" presStyleCnt="0"/>
-      <dgm:spPr/>
-    </dgm:pt>
-    <dgm:pt modelId="{F8E3E558-93D3-451B-AAC8-E10D2657B137}" type="pres">
-      <dgm:prSet presAssocID="{E3FAE1C7-986C-4C0D-8F61-1FFB5A75CE5C}" presName="tx1" presStyleLbl="revTx" presStyleIdx="1" presStyleCnt="6" custScaleX="500000"/>
-      <dgm:spPr/>
-    </dgm:pt>
-    <dgm:pt modelId="{4C5A0301-92A3-40E0-8E2B-073A85B4F4DF}" type="pres">
-      <dgm:prSet presAssocID="{E3FAE1C7-986C-4C0D-8F61-1FFB5A75CE5C}" presName="vert1" presStyleCnt="0"/>
-      <dgm:spPr/>
-    </dgm:pt>
-    <dgm:pt modelId="{069AB11B-86AA-473B-ACD2-DA8F7FCE232C}" type="pres">
-      <dgm:prSet presAssocID="{FBBF28E7-92AE-4E5D-AB6F-60BED039C02A}" presName="thickLine" presStyleLbl="alignNode1" presStyleIdx="2" presStyleCnt="6"/>
-      <dgm:spPr/>
-    </dgm:pt>
-    <dgm:pt modelId="{21E13C1D-B372-413E-AC25-589B9A8E408E}" type="pres">
-      <dgm:prSet presAssocID="{FBBF28E7-92AE-4E5D-AB6F-60BED039C02A}" presName="horz1" presStyleCnt="0"/>
-      <dgm:spPr/>
-    </dgm:pt>
-    <dgm:pt modelId="{E9A0ED03-A6C2-492C-BBEF-BF9BD83850BA}" type="pres">
-      <dgm:prSet presAssocID="{FBBF28E7-92AE-4E5D-AB6F-60BED039C02A}" presName="tx1" presStyleLbl="revTx" presStyleIdx="2" presStyleCnt="6" custScaleX="500000"/>
-      <dgm:spPr/>
-    </dgm:pt>
-    <dgm:pt modelId="{BFF9C8BE-7950-4D4C-A791-479379FAA209}" type="pres">
-      <dgm:prSet presAssocID="{FBBF28E7-92AE-4E5D-AB6F-60BED039C02A}" presName="vert1" presStyleCnt="0"/>
-      <dgm:spPr/>
-    </dgm:pt>
-    <dgm:pt modelId="{CF577B9C-F00F-497D-8523-D36DFCD8590E}" type="pres">
-      <dgm:prSet presAssocID="{837E2A4B-9C70-4841-B81A-238A1CC92125}" presName="thickLine" presStyleLbl="alignNode1" presStyleIdx="3" presStyleCnt="6"/>
-      <dgm:spPr/>
-    </dgm:pt>
-    <dgm:pt modelId="{72512CCB-B5C6-48DF-B292-2E260225FCCF}" type="pres">
-      <dgm:prSet presAssocID="{837E2A4B-9C70-4841-B81A-238A1CC92125}" presName="horz1" presStyleCnt="0"/>
-      <dgm:spPr/>
-    </dgm:pt>
-    <dgm:pt modelId="{CA1AEB6B-5E85-4D7F-B203-B1F8334559F0}" type="pres">
-      <dgm:prSet presAssocID="{837E2A4B-9C70-4841-B81A-238A1CC92125}" presName="tx1" presStyleLbl="revTx" presStyleIdx="3" presStyleCnt="6" custScaleX="500000"/>
-      <dgm:spPr/>
-    </dgm:pt>
-    <dgm:pt modelId="{6DCAA1C8-B125-4560-A531-A4650605A31F}" type="pres">
-      <dgm:prSet presAssocID="{837E2A4B-9C70-4841-B81A-238A1CC92125}" presName="vert1" presStyleCnt="0"/>
-      <dgm:spPr/>
-    </dgm:pt>
-    <dgm:pt modelId="{EB6C97B3-4D81-465B-96A2-80D7CF776F22}" type="pres">
-      <dgm:prSet presAssocID="{6926BC16-FED6-4C01-ACFD-5D0126AE8AA2}" presName="thickLine" presStyleLbl="alignNode1" presStyleIdx="4" presStyleCnt="6"/>
-      <dgm:spPr/>
-    </dgm:pt>
-    <dgm:pt modelId="{76A1EA1E-C631-4955-A9F8-D5B63FEEA288}" type="pres">
-      <dgm:prSet presAssocID="{6926BC16-FED6-4C01-ACFD-5D0126AE8AA2}" presName="horz1" presStyleCnt="0"/>
-      <dgm:spPr/>
-    </dgm:pt>
-    <dgm:pt modelId="{24E6F0C2-0A0B-41D2-9E65-B4A664FE2185}" type="pres">
-      <dgm:prSet presAssocID="{6926BC16-FED6-4C01-ACFD-5D0126AE8AA2}" presName="tx1" presStyleLbl="revTx" presStyleIdx="4" presStyleCnt="6" custScaleX="500000"/>
-      <dgm:spPr/>
-    </dgm:pt>
-    <dgm:pt modelId="{D063C840-688F-468D-9221-7D3EB11907CA}" type="pres">
-      <dgm:prSet presAssocID="{6926BC16-FED6-4C01-ACFD-5D0126AE8AA2}" presName="vert1" presStyleCnt="0"/>
-      <dgm:spPr/>
-    </dgm:pt>
-    <dgm:pt modelId="{44E3B4A7-35E0-413D-BA5E-5506051144E0}" type="pres">
-      <dgm:prSet presAssocID="{BCCC0CBD-8F46-4B42-BD68-699A70C4563E}" presName="thickLine" presStyleLbl="alignNode1" presStyleIdx="5" presStyleCnt="6"/>
-      <dgm:spPr/>
-    </dgm:pt>
-    <dgm:pt modelId="{BD3EDBE8-E7A9-40F3-A888-3C6FB2EBF323}" type="pres">
-      <dgm:prSet presAssocID="{BCCC0CBD-8F46-4B42-BD68-699A70C4563E}" presName="horz1" presStyleCnt="0"/>
-      <dgm:spPr/>
-    </dgm:pt>
-    <dgm:pt modelId="{8CA5E85E-AC5A-4031-892C-0E96E1BC7E3C}" type="pres">
-      <dgm:prSet presAssocID="{BCCC0CBD-8F46-4B42-BD68-699A70C4563E}" presName="tx1" presStyleLbl="revTx" presStyleIdx="5" presStyleCnt="6" custScaleX="500000"/>
-      <dgm:spPr/>
-    </dgm:pt>
-    <dgm:pt modelId="{3939A501-DC1E-4F96-BB15-8873E1403A48}" type="pres">
-      <dgm:prSet presAssocID="{BCCC0CBD-8F46-4B42-BD68-699A70C4563E}" presName="vert1" presStyleCnt="0"/>
-      <dgm:spPr/>
-    </dgm:pt>
-  </dgm:ptLst>
-  <dgm:cxnLst>
-    <dgm:cxn modelId="{6E430607-A168-4187-9704-08851206E0FE}" type="presOf" srcId="{FA1545C4-2986-4060-94F7-8BE4C7B2F430}" destId="{1D2CD841-425A-4328-831E-22B70BF4EE56}" srcOrd="0" destOrd="0" presId="urn:microsoft.com/office/officeart/2008/layout/LinedList"/>
-    <dgm:cxn modelId="{36760322-5C1E-414C-A55A-041974F51019}" type="presOf" srcId="{BCCC0CBD-8F46-4B42-BD68-699A70C4563E}" destId="{8CA5E85E-AC5A-4031-892C-0E96E1BC7E3C}" srcOrd="0" destOrd="0" presId="urn:microsoft.com/office/officeart/2008/layout/LinedList"/>
-    <dgm:cxn modelId="{C86B922B-05FE-4814-AA60-6158403BA597}" srcId="{FA1545C4-2986-4060-94F7-8BE4C7B2F430}" destId="{BCCC0CBD-8F46-4B42-BD68-699A70C4563E}" srcOrd="5" destOrd="0" parTransId="{BB0DFEE1-0EAC-4893-9C6C-477436508F1C}" sibTransId="{61B3F9E3-E6FC-48E5-86A4-DB4ED5F0B943}"/>
-    <dgm:cxn modelId="{07C65534-6268-4C63-922F-2FE00384EEC1}" srcId="{FA1545C4-2986-4060-94F7-8BE4C7B2F430}" destId="{FBBF28E7-92AE-4E5D-AB6F-60BED039C02A}" srcOrd="2" destOrd="0" parTransId="{6DFE4A21-3ADA-42A0-8D35-3CFC6522C104}" sibTransId="{145B6550-B991-4761-BC9C-BFFF81915576}"/>
-    <dgm:cxn modelId="{3C748660-6BFA-4511-B5C6-DE7CD1BE5830}" type="presOf" srcId="{11060F10-5C50-45D6-AA13-146922547BC9}" destId="{CD50FD96-11AC-4D4E-A245-FBC875D2B096}" srcOrd="0" destOrd="0" presId="urn:microsoft.com/office/officeart/2008/layout/LinedList"/>
-    <dgm:cxn modelId="{9D9EFB7C-4CAB-4EB2-8713-5E8CFDC9C97D}" type="presOf" srcId="{6926BC16-FED6-4C01-ACFD-5D0126AE8AA2}" destId="{24E6F0C2-0A0B-41D2-9E65-B4A664FE2185}" srcOrd="0" destOrd="0" presId="urn:microsoft.com/office/officeart/2008/layout/LinedList"/>
-    <dgm:cxn modelId="{1A642282-F697-4FBE-8447-5CFA527DB0BB}" srcId="{FA1545C4-2986-4060-94F7-8BE4C7B2F430}" destId="{837E2A4B-9C70-4841-B81A-238A1CC92125}" srcOrd="3" destOrd="0" parTransId="{93D986D4-CB1F-41F1-A99C-B3FB1A02F6DC}" sibTransId="{810E4D8B-9D8D-4DC7-B2FB-23C26D260F60}"/>
-    <dgm:cxn modelId="{2708A3AA-8AEB-4243-B95F-9EACBAA48818}" type="presOf" srcId="{E3FAE1C7-986C-4C0D-8F61-1FFB5A75CE5C}" destId="{F8E3E558-93D3-451B-AAC8-E10D2657B137}" srcOrd="0" destOrd="0" presId="urn:microsoft.com/office/officeart/2008/layout/LinedList"/>
-    <dgm:cxn modelId="{9AD239B8-3CF1-4D58-8EAC-7C50AC0AE7E9}" srcId="{FA1545C4-2986-4060-94F7-8BE4C7B2F430}" destId="{E3FAE1C7-986C-4C0D-8F61-1FFB5A75CE5C}" srcOrd="1" destOrd="0" parTransId="{CB7B97D7-8A1C-4232-B452-A6A8601F4488}" sibTransId="{59422A49-E4F9-4DFC-B7B8-AFA4961CAE23}"/>
-    <dgm:cxn modelId="{3DA755C5-6026-4FEF-9FBA-69ADBCA40747}" srcId="{FA1545C4-2986-4060-94F7-8BE4C7B2F430}" destId="{11060F10-5C50-45D6-AA13-146922547BC9}" srcOrd="0" destOrd="0" parTransId="{8CEF0B96-7548-4632-B80B-039A77FEFB28}" sibTransId="{F3624E9C-855C-45CF-B82C-33CD04ECC6FF}"/>
-    <dgm:cxn modelId="{2D3318DE-281B-4577-8413-EECD18B09269}" type="presOf" srcId="{FBBF28E7-92AE-4E5D-AB6F-60BED039C02A}" destId="{E9A0ED03-A6C2-492C-BBEF-BF9BD83850BA}" srcOrd="0" destOrd="0" presId="urn:microsoft.com/office/officeart/2008/layout/LinedList"/>
-    <dgm:cxn modelId="{BB65ACF6-21DB-405A-B9EF-7945E9FBA70F}" srcId="{FA1545C4-2986-4060-94F7-8BE4C7B2F430}" destId="{6926BC16-FED6-4C01-ACFD-5D0126AE8AA2}" srcOrd="4" destOrd="0" parTransId="{19128B83-3EE6-4030-A115-6E029F82FA3E}" sibTransId="{43110061-BA93-4C56-B291-F59E8CD359D8}"/>
-    <dgm:cxn modelId="{699616F9-8BEF-41E3-81FF-AF77401752C4}" type="presOf" srcId="{837E2A4B-9C70-4841-B81A-238A1CC92125}" destId="{CA1AEB6B-5E85-4D7F-B203-B1F8334559F0}" srcOrd="0" destOrd="0" presId="urn:microsoft.com/office/officeart/2008/layout/LinedList"/>
-    <dgm:cxn modelId="{7053339E-5ABB-4723-B1A7-184ED1DC27C8}" type="presParOf" srcId="{1D2CD841-425A-4328-831E-22B70BF4EE56}" destId="{AC30E8B0-BC21-495D-8A17-1A0A499DDB80}" srcOrd="0" destOrd="0" presId="urn:microsoft.com/office/officeart/2008/layout/LinedList"/>
-    <dgm:cxn modelId="{A0002810-CB5B-4023-BF8A-487FCDD6DDFC}" type="presParOf" srcId="{1D2CD841-425A-4328-831E-22B70BF4EE56}" destId="{087B5717-BF91-4BF0-BD95-2CB74E495FDF}" srcOrd="1" destOrd="0" presId="urn:microsoft.com/office/officeart/2008/layout/LinedList"/>
-    <dgm:cxn modelId="{48C46A57-614D-4116-9902-5F02218E5ACE}" type="presParOf" srcId="{087B5717-BF91-4BF0-BD95-2CB74E495FDF}" destId="{CD50FD96-11AC-4D4E-A245-FBC875D2B096}" srcOrd="0" destOrd="0" presId="urn:microsoft.com/office/officeart/2008/layout/LinedList"/>
-    <dgm:cxn modelId="{E5EB285F-F145-44AD-B861-AF1451E25467}" type="presParOf" srcId="{087B5717-BF91-4BF0-BD95-2CB74E495FDF}" destId="{FC64D0E6-A2F6-4FDF-8C78-6A5C5A12B57D}" srcOrd="1" destOrd="0" presId="urn:microsoft.com/office/officeart/2008/layout/LinedList"/>
-    <dgm:cxn modelId="{CDFB1DFF-0F0B-42C5-A838-439E5841F7EC}" type="presParOf" srcId="{1D2CD841-425A-4328-831E-22B70BF4EE56}" destId="{FF4728A1-6094-43F0-8E01-815BEAB077AC}" srcOrd="2" destOrd="0" presId="urn:microsoft.com/office/officeart/2008/layout/LinedList"/>
-    <dgm:cxn modelId="{13AA6C42-203D-40BF-B6C6-666402B4F220}" type="presParOf" srcId="{1D2CD841-425A-4328-831E-22B70BF4EE56}" destId="{07ACADF4-5E50-4BBE-B5FA-96912E6E8BA4}" srcOrd="3" destOrd="0" presId="urn:microsoft.com/office/officeart/2008/layout/LinedList"/>
-    <dgm:cxn modelId="{4608667B-8484-402C-9090-242DD3F60D18}" type="presParOf" srcId="{07ACADF4-5E50-4BBE-B5FA-96912E6E8BA4}" destId="{F8E3E558-93D3-451B-AAC8-E10D2657B137}" srcOrd="0" destOrd="0" presId="urn:microsoft.com/office/officeart/2008/layout/LinedList"/>
-    <dgm:cxn modelId="{F735B61C-F47C-49D1-9F71-55A6C8225538}" type="presParOf" srcId="{07ACADF4-5E50-4BBE-B5FA-96912E6E8BA4}" destId="{4C5A0301-92A3-40E0-8E2B-073A85B4F4DF}" srcOrd="1" destOrd="0" presId="urn:microsoft.com/office/officeart/2008/layout/LinedList"/>
-    <dgm:cxn modelId="{14163DC0-5385-4906-8856-B7B1DB23F3C0}" type="presParOf" srcId="{1D2CD841-425A-4328-831E-22B70BF4EE56}" destId="{069AB11B-86AA-473B-ACD2-DA8F7FCE232C}" srcOrd="4" destOrd="0" presId="urn:microsoft.com/office/officeart/2008/layout/LinedList"/>
-    <dgm:cxn modelId="{656925B6-F231-49E7-A081-913B5A5B1137}" type="presParOf" srcId="{1D2CD841-425A-4328-831E-22B70BF4EE56}" destId="{21E13C1D-B372-413E-AC25-589B9A8E408E}" srcOrd="5" destOrd="0" presId="urn:microsoft.com/office/officeart/2008/layout/LinedList"/>
-    <dgm:cxn modelId="{79E05888-D7FD-4873-9259-0E105E172BA1}" type="presParOf" srcId="{21E13C1D-B372-413E-AC25-589B9A8E408E}" destId="{E9A0ED03-A6C2-492C-BBEF-BF9BD83850BA}" srcOrd="0" destOrd="0" presId="urn:microsoft.com/office/officeart/2008/layout/LinedList"/>
-    <dgm:cxn modelId="{C53695C7-A98B-445E-9E84-DFB1F956A1A9}" type="presParOf" srcId="{21E13C1D-B372-413E-AC25-589B9A8E408E}" destId="{BFF9C8BE-7950-4D4C-A791-479379FAA209}" srcOrd="1" destOrd="0" presId="urn:microsoft.com/office/officeart/2008/layout/LinedList"/>
-    <dgm:cxn modelId="{1BEFBC32-7760-4859-BCD8-B1B6B0E082B6}" type="presParOf" srcId="{1D2CD841-425A-4328-831E-22B70BF4EE56}" destId="{CF577B9C-F00F-497D-8523-D36DFCD8590E}" srcOrd="6" destOrd="0" presId="urn:microsoft.com/office/officeart/2008/layout/LinedList"/>
-    <dgm:cxn modelId="{498F83CB-12E9-4F71-81B0-5BF340EDD525}" type="presParOf" srcId="{1D2CD841-425A-4328-831E-22B70BF4EE56}" destId="{72512CCB-B5C6-48DF-B292-2E260225FCCF}" srcOrd="7" destOrd="0" presId="urn:microsoft.com/office/officeart/2008/layout/LinedList"/>
-    <dgm:cxn modelId="{22754979-0E9F-4677-8CC0-BC574F45E570}" type="presParOf" srcId="{72512CCB-B5C6-48DF-B292-2E260225FCCF}" destId="{CA1AEB6B-5E85-4D7F-B203-B1F8334559F0}" srcOrd="0" destOrd="0" presId="urn:microsoft.com/office/officeart/2008/layout/LinedList"/>
-    <dgm:cxn modelId="{E537C9A3-6EB4-46FE-90FE-C26952AE0016}" type="presParOf" srcId="{72512CCB-B5C6-48DF-B292-2E260225FCCF}" destId="{6DCAA1C8-B125-4560-A531-A4650605A31F}" srcOrd="1" destOrd="0" presId="urn:microsoft.com/office/officeart/2008/layout/LinedList"/>
-    <dgm:cxn modelId="{E3E434CD-686E-4863-AE8F-2A85CA6585D3}" type="presParOf" srcId="{1D2CD841-425A-4328-831E-22B70BF4EE56}" destId="{EB6C97B3-4D81-465B-96A2-80D7CF776F22}" srcOrd="8" destOrd="0" presId="urn:microsoft.com/office/officeart/2008/layout/LinedList"/>
-    <dgm:cxn modelId="{47DBA81D-89E6-4320-AE36-8B72FEC53E75}" type="presParOf" srcId="{1D2CD841-425A-4328-831E-22B70BF4EE56}" destId="{76A1EA1E-C631-4955-A9F8-D5B63FEEA288}" srcOrd="9" destOrd="0" presId="urn:microsoft.com/office/officeart/2008/layout/LinedList"/>
-    <dgm:cxn modelId="{94CE7963-74B8-4A91-A426-612C20E5B759}" type="presParOf" srcId="{76A1EA1E-C631-4955-A9F8-D5B63FEEA288}" destId="{24E6F0C2-0A0B-41D2-9E65-B4A664FE2185}" srcOrd="0" destOrd="0" presId="urn:microsoft.com/office/officeart/2008/layout/LinedList"/>
-    <dgm:cxn modelId="{2145A5BB-4D62-47E1-8613-4C89954F6D52}" type="presParOf" srcId="{76A1EA1E-C631-4955-A9F8-D5B63FEEA288}" destId="{D063C840-688F-468D-9221-7D3EB11907CA}" srcOrd="1" destOrd="0" presId="urn:microsoft.com/office/officeart/2008/layout/LinedList"/>
-    <dgm:cxn modelId="{8F5427F0-7E7C-48EA-932B-6274EAEF5819}" type="presParOf" srcId="{1D2CD841-425A-4328-831E-22B70BF4EE56}" destId="{44E3B4A7-35E0-413D-BA5E-5506051144E0}" srcOrd="10" destOrd="0" presId="urn:microsoft.com/office/officeart/2008/layout/LinedList"/>
-    <dgm:cxn modelId="{EC4F6019-29E5-4ECC-BC79-EB4D81495815}" type="presParOf" srcId="{1D2CD841-425A-4328-831E-22B70BF4EE56}" destId="{BD3EDBE8-E7A9-40F3-A888-3C6FB2EBF323}" srcOrd="11" destOrd="0" presId="urn:microsoft.com/office/officeart/2008/layout/LinedList"/>
-    <dgm:cxn modelId="{AC967D90-A07A-4538-9B9D-6244D916B0D2}" type="presParOf" srcId="{BD3EDBE8-E7A9-40F3-A888-3C6FB2EBF323}" destId="{8CA5E85E-AC5A-4031-892C-0E96E1BC7E3C}" srcOrd="0" destOrd="0" presId="urn:microsoft.com/office/officeart/2008/layout/LinedList"/>
-    <dgm:cxn modelId="{3998FEBB-386B-4E18-8C90-5C8E57584604}" type="presParOf" srcId="{BD3EDBE8-E7A9-40F3-A888-3C6FB2EBF323}" destId="{3939A501-DC1E-4F96-BB15-8873E1403A48}" srcOrd="1" destOrd="0" presId="urn:microsoft.com/office/officeart/2008/layout/LinedList"/>
   </dgm:cxnLst>
   <dgm:bg/>
   <dgm:whole/>
@@ -7194,778 +5967,6 @@
 </dsp:drawing>
 </file>
 
-<file path=ppt/diagrams/drawing3.xml><?xml version="1.0" encoding="utf-8"?>
-<dsp:drawing xmlns:dgm="http://schemas.openxmlformats.org/drawingml/2006/diagram" xmlns:dsp="http://schemas.microsoft.com/office/drawing/2008/diagram" xmlns:a="http://schemas.openxmlformats.org/drawingml/2006/main">
-  <dsp:spTree>
-    <dsp:nvGrpSpPr>
-      <dsp:cNvPr id="0" name=""/>
-      <dsp:cNvGrpSpPr/>
-    </dsp:nvGrpSpPr>
-    <dsp:grpSpPr/>
-    <dsp:sp modelId="{AC30E8B0-BC21-495D-8A17-1A0A499DDB80}">
-      <dsp:nvSpPr>
-        <dsp:cNvPr id="0" name=""/>
-        <dsp:cNvSpPr/>
-      </dsp:nvSpPr>
-      <dsp:spPr>
-        <a:xfrm>
-          <a:off x="0" y="1748"/>
-          <a:ext cx="9436100" cy="0"/>
-        </a:xfrm>
-        <a:prstGeom prst="line">
-          <a:avLst/>
-        </a:prstGeom>
-        <a:solidFill>
-          <a:schemeClr val="accent1">
-            <a:hueOff val="0"/>
-            <a:satOff val="0"/>
-            <a:lumOff val="0"/>
-            <a:alphaOff val="0"/>
-          </a:schemeClr>
-        </a:solidFill>
-        <a:ln w="19050" cap="rnd" cmpd="sng" algn="ctr">
-          <a:solidFill>
-            <a:schemeClr val="accent1">
-              <a:hueOff val="0"/>
-              <a:satOff val="0"/>
-              <a:lumOff val="0"/>
-              <a:alphaOff val="0"/>
-            </a:schemeClr>
-          </a:solidFill>
-          <a:prstDash val="solid"/>
-        </a:ln>
-        <a:effectLst/>
-      </dsp:spPr>
-      <dsp:style>
-        <a:lnRef idx="2">
-          <a:scrgbClr r="0" g="0" b="0"/>
-        </a:lnRef>
-        <a:fillRef idx="1">
-          <a:scrgbClr r="0" g="0" b="0"/>
-        </a:fillRef>
-        <a:effectRef idx="0">
-          <a:scrgbClr r="0" g="0" b="0"/>
-        </a:effectRef>
-        <a:fontRef idx="minor">
-          <a:schemeClr val="lt1"/>
-        </a:fontRef>
-      </dsp:style>
-    </dsp:sp>
-    <dsp:sp modelId="{CD50FD96-11AC-4D4E-A245-FBC875D2B096}">
-      <dsp:nvSpPr>
-        <dsp:cNvPr id="0" name=""/>
-        <dsp:cNvSpPr/>
-      </dsp:nvSpPr>
-      <dsp:spPr>
-        <a:xfrm>
-          <a:off x="0" y="1748"/>
-          <a:ext cx="9436100" cy="596317"/>
-        </a:xfrm>
-        <a:prstGeom prst="rect">
-          <a:avLst/>
-        </a:prstGeom>
-        <a:noFill/>
-        <a:ln>
-          <a:noFill/>
-        </a:ln>
-        <a:effectLst/>
-      </dsp:spPr>
-      <dsp:style>
-        <a:lnRef idx="0">
-          <a:scrgbClr r="0" g="0" b="0"/>
-        </a:lnRef>
-        <a:fillRef idx="0">
-          <a:scrgbClr r="0" g="0" b="0"/>
-        </a:fillRef>
-        <a:effectRef idx="0">
-          <a:scrgbClr r="0" g="0" b="0"/>
-        </a:effectRef>
-        <a:fontRef idx="minor"/>
-      </dsp:style>
-      <dsp:txBody>
-        <a:bodyPr spcFirstLastPara="0" vert="horz" wrap="square" lIns="60960" tIns="60960" rIns="60960" bIns="60960" numCol="1" spcCol="1270" anchor="t" anchorCtr="0">
-          <a:noAutofit/>
-        </a:bodyPr>
-        <a:lstStyle/>
-        <a:p>
-          <a:pPr marL="0" lvl="0" indent="0" algn="l" defTabSz="711200">
-            <a:lnSpc>
-              <a:spcPct val="90000"/>
-            </a:lnSpc>
-            <a:spcBef>
-              <a:spcPct val="0"/>
-            </a:spcBef>
-            <a:spcAft>
-              <a:spcPct val="35000"/>
-            </a:spcAft>
-            <a:buNone/>
-          </a:pPr>
-          <a:r>
-            <a:rPr lang="en-US" sz="1600" kern="1200" dirty="0">
-              <a:latin typeface="Arial" panose="020B0604020202020204" pitchFamily="34" charset="0"/>
-              <a:cs typeface="Arial" panose="020B0604020202020204" pitchFamily="34" charset="0"/>
-            </a:rPr>
-            <a:t>Source of API (</a:t>
-          </a:r>
-          <a:r>
-            <a:rPr lang="en-US" sz="1600" kern="1200" dirty="0" err="1">
-              <a:latin typeface="Arial" panose="020B0604020202020204" pitchFamily="34" charset="0"/>
-              <a:cs typeface="Arial" panose="020B0604020202020204" pitchFamily="34" charset="0"/>
-            </a:rPr>
-            <a:t>Geojson</a:t>
-          </a:r>
-          <a:r>
-            <a:rPr lang="en-US" sz="1600" kern="1200" dirty="0">
-              <a:latin typeface="Arial" panose="020B0604020202020204" pitchFamily="34" charset="0"/>
-              <a:cs typeface="Arial" panose="020B0604020202020204" pitchFamily="34" charset="0"/>
-            </a:rPr>
-            <a:t>)</a:t>
-          </a:r>
-        </a:p>
-        <a:p>
-          <a:pPr marL="0" lvl="0" indent="0" algn="l" defTabSz="711200">
-            <a:lnSpc>
-              <a:spcPct val="90000"/>
-            </a:lnSpc>
-            <a:spcBef>
-              <a:spcPct val="0"/>
-            </a:spcBef>
-            <a:spcAft>
-              <a:spcPct val="35000"/>
-            </a:spcAft>
-            <a:buNone/>
-          </a:pPr>
-          <a:r>
-            <a:rPr lang="en-US" sz="1600" kern="1200" dirty="0">
-              <a:latin typeface="Arial" panose="020B0604020202020204" pitchFamily="34" charset="0"/>
-              <a:cs typeface="Arial" panose="020B0604020202020204" pitchFamily="34" charset="0"/>
-            </a:rPr>
-            <a:t> </a:t>
-          </a:r>
-          <a:r>
-            <a:rPr lang="en-US" sz="1600" b="0" kern="1200" dirty="0">
-              <a:latin typeface="Arial" panose="020B0604020202020204" pitchFamily="34" charset="0"/>
-              <a:cs typeface="Arial" panose="020B0604020202020204" pitchFamily="34" charset="0"/>
-            </a:rPr>
-            <a:t>"https://data.cityofchicago.org/resource/ijzp-q8t2.geojson</a:t>
-          </a:r>
-          <a:endParaRPr lang="en-US" sz="1600" kern="1200" dirty="0">
-            <a:latin typeface="Arial" panose="020B0604020202020204" pitchFamily="34" charset="0"/>
-            <a:cs typeface="Arial" panose="020B0604020202020204" pitchFamily="34" charset="0"/>
-          </a:endParaRPr>
-        </a:p>
-      </dsp:txBody>
-      <dsp:txXfrm>
-        <a:off x="0" y="1748"/>
-        <a:ext cx="9436100" cy="596317"/>
-      </dsp:txXfrm>
-    </dsp:sp>
-    <dsp:sp modelId="{FF4728A1-6094-43F0-8E01-815BEAB077AC}">
-      <dsp:nvSpPr>
-        <dsp:cNvPr id="0" name=""/>
-        <dsp:cNvSpPr/>
-      </dsp:nvSpPr>
-      <dsp:spPr>
-        <a:xfrm>
-          <a:off x="0" y="598065"/>
-          <a:ext cx="9436100" cy="0"/>
-        </a:xfrm>
-        <a:prstGeom prst="line">
-          <a:avLst/>
-        </a:prstGeom>
-        <a:solidFill>
-          <a:schemeClr val="accent1">
-            <a:hueOff val="0"/>
-            <a:satOff val="0"/>
-            <a:lumOff val="0"/>
-            <a:alphaOff val="0"/>
-          </a:schemeClr>
-        </a:solidFill>
-        <a:ln w="19050" cap="rnd" cmpd="sng" algn="ctr">
-          <a:solidFill>
-            <a:schemeClr val="accent1">
-              <a:hueOff val="0"/>
-              <a:satOff val="0"/>
-              <a:lumOff val="0"/>
-              <a:alphaOff val="0"/>
-            </a:schemeClr>
-          </a:solidFill>
-          <a:prstDash val="solid"/>
-        </a:ln>
-        <a:effectLst/>
-      </dsp:spPr>
-      <dsp:style>
-        <a:lnRef idx="2">
-          <a:scrgbClr r="0" g="0" b="0"/>
-        </a:lnRef>
-        <a:fillRef idx="1">
-          <a:scrgbClr r="0" g="0" b="0"/>
-        </a:fillRef>
-        <a:effectRef idx="0">
-          <a:scrgbClr r="0" g="0" b="0"/>
-        </a:effectRef>
-        <a:fontRef idx="minor">
-          <a:schemeClr val="lt1"/>
-        </a:fontRef>
-      </dsp:style>
-    </dsp:sp>
-    <dsp:sp modelId="{F8E3E558-93D3-451B-AAC8-E10D2657B137}">
-      <dsp:nvSpPr>
-        <dsp:cNvPr id="0" name=""/>
-        <dsp:cNvSpPr/>
-      </dsp:nvSpPr>
-      <dsp:spPr>
-        <a:xfrm>
-          <a:off x="0" y="598065"/>
-          <a:ext cx="9433796" cy="596317"/>
-        </a:xfrm>
-        <a:prstGeom prst="rect">
-          <a:avLst/>
-        </a:prstGeom>
-        <a:noFill/>
-        <a:ln>
-          <a:noFill/>
-        </a:ln>
-        <a:effectLst/>
-      </dsp:spPr>
-      <dsp:style>
-        <a:lnRef idx="0">
-          <a:scrgbClr r="0" g="0" b="0"/>
-        </a:lnRef>
-        <a:fillRef idx="0">
-          <a:scrgbClr r="0" g="0" b="0"/>
-        </a:fillRef>
-        <a:effectRef idx="0">
-          <a:scrgbClr r="0" g="0" b="0"/>
-        </a:effectRef>
-        <a:fontRef idx="minor"/>
-      </dsp:style>
-      <dsp:txBody>
-        <a:bodyPr spcFirstLastPara="0" vert="horz" wrap="square" lIns="60960" tIns="60960" rIns="60960" bIns="60960" numCol="1" spcCol="1270" anchor="t" anchorCtr="0">
-          <a:noAutofit/>
-        </a:bodyPr>
-        <a:lstStyle/>
-        <a:p>
-          <a:pPr marL="0" lvl="0" indent="0" algn="l" defTabSz="711200">
-            <a:lnSpc>
-              <a:spcPct val="90000"/>
-            </a:lnSpc>
-            <a:spcBef>
-              <a:spcPct val="0"/>
-            </a:spcBef>
-            <a:spcAft>
-              <a:spcPct val="35000"/>
-            </a:spcAft>
-            <a:buNone/>
-          </a:pPr>
-          <a:r>
-            <a:rPr lang="en-US" sz="1600" kern="1200" dirty="0">
-              <a:latin typeface="Arial" panose="020B0604020202020204" pitchFamily="34" charset="0"/>
-              <a:cs typeface="Arial" panose="020B0604020202020204" pitchFamily="34" charset="0"/>
-            </a:rPr>
-            <a:t>Limit data to 10,000 because of the performance.</a:t>
-          </a:r>
-        </a:p>
-      </dsp:txBody>
-      <dsp:txXfrm>
-        <a:off x="0" y="598065"/>
-        <a:ext cx="9433796" cy="596317"/>
-      </dsp:txXfrm>
-    </dsp:sp>
-    <dsp:sp modelId="{069AB11B-86AA-473B-ACD2-DA8F7FCE232C}">
-      <dsp:nvSpPr>
-        <dsp:cNvPr id="0" name=""/>
-        <dsp:cNvSpPr/>
-      </dsp:nvSpPr>
-      <dsp:spPr>
-        <a:xfrm>
-          <a:off x="0" y="1194383"/>
-          <a:ext cx="9436100" cy="0"/>
-        </a:xfrm>
-        <a:prstGeom prst="line">
-          <a:avLst/>
-        </a:prstGeom>
-        <a:solidFill>
-          <a:schemeClr val="accent1">
-            <a:hueOff val="0"/>
-            <a:satOff val="0"/>
-            <a:lumOff val="0"/>
-            <a:alphaOff val="0"/>
-          </a:schemeClr>
-        </a:solidFill>
-        <a:ln w="19050" cap="rnd" cmpd="sng" algn="ctr">
-          <a:solidFill>
-            <a:schemeClr val="accent1">
-              <a:hueOff val="0"/>
-              <a:satOff val="0"/>
-              <a:lumOff val="0"/>
-              <a:alphaOff val="0"/>
-            </a:schemeClr>
-          </a:solidFill>
-          <a:prstDash val="solid"/>
-        </a:ln>
-        <a:effectLst/>
-      </dsp:spPr>
-      <dsp:style>
-        <a:lnRef idx="2">
-          <a:scrgbClr r="0" g="0" b="0"/>
-        </a:lnRef>
-        <a:fillRef idx="1">
-          <a:scrgbClr r="0" g="0" b="0"/>
-        </a:fillRef>
-        <a:effectRef idx="0">
-          <a:scrgbClr r="0" g="0" b="0"/>
-        </a:effectRef>
-        <a:fontRef idx="minor">
-          <a:schemeClr val="lt1"/>
-        </a:fontRef>
-      </dsp:style>
-    </dsp:sp>
-    <dsp:sp modelId="{E9A0ED03-A6C2-492C-BBEF-BF9BD83850BA}">
-      <dsp:nvSpPr>
-        <dsp:cNvPr id="0" name=""/>
-        <dsp:cNvSpPr/>
-      </dsp:nvSpPr>
-      <dsp:spPr>
-        <a:xfrm>
-          <a:off x="0" y="1194383"/>
-          <a:ext cx="9433796" cy="596317"/>
-        </a:xfrm>
-        <a:prstGeom prst="rect">
-          <a:avLst/>
-        </a:prstGeom>
-        <a:noFill/>
-        <a:ln>
-          <a:noFill/>
-        </a:ln>
-        <a:effectLst/>
-      </dsp:spPr>
-      <dsp:style>
-        <a:lnRef idx="0">
-          <a:scrgbClr r="0" g="0" b="0"/>
-        </a:lnRef>
-        <a:fillRef idx="0">
-          <a:scrgbClr r="0" g="0" b="0"/>
-        </a:fillRef>
-        <a:effectRef idx="0">
-          <a:scrgbClr r="0" g="0" b="0"/>
-        </a:effectRef>
-        <a:fontRef idx="minor"/>
-      </dsp:style>
-      <dsp:txBody>
-        <a:bodyPr spcFirstLastPara="0" vert="horz" wrap="square" lIns="60960" tIns="60960" rIns="60960" bIns="60960" numCol="1" spcCol="1270" anchor="t" anchorCtr="0">
-          <a:noAutofit/>
-        </a:bodyPr>
-        <a:lstStyle/>
-        <a:p>
-          <a:pPr marL="0" lvl="0" indent="0" algn="l" defTabSz="711200">
-            <a:lnSpc>
-              <a:spcPct val="90000"/>
-            </a:lnSpc>
-            <a:spcBef>
-              <a:spcPct val="0"/>
-            </a:spcBef>
-            <a:spcAft>
-              <a:spcPct val="35000"/>
-            </a:spcAft>
-            <a:buNone/>
-          </a:pPr>
-          <a:r>
-            <a:rPr lang="en-US" sz="1600" kern="1200" dirty="0" err="1">
-              <a:latin typeface="Arial" panose="020B0604020202020204" pitchFamily="34" charset="0"/>
-              <a:cs typeface="Arial" panose="020B0604020202020204" pitchFamily="34" charset="0"/>
-            </a:rPr>
-            <a:t>Geojson</a:t>
-          </a:r>
-          <a:r>
-            <a:rPr lang="en-US" sz="1600" kern="1200" dirty="0">
-              <a:latin typeface="Arial" panose="020B0604020202020204" pitchFamily="34" charset="0"/>
-              <a:cs typeface="Arial" panose="020B0604020202020204" pitchFamily="34" charset="0"/>
-            </a:rPr>
-            <a:t> with Leaflet to draw the map</a:t>
-          </a:r>
-        </a:p>
-      </dsp:txBody>
-      <dsp:txXfrm>
-        <a:off x="0" y="1194383"/>
-        <a:ext cx="9433796" cy="596317"/>
-      </dsp:txXfrm>
-    </dsp:sp>
-    <dsp:sp modelId="{CF577B9C-F00F-497D-8523-D36DFCD8590E}">
-      <dsp:nvSpPr>
-        <dsp:cNvPr id="0" name=""/>
-        <dsp:cNvSpPr/>
-      </dsp:nvSpPr>
-      <dsp:spPr>
-        <a:xfrm>
-          <a:off x="0" y="1790700"/>
-          <a:ext cx="9436100" cy="0"/>
-        </a:xfrm>
-        <a:prstGeom prst="line">
-          <a:avLst/>
-        </a:prstGeom>
-        <a:solidFill>
-          <a:schemeClr val="accent1">
-            <a:hueOff val="0"/>
-            <a:satOff val="0"/>
-            <a:lumOff val="0"/>
-            <a:alphaOff val="0"/>
-          </a:schemeClr>
-        </a:solidFill>
-        <a:ln w="19050" cap="rnd" cmpd="sng" algn="ctr">
-          <a:solidFill>
-            <a:schemeClr val="accent1">
-              <a:hueOff val="0"/>
-              <a:satOff val="0"/>
-              <a:lumOff val="0"/>
-              <a:alphaOff val="0"/>
-            </a:schemeClr>
-          </a:solidFill>
-          <a:prstDash val="solid"/>
-        </a:ln>
-        <a:effectLst/>
-      </dsp:spPr>
-      <dsp:style>
-        <a:lnRef idx="2">
-          <a:scrgbClr r="0" g="0" b="0"/>
-        </a:lnRef>
-        <a:fillRef idx="1">
-          <a:scrgbClr r="0" g="0" b="0"/>
-        </a:fillRef>
-        <a:effectRef idx="0">
-          <a:scrgbClr r="0" g="0" b="0"/>
-        </a:effectRef>
-        <a:fontRef idx="minor">
-          <a:schemeClr val="lt1"/>
-        </a:fontRef>
-      </dsp:style>
-    </dsp:sp>
-    <dsp:sp modelId="{CA1AEB6B-5E85-4D7F-B203-B1F8334559F0}">
-      <dsp:nvSpPr>
-        <dsp:cNvPr id="0" name=""/>
-        <dsp:cNvSpPr/>
-      </dsp:nvSpPr>
-      <dsp:spPr>
-        <a:xfrm>
-          <a:off x="0" y="1790700"/>
-          <a:ext cx="9433796" cy="596317"/>
-        </a:xfrm>
-        <a:prstGeom prst="rect">
-          <a:avLst/>
-        </a:prstGeom>
-        <a:noFill/>
-        <a:ln>
-          <a:noFill/>
-        </a:ln>
-        <a:effectLst/>
-      </dsp:spPr>
-      <dsp:style>
-        <a:lnRef idx="0">
-          <a:scrgbClr r="0" g="0" b="0"/>
-        </a:lnRef>
-        <a:fillRef idx="0">
-          <a:scrgbClr r="0" g="0" b="0"/>
-        </a:fillRef>
-        <a:effectRef idx="0">
-          <a:scrgbClr r="0" g="0" b="0"/>
-        </a:effectRef>
-        <a:fontRef idx="minor"/>
-      </dsp:style>
-      <dsp:txBody>
-        <a:bodyPr spcFirstLastPara="0" vert="horz" wrap="square" lIns="60960" tIns="60960" rIns="60960" bIns="60960" numCol="1" spcCol="1270" anchor="t" anchorCtr="0">
-          <a:noAutofit/>
-        </a:bodyPr>
-        <a:lstStyle/>
-        <a:p>
-          <a:pPr marL="0" lvl="0" indent="0" algn="l" defTabSz="711200">
-            <a:lnSpc>
-              <a:spcPct val="90000"/>
-            </a:lnSpc>
-            <a:spcBef>
-              <a:spcPct val="0"/>
-            </a:spcBef>
-            <a:spcAft>
-              <a:spcPct val="35000"/>
-            </a:spcAft>
-            <a:buNone/>
-          </a:pPr>
-          <a:r>
-            <a:rPr lang="en-US" sz="1600" kern="1200" dirty="0" err="1">
-              <a:latin typeface="Arial" panose="020B0604020202020204" pitchFamily="34" charset="0"/>
-              <a:cs typeface="Arial" panose="020B0604020202020204" pitchFamily="34" charset="0"/>
-            </a:rPr>
-            <a:t>Geojson</a:t>
-          </a:r>
-          <a:r>
-            <a:rPr lang="en-US" sz="1600" kern="1200" dirty="0">
-              <a:latin typeface="Arial" panose="020B0604020202020204" pitchFamily="34" charset="0"/>
-              <a:cs typeface="Arial" panose="020B0604020202020204" pitchFamily="34" charset="0"/>
-            </a:rPr>
-            <a:t> data has “feature’ array that make is easy to plot the map.</a:t>
-          </a:r>
-        </a:p>
-      </dsp:txBody>
-      <dsp:txXfrm>
-        <a:off x="0" y="1790700"/>
-        <a:ext cx="9433796" cy="596317"/>
-      </dsp:txXfrm>
-    </dsp:sp>
-    <dsp:sp modelId="{EB6C97B3-4D81-465B-96A2-80D7CF776F22}">
-      <dsp:nvSpPr>
-        <dsp:cNvPr id="0" name=""/>
-        <dsp:cNvSpPr/>
-      </dsp:nvSpPr>
-      <dsp:spPr>
-        <a:xfrm>
-          <a:off x="0" y="2387017"/>
-          <a:ext cx="9436100" cy="0"/>
-        </a:xfrm>
-        <a:prstGeom prst="line">
-          <a:avLst/>
-        </a:prstGeom>
-        <a:solidFill>
-          <a:schemeClr val="accent1">
-            <a:hueOff val="0"/>
-            <a:satOff val="0"/>
-            <a:lumOff val="0"/>
-            <a:alphaOff val="0"/>
-          </a:schemeClr>
-        </a:solidFill>
-        <a:ln w="19050" cap="rnd" cmpd="sng" algn="ctr">
-          <a:solidFill>
-            <a:schemeClr val="accent1">
-              <a:hueOff val="0"/>
-              <a:satOff val="0"/>
-              <a:lumOff val="0"/>
-              <a:alphaOff val="0"/>
-            </a:schemeClr>
-          </a:solidFill>
-          <a:prstDash val="solid"/>
-        </a:ln>
-        <a:effectLst/>
-      </dsp:spPr>
-      <dsp:style>
-        <a:lnRef idx="2">
-          <a:scrgbClr r="0" g="0" b="0"/>
-        </a:lnRef>
-        <a:fillRef idx="1">
-          <a:scrgbClr r="0" g="0" b="0"/>
-        </a:fillRef>
-        <a:effectRef idx="0">
-          <a:scrgbClr r="0" g="0" b="0"/>
-        </a:effectRef>
-        <a:fontRef idx="minor">
-          <a:schemeClr val="lt1"/>
-        </a:fontRef>
-      </dsp:style>
-    </dsp:sp>
-    <dsp:sp modelId="{24E6F0C2-0A0B-41D2-9E65-B4A664FE2185}">
-      <dsp:nvSpPr>
-        <dsp:cNvPr id="0" name=""/>
-        <dsp:cNvSpPr/>
-      </dsp:nvSpPr>
-      <dsp:spPr>
-        <a:xfrm>
-          <a:off x="0" y="2387017"/>
-          <a:ext cx="9433796" cy="596317"/>
-        </a:xfrm>
-        <a:prstGeom prst="rect">
-          <a:avLst/>
-        </a:prstGeom>
-        <a:noFill/>
-        <a:ln>
-          <a:noFill/>
-        </a:ln>
-        <a:effectLst/>
-      </dsp:spPr>
-      <dsp:style>
-        <a:lnRef idx="0">
-          <a:scrgbClr r="0" g="0" b="0"/>
-        </a:lnRef>
-        <a:fillRef idx="0">
-          <a:scrgbClr r="0" g="0" b="0"/>
-        </a:fillRef>
-        <a:effectRef idx="0">
-          <a:scrgbClr r="0" g="0" b="0"/>
-        </a:effectRef>
-        <a:fontRef idx="minor"/>
-      </dsp:style>
-      <dsp:txBody>
-        <a:bodyPr spcFirstLastPara="0" vert="horz" wrap="square" lIns="60960" tIns="60960" rIns="60960" bIns="60960" numCol="1" spcCol="1270" anchor="t" anchorCtr="0">
-          <a:noAutofit/>
-        </a:bodyPr>
-        <a:lstStyle/>
-        <a:p>
-          <a:pPr marL="0" lvl="0" indent="0" algn="l" defTabSz="711200">
-            <a:lnSpc>
-              <a:spcPct val="90000"/>
-            </a:lnSpc>
-            <a:spcBef>
-              <a:spcPct val="0"/>
-            </a:spcBef>
-            <a:spcAft>
-              <a:spcPct val="35000"/>
-            </a:spcAft>
-            <a:buNone/>
-          </a:pPr>
-          <a:r>
-            <a:rPr lang="en-US" sz="1600" kern="1200" dirty="0">
-              <a:latin typeface="Arial" panose="020B0604020202020204" pitchFamily="34" charset="0"/>
-              <a:cs typeface="Arial" panose="020B0604020202020204" pitchFamily="34" charset="0"/>
-            </a:rPr>
-            <a:t>Data was not fully loaded as </a:t>
-          </a:r>
-          <a:r>
-            <a:rPr lang="en-US" sz="1600" kern="1200" dirty="0" err="1">
-              <a:latin typeface="Arial" panose="020B0604020202020204" pitchFamily="34" charset="0"/>
-              <a:cs typeface="Arial" panose="020B0604020202020204" pitchFamily="34" charset="0"/>
-            </a:rPr>
-            <a:t>geojson</a:t>
-          </a:r>
-          <a:r>
-            <a:rPr lang="en-US" sz="1600" kern="1200" dirty="0">
-              <a:latin typeface="Arial" panose="020B0604020202020204" pitchFamily="34" charset="0"/>
-              <a:cs typeface="Arial" panose="020B0604020202020204" pitchFamily="34" charset="0"/>
-            </a:rPr>
-            <a:t> format because some other challenges. The list was missing </a:t>
-          </a:r>
-        </a:p>
-      </dsp:txBody>
-      <dsp:txXfrm>
-        <a:off x="0" y="2387017"/>
-        <a:ext cx="9433796" cy="596317"/>
-      </dsp:txXfrm>
-    </dsp:sp>
-    <dsp:sp modelId="{44E3B4A7-35E0-413D-BA5E-5506051144E0}">
-      <dsp:nvSpPr>
-        <dsp:cNvPr id="0" name=""/>
-        <dsp:cNvSpPr/>
-      </dsp:nvSpPr>
-      <dsp:spPr>
-        <a:xfrm>
-          <a:off x="0" y="2983335"/>
-          <a:ext cx="9436100" cy="0"/>
-        </a:xfrm>
-        <a:prstGeom prst="line">
-          <a:avLst/>
-        </a:prstGeom>
-        <a:solidFill>
-          <a:schemeClr val="accent1">
-            <a:hueOff val="0"/>
-            <a:satOff val="0"/>
-            <a:lumOff val="0"/>
-            <a:alphaOff val="0"/>
-          </a:schemeClr>
-        </a:solidFill>
-        <a:ln w="19050" cap="rnd" cmpd="sng" algn="ctr">
-          <a:solidFill>
-            <a:schemeClr val="accent1">
-              <a:hueOff val="0"/>
-              <a:satOff val="0"/>
-              <a:lumOff val="0"/>
-              <a:alphaOff val="0"/>
-            </a:schemeClr>
-          </a:solidFill>
-          <a:prstDash val="solid"/>
-        </a:ln>
-        <a:effectLst/>
-      </dsp:spPr>
-      <dsp:style>
-        <a:lnRef idx="2">
-          <a:scrgbClr r="0" g="0" b="0"/>
-        </a:lnRef>
-        <a:fillRef idx="1">
-          <a:scrgbClr r="0" g="0" b="0"/>
-        </a:fillRef>
-        <a:effectRef idx="0">
-          <a:scrgbClr r="0" g="0" b="0"/>
-        </a:effectRef>
-        <a:fontRef idx="minor">
-          <a:schemeClr val="lt1"/>
-        </a:fontRef>
-      </dsp:style>
-    </dsp:sp>
-    <dsp:sp modelId="{8CA5E85E-AC5A-4031-892C-0E96E1BC7E3C}">
-      <dsp:nvSpPr>
-        <dsp:cNvPr id="0" name=""/>
-        <dsp:cNvSpPr/>
-      </dsp:nvSpPr>
-      <dsp:spPr>
-        <a:xfrm>
-          <a:off x="0" y="2983335"/>
-          <a:ext cx="9433796" cy="596317"/>
-        </a:xfrm>
-        <a:prstGeom prst="rect">
-          <a:avLst/>
-        </a:prstGeom>
-        <a:noFill/>
-        <a:ln>
-          <a:noFill/>
-        </a:ln>
-        <a:effectLst/>
-      </dsp:spPr>
-      <dsp:style>
-        <a:lnRef idx="0">
-          <a:scrgbClr r="0" g="0" b="0"/>
-        </a:lnRef>
-        <a:fillRef idx="0">
-          <a:scrgbClr r="0" g="0" b="0"/>
-        </a:fillRef>
-        <a:effectRef idx="0">
-          <a:scrgbClr r="0" g="0" b="0"/>
-        </a:effectRef>
-        <a:fontRef idx="minor"/>
-      </dsp:style>
-      <dsp:txBody>
-        <a:bodyPr spcFirstLastPara="0" vert="horz" wrap="square" lIns="60960" tIns="60960" rIns="60960" bIns="60960" numCol="1" spcCol="1270" anchor="t" anchorCtr="0">
-          <a:noAutofit/>
-        </a:bodyPr>
-        <a:lstStyle/>
-        <a:p>
-          <a:pPr marL="0" lvl="0" indent="0" algn="l" defTabSz="711200">
-            <a:lnSpc>
-              <a:spcPct val="90000"/>
-            </a:lnSpc>
-            <a:spcBef>
-              <a:spcPct val="0"/>
-            </a:spcBef>
-            <a:spcAft>
-              <a:spcPct val="35000"/>
-            </a:spcAft>
-            <a:buNone/>
-          </a:pPr>
-          <a:r>
-            <a:rPr lang="en-US" sz="1600" kern="1200" dirty="0">
-              <a:latin typeface="Arial" panose="020B0604020202020204" pitchFamily="34" charset="0"/>
-              <a:cs typeface="Arial" panose="020B0604020202020204" pitchFamily="34" charset="0"/>
-            </a:rPr>
-            <a:t>A line was added in python script to convert fully to a  </a:t>
-          </a:r>
-          <a:r>
-            <a:rPr lang="en-US" sz="1600" kern="1200" dirty="0" err="1">
-              <a:latin typeface="Arial" panose="020B0604020202020204" pitchFamily="34" charset="0"/>
-              <a:cs typeface="Arial" panose="020B0604020202020204" pitchFamily="34" charset="0"/>
-            </a:rPr>
-            <a:t>geojson</a:t>
-          </a:r>
-          <a:r>
-            <a:rPr lang="en-US" sz="1600" kern="1200" dirty="0">
-              <a:latin typeface="Arial" panose="020B0604020202020204" pitchFamily="34" charset="0"/>
-              <a:cs typeface="Arial" panose="020B0604020202020204" pitchFamily="34" charset="0"/>
-            </a:rPr>
-            <a:t> format.</a:t>
-          </a:r>
-        </a:p>
-      </dsp:txBody>
-      <dsp:txXfrm>
-        <a:off x="0" y="2983335"/>
-        <a:ext cx="9433796" cy="596317"/>
-      </dsp:txXfrm>
-    </dsp:sp>
-  </dsp:spTree>
-</dsp:drawing>
-</file>
-
 <file path=ppt/diagrams/layout1.xml><?xml version="1.0" encoding="utf-8"?>
 <dgm:layoutDef xmlns:dgm="http://schemas.openxmlformats.org/drawingml/2006/diagram" xmlns:a="http://schemas.openxmlformats.org/drawingml/2006/main" uniqueId="urn:microsoft.com/office/officeart/2005/8/layout/list1">
   <dgm:title val=""/>
@@ -8492,472 +6493,6 @@
 </dgm:layoutDef>
 </file>
 
-<file path=ppt/diagrams/layout3.xml><?xml version="1.0" encoding="utf-8"?>
-<dgm:layoutDef xmlns:dgm="http://schemas.openxmlformats.org/drawingml/2006/diagram" xmlns:a="http://schemas.openxmlformats.org/drawingml/2006/main" uniqueId="urn:microsoft.com/office/officeart/2008/layout/LinedList">
-  <dgm:title val=""/>
-  <dgm:desc val=""/>
-  <dgm:catLst>
-    <dgm:cat type="hierarchy" pri="8000"/>
-    <dgm:cat type="list" pri="2500"/>
-  </dgm:catLst>
-  <dgm:sampData>
-    <dgm:dataModel>
-      <dgm:ptLst>
-        <dgm:pt modelId="0" type="doc"/>
-        <dgm:pt modelId="1">
-          <dgm:prSet phldr="1"/>
-        </dgm:pt>
-        <dgm:pt modelId="11">
-          <dgm:prSet phldr="1"/>
-        </dgm:pt>
-        <dgm:pt modelId="12">
-          <dgm:prSet phldr="1"/>
-        </dgm:pt>
-        <dgm:pt modelId="13">
-          <dgm:prSet phldr="1"/>
-        </dgm:pt>
-      </dgm:ptLst>
-      <dgm:cxnLst>
-        <dgm:cxn modelId="2" srcId="0" destId="1" srcOrd="0" destOrd="0"/>
-        <dgm:cxn modelId="3" srcId="1" destId="11" srcOrd="0" destOrd="0"/>
-        <dgm:cxn modelId="4" srcId="1" destId="12" srcOrd="1" destOrd="0"/>
-        <dgm:cxn modelId="5" srcId="1" destId="13" srcOrd="2" destOrd="0"/>
-      </dgm:cxnLst>
-      <dgm:bg/>
-      <dgm:whole/>
-    </dgm:dataModel>
-  </dgm:sampData>
-  <dgm:styleData>
-    <dgm:dataModel>
-      <dgm:ptLst>
-        <dgm:pt modelId="0" type="doc"/>
-        <dgm:pt modelId="1">
-          <dgm:prSet phldr="1"/>
-        </dgm:pt>
-        <dgm:pt modelId="11">
-          <dgm:prSet phldr="1"/>
-        </dgm:pt>
-        <dgm:pt modelId="12">
-          <dgm:prSet phldr="1"/>
-        </dgm:pt>
-      </dgm:ptLst>
-      <dgm:cxnLst>
-        <dgm:cxn modelId="2" srcId="0" destId="1" srcOrd="0" destOrd="0"/>
-        <dgm:cxn modelId="3" srcId="1" destId="11" srcOrd="0" destOrd="0"/>
-        <dgm:cxn modelId="4" srcId="1" destId="12" srcOrd="1" destOrd="0"/>
-      </dgm:cxnLst>
-      <dgm:bg/>
-      <dgm:whole/>
-    </dgm:dataModel>
-  </dgm:styleData>
-  <dgm:clrData>
-    <dgm:dataModel>
-      <dgm:ptLst>
-        <dgm:pt modelId="0" type="doc"/>
-        <dgm:pt modelId="1">
-          <dgm:prSet phldr="1"/>
-        </dgm:pt>
-        <dgm:pt modelId="11">
-          <dgm:prSet phldr="1"/>
-        </dgm:pt>
-        <dgm:pt modelId="12">
-          <dgm:prSet phldr="1"/>
-        </dgm:pt>
-      </dgm:ptLst>
-      <dgm:cxnLst>
-        <dgm:cxn modelId="2" srcId="0" destId="1" srcOrd="0" destOrd="0"/>
-        <dgm:cxn modelId="3" srcId="1" destId="11" srcOrd="0" destOrd="0"/>
-        <dgm:cxn modelId="4" srcId="1" destId="12" srcOrd="1" destOrd="0"/>
-      </dgm:cxnLst>
-      <dgm:bg/>
-      <dgm:whole/>
-    </dgm:dataModel>
-  </dgm:clrData>
-  <dgm:layoutNode name="vert0">
-    <dgm:varLst>
-      <dgm:dir/>
-      <dgm:animOne val="branch"/>
-      <dgm:animLvl val="lvl"/>
-    </dgm:varLst>
-    <dgm:choose name="Name0">
-      <dgm:if name="Name1" func="var" arg="dir" op="equ" val="norm">
-        <dgm:alg type="lin">
-          <dgm:param type="linDir" val="fromT"/>
-          <dgm:param type="nodeHorzAlign" val="l"/>
-        </dgm:alg>
-      </dgm:if>
-      <dgm:else name="Name2">
-        <dgm:alg type="lin">
-          <dgm:param type="linDir" val="fromT"/>
-          <dgm:param type="nodeHorzAlign" val="r"/>
-        </dgm:alg>
-      </dgm:else>
-    </dgm:choose>
-    <dgm:shape xmlns:r="http://schemas.openxmlformats.org/officeDocument/2006/relationships" r:blip="">
-      <dgm:adjLst/>
-    </dgm:shape>
-    <dgm:presOf/>
-    <dgm:constrLst>
-      <dgm:constr type="w" for="ch" forName="horz1" refType="w"/>
-      <dgm:constr type="h" for="ch" forName="horz1" refType="h"/>
-      <dgm:constr type="h" for="des" forName="vert1" refType="h"/>
-      <dgm:constr type="h" for="des" forName="tx1" refType="h"/>
-      <dgm:constr type="h" for="des" forName="horz2" refType="h"/>
-      <dgm:constr type="h" for="des" forName="vert2" refType="h"/>
-      <dgm:constr type="h" for="des" forName="horz3" refType="h"/>
-      <dgm:constr type="h" for="des" forName="vert3" refType="h"/>
-      <dgm:constr type="h" for="des" forName="horz4" refType="h"/>
-      <dgm:constr type="h" for="des" ptType="node" refType="h"/>
-      <dgm:constr type="primFontSz" for="des" forName="tx1" op="equ" val="65"/>
-      <dgm:constr type="primFontSz" for="des" forName="tx2" op="equ" val="65"/>
-      <dgm:constr type="primFontSz" for="des" forName="tx3" op="equ" val="65"/>
-      <dgm:constr type="primFontSz" for="des" forName="tx4" op="equ" val="65"/>
-      <dgm:constr type="w" for="des" forName="thickLine" refType="w"/>
-      <dgm:constr type="h" for="des" forName="thickLine"/>
-      <dgm:constr type="h" for="des" forName="thinLine1"/>
-      <dgm:constr type="h" for="des" forName="thinLine2b"/>
-      <dgm:constr type="h" for="des" forName="thinLine3"/>
-      <dgm:constr type="h" for="des" forName="vertSpace2a" refType="h" fact="0.05"/>
-      <dgm:constr type="h" for="des" forName="vertSpace2b" refType="h" refFor="des" refForName="vertSpace2a"/>
-    </dgm:constrLst>
-    <dgm:forEach name="Name3" axis="ch" ptType="node">
-      <dgm:layoutNode name="thickLine" styleLbl="alignNode1">
-        <dgm:alg type="sp"/>
-        <dgm:shape xmlns:r="http://schemas.openxmlformats.org/officeDocument/2006/relationships" type="line" r:blip="">
-          <dgm:adjLst/>
-        </dgm:shape>
-        <dgm:presOf/>
-      </dgm:layoutNode>
-      <dgm:layoutNode name="horz1">
-        <dgm:choose name="Name4">
-          <dgm:if name="Name5" func="var" arg="dir" op="equ" val="norm">
-            <dgm:alg type="lin">
-              <dgm:param type="linDir" val="fromL"/>
-              <dgm:param type="nodeVertAlign" val="t"/>
-            </dgm:alg>
-          </dgm:if>
-          <dgm:else name="Name6">
-            <dgm:alg type="lin">
-              <dgm:param type="linDir" val="fromR"/>
-              <dgm:param type="nodeVertAlign" val="t"/>
-            </dgm:alg>
-          </dgm:else>
-        </dgm:choose>
-        <dgm:shape xmlns:r="http://schemas.openxmlformats.org/officeDocument/2006/relationships" r:blip="">
-          <dgm:adjLst/>
-        </dgm:shape>
-        <dgm:presOf/>
-        <dgm:choose name="Name7">
-          <dgm:if name="Name8" axis="root des" func="maxDepth" op="equ" val="1">
-            <dgm:constrLst>
-              <dgm:constr type="w" for="ch" forName="tx1" refType="w"/>
-            </dgm:constrLst>
-          </dgm:if>
-          <dgm:if name="Name9" axis="root des" func="maxDepth" op="equ" val="2">
-            <dgm:constrLst>
-              <dgm:constr type="w" for="ch" forName="tx1" refType="w" fact="0.2"/>
-              <dgm:constr type="w" for="des" forName="tx2" refType="w" fact="0.785"/>
-              <dgm:constr type="w" for="des" forName="horzSpace2" refType="w" fact="0.015"/>
-              <dgm:constr type="w" for="des" forName="thinLine2b" refType="w" fact="0.8"/>
-            </dgm:constrLst>
-          </dgm:if>
-          <dgm:if name="Name10" axis="root des" func="maxDepth" op="equ" val="3">
-            <dgm:constrLst>
-              <dgm:constr type="w" for="ch" forName="tx1" refType="w" fact="0.2"/>
-              <dgm:constr type="w" for="des" forName="tx2" refType="w" fact="0.385"/>
-              <dgm:constr type="w" for="des" forName="tx3" refType="w" fact="0.385"/>
-              <dgm:constr type="w" for="des" forName="horzSpace2" refType="w" fact="0.015"/>
-              <dgm:constr type="w" for="des" forName="horzSpace3" refType="w" fact="0.015"/>
-              <dgm:constr type="w" for="des" forName="thinLine2b" refType="w" fact="0.8"/>
-              <dgm:constr type="w" for="des" forName="thinLine3" refType="w" fact="0.385"/>
-            </dgm:constrLst>
-          </dgm:if>
-          <dgm:if name="Name11" axis="root des" func="maxDepth" op="gte" val="4">
-            <dgm:constrLst>
-              <dgm:constr type="w" for="ch" forName="tx1" refType="w" fact="0.2"/>
-              <dgm:constr type="w" for="des" forName="tx2" refType="w" fact="0.2516"/>
-              <dgm:constr type="w" for="des" forName="tx3" refType="w" fact="0.2516"/>
-              <dgm:constr type="w" for="des" forName="tx4" refType="w" fact="0.2516"/>
-              <dgm:constr type="w" for="des" forName="horzSpace2" refType="w" fact="0.015"/>
-              <dgm:constr type="w" for="des" forName="horzSpace3" refType="w" fact="0.015"/>
-              <dgm:constr type="w" for="des" forName="horzSpace4" refType="w" fact="0.015"/>
-              <dgm:constr type="w" for="des" forName="thinLine2b" refType="w" fact="0.8"/>
-              <dgm:constr type="w" for="des" forName="thinLine3" refType="w" fact="0.5332"/>
-            </dgm:constrLst>
-          </dgm:if>
-          <dgm:else name="Name12"/>
-        </dgm:choose>
-        <dgm:layoutNode name="tx1" styleLbl="revTx">
-          <dgm:alg type="tx">
-            <dgm:param type="parTxLTRAlign" val="l"/>
-            <dgm:param type="parTxRTLAlign" val="r"/>
-            <dgm:param type="txAnchorVert" val="t"/>
-          </dgm:alg>
-          <dgm:shape xmlns:r="http://schemas.openxmlformats.org/officeDocument/2006/relationships" type="rect" r:blip="">
-            <dgm:adjLst/>
-          </dgm:shape>
-          <dgm:presOf axis="self"/>
-          <dgm:constrLst>
-            <dgm:constr type="tMarg" refType="primFontSz" fact="0.3"/>
-            <dgm:constr type="bMarg" refType="primFontSz" fact="0.3"/>
-            <dgm:constr type="lMarg" refType="primFontSz" fact="0.3"/>
-            <dgm:constr type="rMarg" refType="primFontSz" fact="0.3"/>
-          </dgm:constrLst>
-          <dgm:ruleLst>
-            <dgm:rule type="primFontSz" val="5" fact="NaN" max="NaN"/>
-          </dgm:ruleLst>
-        </dgm:layoutNode>
-        <dgm:layoutNode name="vert1">
-          <dgm:choose name="Name13">
-            <dgm:if name="Name14" func="var" arg="dir" op="equ" val="norm">
-              <dgm:alg type="lin">
-                <dgm:param type="linDir" val="fromT"/>
-                <dgm:param type="nodeHorzAlign" val="l"/>
-              </dgm:alg>
-            </dgm:if>
-            <dgm:else name="Name15">
-              <dgm:alg type="lin">
-                <dgm:param type="linDir" val="fromT"/>
-                <dgm:param type="nodeHorzAlign" val="r"/>
-              </dgm:alg>
-            </dgm:else>
-          </dgm:choose>
-          <dgm:shape xmlns:r="http://schemas.openxmlformats.org/officeDocument/2006/relationships" r:blip="">
-            <dgm:adjLst/>
-          </dgm:shape>
-          <dgm:presOf/>
-          <dgm:forEach name="Name16" axis="ch" ptType="node">
-            <dgm:choose name="Name17">
-              <dgm:if name="Name18" axis="self" ptType="node" func="pos" op="equ" val="1">
-                <dgm:layoutNode name="vertSpace2a">
-                  <dgm:alg type="sp"/>
-                  <dgm:shape xmlns:r="http://schemas.openxmlformats.org/officeDocument/2006/relationships" r:blip="">
-                    <dgm:adjLst/>
-                  </dgm:shape>
-                  <dgm:presOf/>
-                </dgm:layoutNode>
-              </dgm:if>
-              <dgm:else name="Name19"/>
-            </dgm:choose>
-            <dgm:layoutNode name="horz2">
-              <dgm:choose name="Name20">
-                <dgm:if name="Name21" func="var" arg="dir" op="equ" val="norm">
-                  <dgm:alg type="lin">
-                    <dgm:param type="linDir" val="fromL"/>
-                    <dgm:param type="nodeVertAlign" val="t"/>
-                  </dgm:alg>
-                </dgm:if>
-                <dgm:else name="Name22">
-                  <dgm:alg type="lin">
-                    <dgm:param type="linDir" val="fromR"/>
-                    <dgm:param type="nodeVertAlign" val="t"/>
-                  </dgm:alg>
-                </dgm:else>
-              </dgm:choose>
-              <dgm:shape xmlns:r="http://schemas.openxmlformats.org/officeDocument/2006/relationships" r:blip="">
-                <dgm:adjLst/>
-              </dgm:shape>
-              <dgm:presOf/>
-              <dgm:layoutNode name="horzSpace2">
-                <dgm:alg type="sp"/>
-                <dgm:shape xmlns:r="http://schemas.openxmlformats.org/officeDocument/2006/relationships" r:blip="">
-                  <dgm:adjLst/>
-                </dgm:shape>
-                <dgm:presOf/>
-              </dgm:layoutNode>
-              <dgm:layoutNode name="tx2" styleLbl="revTx">
-                <dgm:alg type="tx">
-                  <dgm:param type="parTxLTRAlign" val="l"/>
-                  <dgm:param type="parTxRTLAlign" val="r"/>
-                  <dgm:param type="txAnchorVert" val="t"/>
-                </dgm:alg>
-                <dgm:shape xmlns:r="http://schemas.openxmlformats.org/officeDocument/2006/relationships" type="rect" r:blip="">
-                  <dgm:adjLst/>
-                </dgm:shape>
-                <dgm:presOf axis="self"/>
-                <dgm:constrLst>
-                  <dgm:constr type="tMarg" refType="primFontSz" fact="0.3"/>
-                  <dgm:constr type="bMarg" refType="primFontSz" fact="0.3"/>
-                  <dgm:constr type="lMarg" refType="primFontSz" fact="0.3"/>
-                  <dgm:constr type="rMarg" refType="primFontSz" fact="0.3"/>
-                </dgm:constrLst>
-                <dgm:ruleLst>
-                  <dgm:rule type="primFontSz" val="5" fact="NaN" max="NaN"/>
-                </dgm:ruleLst>
-              </dgm:layoutNode>
-              <dgm:layoutNode name="vert2">
-                <dgm:choose name="Name23">
-                  <dgm:if name="Name24" func="var" arg="dir" op="equ" val="norm">
-                    <dgm:alg type="lin">
-                      <dgm:param type="linDir" val="fromT"/>
-                      <dgm:param type="nodeHorzAlign" val="l"/>
-                    </dgm:alg>
-                  </dgm:if>
-                  <dgm:else name="Name25">
-                    <dgm:alg type="lin">
-                      <dgm:param type="linDir" val="fromT"/>
-                      <dgm:param type="nodeHorzAlign" val="r"/>
-                    </dgm:alg>
-                  </dgm:else>
-                </dgm:choose>
-                <dgm:shape xmlns:r="http://schemas.openxmlformats.org/officeDocument/2006/relationships" r:blip="">
-                  <dgm:adjLst/>
-                </dgm:shape>
-                <dgm:presOf/>
-                <dgm:forEach name="Name26" axis="ch" ptType="node">
-                  <dgm:layoutNode name="horz3">
-                    <dgm:choose name="Name27">
-                      <dgm:if name="Name28" func="var" arg="dir" op="equ" val="norm">
-                        <dgm:alg type="lin">
-                          <dgm:param type="linDir" val="fromL"/>
-                          <dgm:param type="nodeVertAlign" val="t"/>
-                        </dgm:alg>
-                      </dgm:if>
-                      <dgm:else name="Name29">
-                        <dgm:alg type="lin">
-                          <dgm:param type="linDir" val="fromR"/>
-                          <dgm:param type="nodeVertAlign" val="t"/>
-                        </dgm:alg>
-                      </dgm:else>
-                    </dgm:choose>
-                    <dgm:shape xmlns:r="http://schemas.openxmlformats.org/officeDocument/2006/relationships" r:blip="">
-                      <dgm:adjLst/>
-                    </dgm:shape>
-                    <dgm:presOf/>
-                    <dgm:layoutNode name="horzSpace3">
-                      <dgm:alg type="sp"/>
-                      <dgm:shape xmlns:r="http://schemas.openxmlformats.org/officeDocument/2006/relationships" r:blip="">
-                        <dgm:adjLst/>
-                      </dgm:shape>
-                      <dgm:presOf/>
-                    </dgm:layoutNode>
-                    <dgm:layoutNode name="tx3" styleLbl="revTx">
-                      <dgm:alg type="tx">
-                        <dgm:param type="parTxLTRAlign" val="l"/>
-                        <dgm:param type="parTxRTLAlign" val="r"/>
-                        <dgm:param type="txAnchorVert" val="t"/>
-                      </dgm:alg>
-                      <dgm:shape xmlns:r="http://schemas.openxmlformats.org/officeDocument/2006/relationships" type="rect" r:blip="">
-                        <dgm:adjLst/>
-                      </dgm:shape>
-                      <dgm:presOf axis="self"/>
-                      <dgm:constrLst>
-                        <dgm:constr type="tMarg" refType="primFontSz" fact="0.3"/>
-                        <dgm:constr type="bMarg" refType="primFontSz" fact="0.3"/>
-                        <dgm:constr type="lMarg" refType="primFontSz" fact="0.3"/>
-                        <dgm:constr type="rMarg" refType="primFontSz" fact="0.3"/>
-                      </dgm:constrLst>
-                      <dgm:ruleLst>
-                        <dgm:rule type="primFontSz" val="5" fact="NaN" max="NaN"/>
-                      </dgm:ruleLst>
-                    </dgm:layoutNode>
-                    <dgm:layoutNode name="vert3">
-                      <dgm:choose name="Name30">
-                        <dgm:if name="Name31" func="var" arg="dir" op="equ" val="norm">
-                          <dgm:alg type="lin">
-                            <dgm:param type="linDir" val="fromT"/>
-                            <dgm:param type="nodeHorzAlign" val="l"/>
-                          </dgm:alg>
-                        </dgm:if>
-                        <dgm:else name="Name32">
-                          <dgm:alg type="lin">
-                            <dgm:param type="linDir" val="fromT"/>
-                            <dgm:param type="nodeHorzAlign" val="r"/>
-                          </dgm:alg>
-                        </dgm:else>
-                      </dgm:choose>
-                      <dgm:shape xmlns:r="http://schemas.openxmlformats.org/officeDocument/2006/relationships" r:blip="">
-                        <dgm:adjLst/>
-                      </dgm:shape>
-                      <dgm:presOf/>
-                      <dgm:forEach name="Name33" axis="ch" ptType="node">
-                        <dgm:layoutNode name="horz4">
-                          <dgm:choose name="Name34">
-                            <dgm:if name="Name35" func="var" arg="dir" op="equ" val="norm">
-                              <dgm:alg type="lin">
-                                <dgm:param type="linDir" val="fromL"/>
-                                <dgm:param type="nodeVertAlign" val="t"/>
-                              </dgm:alg>
-                            </dgm:if>
-                            <dgm:else name="Name36">
-                              <dgm:alg type="lin">
-                                <dgm:param type="linDir" val="fromR"/>
-                                <dgm:param type="nodeVertAlign" val="t"/>
-                              </dgm:alg>
-                            </dgm:else>
-                          </dgm:choose>
-                          <dgm:shape xmlns:r="http://schemas.openxmlformats.org/officeDocument/2006/relationships" r:blip="">
-                            <dgm:adjLst/>
-                          </dgm:shape>
-                          <dgm:presOf/>
-                          <dgm:layoutNode name="horzSpace4">
-                            <dgm:alg type="sp"/>
-                            <dgm:shape xmlns:r="http://schemas.openxmlformats.org/officeDocument/2006/relationships" r:blip="">
-                              <dgm:adjLst/>
-                            </dgm:shape>
-                            <dgm:presOf/>
-                          </dgm:layoutNode>
-                          <dgm:layoutNode name="tx4" styleLbl="revTx">
-                            <dgm:varLst>
-                              <dgm:bulletEnabled val="1"/>
-                            </dgm:varLst>
-                            <dgm:alg type="tx">
-                              <dgm:param type="parTxLTRAlign" val="l"/>
-                              <dgm:param type="parTxRTLAlign" val="r"/>
-                              <dgm:param type="txAnchorVert" val="t"/>
-                            </dgm:alg>
-                            <dgm:shape xmlns:r="http://schemas.openxmlformats.org/officeDocument/2006/relationships" type="rect" r:blip="">
-                              <dgm:adjLst/>
-                            </dgm:shape>
-                            <dgm:presOf axis="desOrSelf" ptType="node"/>
-                            <dgm:constrLst>
-                              <dgm:constr type="tMarg" refType="primFontSz" fact="0.3"/>
-                              <dgm:constr type="bMarg" refType="primFontSz" fact="0.3"/>
-                              <dgm:constr type="lMarg" refType="primFontSz" fact="0.3"/>
-                              <dgm:constr type="rMarg" refType="primFontSz" fact="0.3"/>
-                            </dgm:constrLst>
-                            <dgm:ruleLst>
-                              <dgm:rule type="primFontSz" val="5" fact="NaN" max="NaN"/>
-                            </dgm:ruleLst>
-                          </dgm:layoutNode>
-                        </dgm:layoutNode>
-                      </dgm:forEach>
-                    </dgm:layoutNode>
-                  </dgm:layoutNode>
-                  <dgm:forEach name="Name37" axis="followSib" ptType="sibTrans" cnt="1">
-                    <dgm:layoutNode name="thinLine3" styleLbl="callout">
-                      <dgm:alg type="sp"/>
-                      <dgm:shape xmlns:r="http://schemas.openxmlformats.org/officeDocument/2006/relationships" type="line" r:blip="">
-                        <dgm:adjLst/>
-                      </dgm:shape>
-                      <dgm:presOf/>
-                    </dgm:layoutNode>
-                  </dgm:forEach>
-                </dgm:forEach>
-              </dgm:layoutNode>
-            </dgm:layoutNode>
-            <dgm:layoutNode name="thinLine2b" styleLbl="callout">
-              <dgm:alg type="sp"/>
-              <dgm:shape xmlns:r="http://schemas.openxmlformats.org/officeDocument/2006/relationships" type="line" r:blip="">
-                <dgm:adjLst/>
-              </dgm:shape>
-              <dgm:presOf/>
-            </dgm:layoutNode>
-            <dgm:layoutNode name="vertSpace2b">
-              <dgm:alg type="sp"/>
-              <dgm:shape xmlns:r="http://schemas.openxmlformats.org/officeDocument/2006/relationships" r:blip="">
-                <dgm:adjLst/>
-              </dgm:shape>
-              <dgm:presOf/>
-            </dgm:layoutNode>
-          </dgm:forEach>
-        </dgm:layoutNode>
-      </dgm:layoutNode>
-    </dgm:forEach>
-  </dgm:layoutNode>
-</dgm:layoutDef>
-</file>
-
 <file path=ppt/diagrams/quickStyle1.xml><?xml version="1.0" encoding="utf-8"?>
 <dgm:styleDef xmlns:dgm="http://schemas.openxmlformats.org/drawingml/2006/diagram" xmlns:a="http://schemas.openxmlformats.org/drawingml/2006/main" uniqueId="urn:microsoft.com/office/officeart/2005/8/quickstyle/simple1">
   <dgm:title val=""/>
@@ -9993,1040 +7528,6 @@
 </file>
 
 <file path=ppt/diagrams/quickStyle2.xml><?xml version="1.0" encoding="utf-8"?>
-<dgm:styleDef xmlns:dgm="http://schemas.openxmlformats.org/drawingml/2006/diagram" xmlns:a="http://schemas.openxmlformats.org/drawingml/2006/main" uniqueId="urn:microsoft.com/office/officeart/2005/8/quickstyle/simple1">
-  <dgm:title val=""/>
-  <dgm:desc val=""/>
-  <dgm:catLst>
-    <dgm:cat type="simple" pri="10100"/>
-  </dgm:catLst>
-  <dgm:scene3d>
-    <a:camera prst="orthographicFront"/>
-    <a:lightRig rig="threePt" dir="t"/>
-  </dgm:scene3d>
-  <dgm:styleLbl name="node0">
-    <dgm:scene3d>
-      <a:camera prst="orthographicFront"/>
-      <a:lightRig rig="threePt" dir="t"/>
-    </dgm:scene3d>
-    <dgm:sp3d/>
-    <dgm:txPr/>
-    <dgm:style>
-      <a:lnRef idx="2">
-        <a:scrgbClr r="0" g="0" b="0"/>
-      </a:lnRef>
-      <a:fillRef idx="1">
-        <a:scrgbClr r="0" g="0" b="0"/>
-      </a:fillRef>
-      <a:effectRef idx="0">
-        <a:scrgbClr r="0" g="0" b="0"/>
-      </a:effectRef>
-      <a:fontRef idx="minor">
-        <a:schemeClr val="lt1"/>
-      </a:fontRef>
-    </dgm:style>
-  </dgm:styleLbl>
-  <dgm:styleLbl name="lnNode1">
-    <dgm:scene3d>
-      <a:camera prst="orthographicFront"/>
-      <a:lightRig rig="threePt" dir="t"/>
-    </dgm:scene3d>
-    <dgm:sp3d/>
-    <dgm:txPr/>
-    <dgm:style>
-      <a:lnRef idx="2">
-        <a:scrgbClr r="0" g="0" b="0"/>
-      </a:lnRef>
-      <a:fillRef idx="1">
-        <a:scrgbClr r="0" g="0" b="0"/>
-      </a:fillRef>
-      <a:effectRef idx="0">
-        <a:scrgbClr r="0" g="0" b="0"/>
-      </a:effectRef>
-      <a:fontRef idx="minor">
-        <a:schemeClr val="lt1"/>
-      </a:fontRef>
-    </dgm:style>
-  </dgm:styleLbl>
-  <dgm:styleLbl name="vennNode1">
-    <dgm:scene3d>
-      <a:camera prst="orthographicFront"/>
-      <a:lightRig rig="threePt" dir="t"/>
-    </dgm:scene3d>
-    <dgm:sp3d/>
-    <dgm:txPr/>
-    <dgm:style>
-      <a:lnRef idx="2">
-        <a:scrgbClr r="0" g="0" b="0"/>
-      </a:lnRef>
-      <a:fillRef idx="1">
-        <a:scrgbClr r="0" g="0" b="0"/>
-      </a:fillRef>
-      <a:effectRef idx="0">
-        <a:scrgbClr r="0" g="0" b="0"/>
-      </a:effectRef>
-      <a:fontRef idx="minor">
-        <a:schemeClr val="tx1"/>
-      </a:fontRef>
-    </dgm:style>
-  </dgm:styleLbl>
-  <dgm:styleLbl name="alignNode1">
-    <dgm:scene3d>
-      <a:camera prst="orthographicFront"/>
-      <a:lightRig rig="threePt" dir="t"/>
-    </dgm:scene3d>
-    <dgm:sp3d/>
-    <dgm:txPr/>
-    <dgm:style>
-      <a:lnRef idx="2">
-        <a:scrgbClr r="0" g="0" b="0"/>
-      </a:lnRef>
-      <a:fillRef idx="1">
-        <a:scrgbClr r="0" g="0" b="0"/>
-      </a:fillRef>
-      <a:effectRef idx="0">
-        <a:scrgbClr r="0" g="0" b="0"/>
-      </a:effectRef>
-      <a:fontRef idx="minor">
-        <a:schemeClr val="lt1"/>
-      </a:fontRef>
-    </dgm:style>
-  </dgm:styleLbl>
-  <dgm:styleLbl name="node1">
-    <dgm:scene3d>
-      <a:camera prst="orthographicFront"/>
-      <a:lightRig rig="threePt" dir="t"/>
-    </dgm:scene3d>
-    <dgm:sp3d/>
-    <dgm:txPr/>
-    <dgm:style>
-      <a:lnRef idx="2">
-        <a:scrgbClr r="0" g="0" b="0"/>
-      </a:lnRef>
-      <a:fillRef idx="1">
-        <a:scrgbClr r="0" g="0" b="0"/>
-      </a:fillRef>
-      <a:effectRef idx="0">
-        <a:scrgbClr r="0" g="0" b="0"/>
-      </a:effectRef>
-      <a:fontRef idx="minor">
-        <a:schemeClr val="lt1"/>
-      </a:fontRef>
-    </dgm:style>
-  </dgm:styleLbl>
-  <dgm:styleLbl name="node2">
-    <dgm:scene3d>
-      <a:camera prst="orthographicFront"/>
-      <a:lightRig rig="threePt" dir="t"/>
-    </dgm:scene3d>
-    <dgm:sp3d/>
-    <dgm:txPr/>
-    <dgm:style>
-      <a:lnRef idx="2">
-        <a:scrgbClr r="0" g="0" b="0"/>
-      </a:lnRef>
-      <a:fillRef idx="1">
-        <a:scrgbClr r="0" g="0" b="0"/>
-      </a:fillRef>
-      <a:effectRef idx="0">
-        <a:scrgbClr r="0" g="0" b="0"/>
-      </a:effectRef>
-      <a:fontRef idx="minor">
-        <a:schemeClr val="lt1"/>
-      </a:fontRef>
-    </dgm:style>
-  </dgm:styleLbl>
-  <dgm:styleLbl name="node3">
-    <dgm:scene3d>
-      <a:camera prst="orthographicFront"/>
-      <a:lightRig rig="threePt" dir="t"/>
-    </dgm:scene3d>
-    <dgm:sp3d/>
-    <dgm:txPr/>
-    <dgm:style>
-      <a:lnRef idx="2">
-        <a:scrgbClr r="0" g="0" b="0"/>
-      </a:lnRef>
-      <a:fillRef idx="1">
-        <a:scrgbClr r="0" g="0" b="0"/>
-      </a:fillRef>
-      <a:effectRef idx="0">
-        <a:scrgbClr r="0" g="0" b="0"/>
-      </a:effectRef>
-      <a:fontRef idx="minor">
-        <a:schemeClr val="lt1"/>
-      </a:fontRef>
-    </dgm:style>
-  </dgm:styleLbl>
-  <dgm:styleLbl name="node4">
-    <dgm:scene3d>
-      <a:camera prst="orthographicFront"/>
-      <a:lightRig rig="threePt" dir="t"/>
-    </dgm:scene3d>
-    <dgm:sp3d/>
-    <dgm:txPr/>
-    <dgm:style>
-      <a:lnRef idx="2">
-        <a:scrgbClr r="0" g="0" b="0"/>
-      </a:lnRef>
-      <a:fillRef idx="1">
-        <a:scrgbClr r="0" g="0" b="0"/>
-      </a:fillRef>
-      <a:effectRef idx="0">
-        <a:scrgbClr r="0" g="0" b="0"/>
-      </a:effectRef>
-      <a:fontRef idx="minor">
-        <a:schemeClr val="lt1"/>
-      </a:fontRef>
-    </dgm:style>
-  </dgm:styleLbl>
-  <dgm:styleLbl name="fgImgPlace1">
-    <dgm:scene3d>
-      <a:camera prst="orthographicFront"/>
-      <a:lightRig rig="threePt" dir="t"/>
-    </dgm:scene3d>
-    <dgm:sp3d/>
-    <dgm:txPr/>
-    <dgm:style>
-      <a:lnRef idx="2">
-        <a:scrgbClr r="0" g="0" b="0"/>
-      </a:lnRef>
-      <a:fillRef idx="1">
-        <a:scrgbClr r="0" g="0" b="0"/>
-      </a:fillRef>
-      <a:effectRef idx="0">
-        <a:scrgbClr r="0" g="0" b="0"/>
-      </a:effectRef>
-      <a:fontRef idx="minor"/>
-    </dgm:style>
-  </dgm:styleLbl>
-  <dgm:styleLbl name="alignImgPlace1">
-    <dgm:scene3d>
-      <a:camera prst="orthographicFront"/>
-      <a:lightRig rig="threePt" dir="t"/>
-    </dgm:scene3d>
-    <dgm:sp3d/>
-    <dgm:txPr/>
-    <dgm:style>
-      <a:lnRef idx="2">
-        <a:scrgbClr r="0" g="0" b="0"/>
-      </a:lnRef>
-      <a:fillRef idx="1">
-        <a:scrgbClr r="0" g="0" b="0"/>
-      </a:fillRef>
-      <a:effectRef idx="0">
-        <a:scrgbClr r="0" g="0" b="0"/>
-      </a:effectRef>
-      <a:fontRef idx="minor"/>
-    </dgm:style>
-  </dgm:styleLbl>
-  <dgm:styleLbl name="bgImgPlace1">
-    <dgm:scene3d>
-      <a:camera prst="orthographicFront"/>
-      <a:lightRig rig="threePt" dir="t"/>
-    </dgm:scene3d>
-    <dgm:sp3d/>
-    <dgm:txPr/>
-    <dgm:style>
-      <a:lnRef idx="2">
-        <a:scrgbClr r="0" g="0" b="0"/>
-      </a:lnRef>
-      <a:fillRef idx="1">
-        <a:scrgbClr r="0" g="0" b="0"/>
-      </a:fillRef>
-      <a:effectRef idx="0">
-        <a:scrgbClr r="0" g="0" b="0"/>
-      </a:effectRef>
-      <a:fontRef idx="minor"/>
-    </dgm:style>
-  </dgm:styleLbl>
-  <dgm:styleLbl name="sibTrans2D1">
-    <dgm:scene3d>
-      <a:camera prst="orthographicFront"/>
-      <a:lightRig rig="threePt" dir="t"/>
-    </dgm:scene3d>
-    <dgm:sp3d/>
-    <dgm:txPr/>
-    <dgm:style>
-      <a:lnRef idx="0">
-        <a:scrgbClr r="0" g="0" b="0"/>
-      </a:lnRef>
-      <a:fillRef idx="1">
-        <a:scrgbClr r="0" g="0" b="0"/>
-      </a:fillRef>
-      <a:effectRef idx="0">
-        <a:scrgbClr r="0" g="0" b="0"/>
-      </a:effectRef>
-      <a:fontRef idx="minor">
-        <a:schemeClr val="lt1"/>
-      </a:fontRef>
-    </dgm:style>
-  </dgm:styleLbl>
-  <dgm:styleLbl name="fgSibTrans2D1">
-    <dgm:scene3d>
-      <a:camera prst="orthographicFront"/>
-      <a:lightRig rig="threePt" dir="t"/>
-    </dgm:scene3d>
-    <dgm:sp3d/>
-    <dgm:txPr/>
-    <dgm:style>
-      <a:lnRef idx="0">
-        <a:scrgbClr r="0" g="0" b="0"/>
-      </a:lnRef>
-      <a:fillRef idx="1">
-        <a:scrgbClr r="0" g="0" b="0"/>
-      </a:fillRef>
-      <a:effectRef idx="0">
-        <a:scrgbClr r="0" g="0" b="0"/>
-      </a:effectRef>
-      <a:fontRef idx="minor">
-        <a:schemeClr val="lt1"/>
-      </a:fontRef>
-    </dgm:style>
-  </dgm:styleLbl>
-  <dgm:styleLbl name="bgSibTrans2D1">
-    <dgm:scene3d>
-      <a:camera prst="orthographicFront"/>
-      <a:lightRig rig="threePt" dir="t"/>
-    </dgm:scene3d>
-    <dgm:sp3d/>
-    <dgm:txPr/>
-    <dgm:style>
-      <a:lnRef idx="0">
-        <a:scrgbClr r="0" g="0" b="0"/>
-      </a:lnRef>
-      <a:fillRef idx="1">
-        <a:scrgbClr r="0" g="0" b="0"/>
-      </a:fillRef>
-      <a:effectRef idx="0">
-        <a:scrgbClr r="0" g="0" b="0"/>
-      </a:effectRef>
-      <a:fontRef idx="minor">
-        <a:schemeClr val="lt1"/>
-      </a:fontRef>
-    </dgm:style>
-  </dgm:styleLbl>
-  <dgm:styleLbl name="sibTrans1D1">
-    <dgm:scene3d>
-      <a:camera prst="orthographicFront"/>
-      <a:lightRig rig="threePt" dir="t"/>
-    </dgm:scene3d>
-    <dgm:sp3d/>
-    <dgm:txPr/>
-    <dgm:style>
-      <a:lnRef idx="1">
-        <a:scrgbClr r="0" g="0" b="0"/>
-      </a:lnRef>
-      <a:fillRef idx="0">
-        <a:scrgbClr r="0" g="0" b="0"/>
-      </a:fillRef>
-      <a:effectRef idx="0">
-        <a:scrgbClr r="0" g="0" b="0"/>
-      </a:effectRef>
-      <a:fontRef idx="minor"/>
-    </dgm:style>
-  </dgm:styleLbl>
-  <dgm:styleLbl name="callout">
-    <dgm:scene3d>
-      <a:camera prst="orthographicFront"/>
-      <a:lightRig rig="threePt" dir="t"/>
-    </dgm:scene3d>
-    <dgm:sp3d/>
-    <dgm:txPr/>
-    <dgm:style>
-      <a:lnRef idx="2">
-        <a:scrgbClr r="0" g="0" b="0"/>
-      </a:lnRef>
-      <a:fillRef idx="1">
-        <a:scrgbClr r="0" g="0" b="0"/>
-      </a:fillRef>
-      <a:effectRef idx="0">
-        <a:scrgbClr r="0" g="0" b="0"/>
-      </a:effectRef>
-      <a:fontRef idx="minor"/>
-    </dgm:style>
-  </dgm:styleLbl>
-  <dgm:styleLbl name="asst0">
-    <dgm:scene3d>
-      <a:camera prst="orthographicFront"/>
-      <a:lightRig rig="threePt" dir="t"/>
-    </dgm:scene3d>
-    <dgm:sp3d/>
-    <dgm:txPr/>
-    <dgm:style>
-      <a:lnRef idx="2">
-        <a:scrgbClr r="0" g="0" b="0"/>
-      </a:lnRef>
-      <a:fillRef idx="1">
-        <a:scrgbClr r="0" g="0" b="0"/>
-      </a:fillRef>
-      <a:effectRef idx="0">
-        <a:scrgbClr r="0" g="0" b="0"/>
-      </a:effectRef>
-      <a:fontRef idx="minor">
-        <a:schemeClr val="lt1"/>
-      </a:fontRef>
-    </dgm:style>
-  </dgm:styleLbl>
-  <dgm:styleLbl name="asst1">
-    <dgm:scene3d>
-      <a:camera prst="orthographicFront"/>
-      <a:lightRig rig="threePt" dir="t"/>
-    </dgm:scene3d>
-    <dgm:sp3d/>
-    <dgm:txPr/>
-    <dgm:style>
-      <a:lnRef idx="2">
-        <a:scrgbClr r="0" g="0" b="0"/>
-      </a:lnRef>
-      <a:fillRef idx="1">
-        <a:scrgbClr r="0" g="0" b="0"/>
-      </a:fillRef>
-      <a:effectRef idx="0">
-        <a:scrgbClr r="0" g="0" b="0"/>
-      </a:effectRef>
-      <a:fontRef idx="minor">
-        <a:schemeClr val="lt1"/>
-      </a:fontRef>
-    </dgm:style>
-  </dgm:styleLbl>
-  <dgm:styleLbl name="asst2">
-    <dgm:scene3d>
-      <a:camera prst="orthographicFront"/>
-      <a:lightRig rig="threePt" dir="t"/>
-    </dgm:scene3d>
-    <dgm:sp3d/>
-    <dgm:txPr/>
-    <dgm:style>
-      <a:lnRef idx="2">
-        <a:scrgbClr r="0" g="0" b="0"/>
-      </a:lnRef>
-      <a:fillRef idx="1">
-        <a:scrgbClr r="0" g="0" b="0"/>
-      </a:fillRef>
-      <a:effectRef idx="0">
-        <a:scrgbClr r="0" g="0" b="0"/>
-      </a:effectRef>
-      <a:fontRef idx="minor">
-        <a:schemeClr val="lt1"/>
-      </a:fontRef>
-    </dgm:style>
-  </dgm:styleLbl>
-  <dgm:styleLbl name="asst3">
-    <dgm:scene3d>
-      <a:camera prst="orthographicFront"/>
-      <a:lightRig rig="threePt" dir="t"/>
-    </dgm:scene3d>
-    <dgm:sp3d/>
-    <dgm:txPr/>
-    <dgm:style>
-      <a:lnRef idx="2">
-        <a:scrgbClr r="0" g="0" b="0"/>
-      </a:lnRef>
-      <a:fillRef idx="1">
-        <a:scrgbClr r="0" g="0" b="0"/>
-      </a:fillRef>
-      <a:effectRef idx="0">
-        <a:scrgbClr r="0" g="0" b="0"/>
-      </a:effectRef>
-      <a:fontRef idx="minor">
-        <a:schemeClr val="lt1"/>
-      </a:fontRef>
-    </dgm:style>
-  </dgm:styleLbl>
-  <dgm:styleLbl name="asst4">
-    <dgm:scene3d>
-      <a:camera prst="orthographicFront"/>
-      <a:lightRig rig="threePt" dir="t"/>
-    </dgm:scene3d>
-    <dgm:sp3d/>
-    <dgm:txPr/>
-    <dgm:style>
-      <a:lnRef idx="2">
-        <a:scrgbClr r="0" g="0" b="0"/>
-      </a:lnRef>
-      <a:fillRef idx="1">
-        <a:scrgbClr r="0" g="0" b="0"/>
-      </a:fillRef>
-      <a:effectRef idx="0">
-        <a:scrgbClr r="0" g="0" b="0"/>
-      </a:effectRef>
-      <a:fontRef idx="minor">
-        <a:schemeClr val="lt1"/>
-      </a:fontRef>
-    </dgm:style>
-  </dgm:styleLbl>
-  <dgm:styleLbl name="parChTrans2D1">
-    <dgm:scene3d>
-      <a:camera prst="orthographicFront"/>
-      <a:lightRig rig="threePt" dir="t"/>
-    </dgm:scene3d>
-    <dgm:sp3d/>
-    <dgm:txPr/>
-    <dgm:style>
-      <a:lnRef idx="2">
-        <a:scrgbClr r="0" g="0" b="0"/>
-      </a:lnRef>
-      <a:fillRef idx="1">
-        <a:scrgbClr r="0" g="0" b="0"/>
-      </a:fillRef>
-      <a:effectRef idx="0">
-        <a:scrgbClr r="0" g="0" b="0"/>
-      </a:effectRef>
-      <a:fontRef idx="minor">
-        <a:schemeClr val="lt1"/>
-      </a:fontRef>
-    </dgm:style>
-  </dgm:styleLbl>
-  <dgm:styleLbl name="parChTrans2D2">
-    <dgm:scene3d>
-      <a:camera prst="orthographicFront"/>
-      <a:lightRig rig="threePt" dir="t"/>
-    </dgm:scene3d>
-    <dgm:sp3d/>
-    <dgm:txPr/>
-    <dgm:style>
-      <a:lnRef idx="2">
-        <a:scrgbClr r="0" g="0" b="0"/>
-      </a:lnRef>
-      <a:fillRef idx="1">
-        <a:scrgbClr r="0" g="0" b="0"/>
-      </a:fillRef>
-      <a:effectRef idx="0">
-        <a:scrgbClr r="0" g="0" b="0"/>
-      </a:effectRef>
-      <a:fontRef idx="minor">
-        <a:schemeClr val="lt1"/>
-      </a:fontRef>
-    </dgm:style>
-  </dgm:styleLbl>
-  <dgm:styleLbl name="parChTrans2D3">
-    <dgm:scene3d>
-      <a:camera prst="orthographicFront"/>
-      <a:lightRig rig="threePt" dir="t"/>
-    </dgm:scene3d>
-    <dgm:sp3d/>
-    <dgm:txPr/>
-    <dgm:style>
-      <a:lnRef idx="2">
-        <a:scrgbClr r="0" g="0" b="0"/>
-      </a:lnRef>
-      <a:fillRef idx="1">
-        <a:scrgbClr r="0" g="0" b="0"/>
-      </a:fillRef>
-      <a:effectRef idx="0">
-        <a:scrgbClr r="0" g="0" b="0"/>
-      </a:effectRef>
-      <a:fontRef idx="minor">
-        <a:schemeClr val="lt1"/>
-      </a:fontRef>
-    </dgm:style>
-  </dgm:styleLbl>
-  <dgm:styleLbl name="parChTrans2D4">
-    <dgm:scene3d>
-      <a:camera prst="orthographicFront"/>
-      <a:lightRig rig="threePt" dir="t"/>
-    </dgm:scene3d>
-    <dgm:sp3d/>
-    <dgm:txPr/>
-    <dgm:style>
-      <a:lnRef idx="2">
-        <a:scrgbClr r="0" g="0" b="0"/>
-      </a:lnRef>
-      <a:fillRef idx="1">
-        <a:scrgbClr r="0" g="0" b="0"/>
-      </a:fillRef>
-      <a:effectRef idx="0">
-        <a:scrgbClr r="0" g="0" b="0"/>
-      </a:effectRef>
-      <a:fontRef idx="minor">
-        <a:schemeClr val="lt1"/>
-      </a:fontRef>
-    </dgm:style>
-  </dgm:styleLbl>
-  <dgm:styleLbl name="parChTrans1D1">
-    <dgm:scene3d>
-      <a:camera prst="orthographicFront"/>
-      <a:lightRig rig="threePt" dir="t"/>
-    </dgm:scene3d>
-    <dgm:sp3d/>
-    <dgm:txPr/>
-    <dgm:style>
-      <a:lnRef idx="2">
-        <a:scrgbClr r="0" g="0" b="0"/>
-      </a:lnRef>
-      <a:fillRef idx="0">
-        <a:scrgbClr r="0" g="0" b="0"/>
-      </a:fillRef>
-      <a:effectRef idx="0">
-        <a:scrgbClr r="0" g="0" b="0"/>
-      </a:effectRef>
-      <a:fontRef idx="minor"/>
-    </dgm:style>
-  </dgm:styleLbl>
-  <dgm:styleLbl name="parChTrans1D2">
-    <dgm:scene3d>
-      <a:camera prst="orthographicFront"/>
-      <a:lightRig rig="threePt" dir="t"/>
-    </dgm:scene3d>
-    <dgm:sp3d/>
-    <dgm:txPr/>
-    <dgm:style>
-      <a:lnRef idx="2">
-        <a:scrgbClr r="0" g="0" b="0"/>
-      </a:lnRef>
-      <a:fillRef idx="0">
-        <a:scrgbClr r="0" g="0" b="0"/>
-      </a:fillRef>
-      <a:effectRef idx="0">
-        <a:scrgbClr r="0" g="0" b="0"/>
-      </a:effectRef>
-      <a:fontRef idx="minor"/>
-    </dgm:style>
-  </dgm:styleLbl>
-  <dgm:styleLbl name="parChTrans1D3">
-    <dgm:scene3d>
-      <a:camera prst="orthographicFront"/>
-      <a:lightRig rig="threePt" dir="t"/>
-    </dgm:scene3d>
-    <dgm:sp3d/>
-    <dgm:txPr/>
-    <dgm:style>
-      <a:lnRef idx="2">
-        <a:scrgbClr r="0" g="0" b="0"/>
-      </a:lnRef>
-      <a:fillRef idx="0">
-        <a:scrgbClr r="0" g="0" b="0"/>
-      </a:fillRef>
-      <a:effectRef idx="0">
-        <a:scrgbClr r="0" g="0" b="0"/>
-      </a:effectRef>
-      <a:fontRef idx="minor"/>
-    </dgm:style>
-  </dgm:styleLbl>
-  <dgm:styleLbl name="parChTrans1D4">
-    <dgm:scene3d>
-      <a:camera prst="orthographicFront"/>
-      <a:lightRig rig="threePt" dir="t"/>
-    </dgm:scene3d>
-    <dgm:sp3d/>
-    <dgm:txPr/>
-    <dgm:style>
-      <a:lnRef idx="2">
-        <a:scrgbClr r="0" g="0" b="0"/>
-      </a:lnRef>
-      <a:fillRef idx="0">
-        <a:scrgbClr r="0" g="0" b="0"/>
-      </a:fillRef>
-      <a:effectRef idx="0">
-        <a:scrgbClr r="0" g="0" b="0"/>
-      </a:effectRef>
-      <a:fontRef idx="minor"/>
-    </dgm:style>
-  </dgm:styleLbl>
-  <dgm:styleLbl name="fgAcc1">
-    <dgm:scene3d>
-      <a:camera prst="orthographicFront"/>
-      <a:lightRig rig="threePt" dir="t"/>
-    </dgm:scene3d>
-    <dgm:sp3d/>
-    <dgm:txPr/>
-    <dgm:style>
-      <a:lnRef idx="2">
-        <a:scrgbClr r="0" g="0" b="0"/>
-      </a:lnRef>
-      <a:fillRef idx="1">
-        <a:scrgbClr r="0" g="0" b="0"/>
-      </a:fillRef>
-      <a:effectRef idx="0">
-        <a:scrgbClr r="0" g="0" b="0"/>
-      </a:effectRef>
-      <a:fontRef idx="minor"/>
-    </dgm:style>
-  </dgm:styleLbl>
-  <dgm:styleLbl name="conFgAcc1">
-    <dgm:scene3d>
-      <a:camera prst="orthographicFront"/>
-      <a:lightRig rig="threePt" dir="t"/>
-    </dgm:scene3d>
-    <dgm:sp3d/>
-    <dgm:txPr/>
-    <dgm:style>
-      <a:lnRef idx="2">
-        <a:scrgbClr r="0" g="0" b="0"/>
-      </a:lnRef>
-      <a:fillRef idx="1">
-        <a:scrgbClr r="0" g="0" b="0"/>
-      </a:fillRef>
-      <a:effectRef idx="0">
-        <a:scrgbClr r="0" g="0" b="0"/>
-      </a:effectRef>
-      <a:fontRef idx="minor"/>
-    </dgm:style>
-  </dgm:styleLbl>
-  <dgm:styleLbl name="alignAcc1">
-    <dgm:scene3d>
-      <a:camera prst="orthographicFront"/>
-      <a:lightRig rig="threePt" dir="t"/>
-    </dgm:scene3d>
-    <dgm:sp3d/>
-    <dgm:txPr/>
-    <dgm:style>
-      <a:lnRef idx="2">
-        <a:scrgbClr r="0" g="0" b="0"/>
-      </a:lnRef>
-      <a:fillRef idx="1">
-        <a:scrgbClr r="0" g="0" b="0"/>
-      </a:fillRef>
-      <a:effectRef idx="0">
-        <a:scrgbClr r="0" g="0" b="0"/>
-      </a:effectRef>
-      <a:fontRef idx="minor"/>
-    </dgm:style>
-  </dgm:styleLbl>
-  <dgm:styleLbl name="trAlignAcc1">
-    <dgm:scene3d>
-      <a:camera prst="orthographicFront"/>
-      <a:lightRig rig="threePt" dir="t"/>
-    </dgm:scene3d>
-    <dgm:sp3d/>
-    <dgm:txPr/>
-    <dgm:style>
-      <a:lnRef idx="1">
-        <a:scrgbClr r="0" g="0" b="0"/>
-      </a:lnRef>
-      <a:fillRef idx="1">
-        <a:scrgbClr r="0" g="0" b="0"/>
-      </a:fillRef>
-      <a:effectRef idx="0">
-        <a:scrgbClr r="0" g="0" b="0"/>
-      </a:effectRef>
-      <a:fontRef idx="minor"/>
-    </dgm:style>
-  </dgm:styleLbl>
-  <dgm:styleLbl name="bgAcc1">
-    <dgm:scene3d>
-      <a:camera prst="orthographicFront"/>
-      <a:lightRig rig="threePt" dir="t"/>
-    </dgm:scene3d>
-    <dgm:sp3d/>
-    <dgm:txPr/>
-    <dgm:style>
-      <a:lnRef idx="2">
-        <a:scrgbClr r="0" g="0" b="0"/>
-      </a:lnRef>
-      <a:fillRef idx="1">
-        <a:scrgbClr r="0" g="0" b="0"/>
-      </a:fillRef>
-      <a:effectRef idx="0">
-        <a:scrgbClr r="0" g="0" b="0"/>
-      </a:effectRef>
-      <a:fontRef idx="minor"/>
-    </dgm:style>
-  </dgm:styleLbl>
-  <dgm:styleLbl name="solidFgAcc1">
-    <dgm:scene3d>
-      <a:camera prst="orthographicFront"/>
-      <a:lightRig rig="threePt" dir="t"/>
-    </dgm:scene3d>
-    <dgm:sp3d/>
-    <dgm:txPr/>
-    <dgm:style>
-      <a:lnRef idx="2">
-        <a:scrgbClr r="0" g="0" b="0"/>
-      </a:lnRef>
-      <a:fillRef idx="1">
-        <a:scrgbClr r="0" g="0" b="0"/>
-      </a:fillRef>
-      <a:effectRef idx="0">
-        <a:scrgbClr r="0" g="0" b="0"/>
-      </a:effectRef>
-      <a:fontRef idx="minor"/>
-    </dgm:style>
-  </dgm:styleLbl>
-  <dgm:styleLbl name="solidAlignAcc1">
-    <dgm:scene3d>
-      <a:camera prst="orthographicFront"/>
-      <a:lightRig rig="threePt" dir="t"/>
-    </dgm:scene3d>
-    <dgm:sp3d/>
-    <dgm:txPr/>
-    <dgm:style>
-      <a:lnRef idx="2">
-        <a:scrgbClr r="0" g="0" b="0"/>
-      </a:lnRef>
-      <a:fillRef idx="1">
-        <a:scrgbClr r="0" g="0" b="0"/>
-      </a:fillRef>
-      <a:effectRef idx="0">
-        <a:scrgbClr r="0" g="0" b="0"/>
-      </a:effectRef>
-      <a:fontRef idx="minor"/>
-    </dgm:style>
-  </dgm:styleLbl>
-  <dgm:styleLbl name="solidBgAcc1">
-    <dgm:scene3d>
-      <a:camera prst="orthographicFront"/>
-      <a:lightRig rig="threePt" dir="t"/>
-    </dgm:scene3d>
-    <dgm:sp3d/>
-    <dgm:txPr/>
-    <dgm:style>
-      <a:lnRef idx="2">
-        <a:scrgbClr r="0" g="0" b="0"/>
-      </a:lnRef>
-      <a:fillRef idx="1">
-        <a:scrgbClr r="0" g="0" b="0"/>
-      </a:fillRef>
-      <a:effectRef idx="0">
-        <a:scrgbClr r="0" g="0" b="0"/>
-      </a:effectRef>
-      <a:fontRef idx="minor"/>
-    </dgm:style>
-  </dgm:styleLbl>
-  <dgm:styleLbl name="fgAccFollowNode1">
-    <dgm:scene3d>
-      <a:camera prst="orthographicFront"/>
-      <a:lightRig rig="threePt" dir="t"/>
-    </dgm:scene3d>
-    <dgm:sp3d/>
-    <dgm:txPr/>
-    <dgm:style>
-      <a:lnRef idx="2">
-        <a:scrgbClr r="0" g="0" b="0"/>
-      </a:lnRef>
-      <a:fillRef idx="1">
-        <a:scrgbClr r="0" g="0" b="0"/>
-      </a:fillRef>
-      <a:effectRef idx="0">
-        <a:scrgbClr r="0" g="0" b="0"/>
-      </a:effectRef>
-      <a:fontRef idx="minor"/>
-    </dgm:style>
-  </dgm:styleLbl>
-  <dgm:styleLbl name="alignAccFollowNode1">
-    <dgm:scene3d>
-      <a:camera prst="orthographicFront"/>
-      <a:lightRig rig="threePt" dir="t"/>
-    </dgm:scene3d>
-    <dgm:sp3d/>
-    <dgm:txPr/>
-    <dgm:style>
-      <a:lnRef idx="2">
-        <a:scrgbClr r="0" g="0" b="0"/>
-      </a:lnRef>
-      <a:fillRef idx="1">
-        <a:scrgbClr r="0" g="0" b="0"/>
-      </a:fillRef>
-      <a:effectRef idx="0">
-        <a:scrgbClr r="0" g="0" b="0"/>
-      </a:effectRef>
-      <a:fontRef idx="minor"/>
-    </dgm:style>
-  </dgm:styleLbl>
-  <dgm:styleLbl name="bgAccFollowNode1">
-    <dgm:scene3d>
-      <a:camera prst="orthographicFront"/>
-      <a:lightRig rig="threePt" dir="t"/>
-    </dgm:scene3d>
-    <dgm:sp3d/>
-    <dgm:txPr/>
-    <dgm:style>
-      <a:lnRef idx="2">
-        <a:scrgbClr r="0" g="0" b="0"/>
-      </a:lnRef>
-      <a:fillRef idx="1">
-        <a:scrgbClr r="0" g="0" b="0"/>
-      </a:fillRef>
-      <a:effectRef idx="0">
-        <a:scrgbClr r="0" g="0" b="0"/>
-      </a:effectRef>
-      <a:fontRef idx="minor"/>
-    </dgm:style>
-  </dgm:styleLbl>
-  <dgm:styleLbl name="fgAcc0">
-    <dgm:scene3d>
-      <a:camera prst="orthographicFront"/>
-      <a:lightRig rig="threePt" dir="t"/>
-    </dgm:scene3d>
-    <dgm:sp3d/>
-    <dgm:txPr/>
-    <dgm:style>
-      <a:lnRef idx="2">
-        <a:scrgbClr r="0" g="0" b="0"/>
-      </a:lnRef>
-      <a:fillRef idx="1">
-        <a:scrgbClr r="0" g="0" b="0"/>
-      </a:fillRef>
-      <a:effectRef idx="0">
-        <a:scrgbClr r="0" g="0" b="0"/>
-      </a:effectRef>
-      <a:fontRef idx="minor"/>
-    </dgm:style>
-  </dgm:styleLbl>
-  <dgm:styleLbl name="fgAcc2">
-    <dgm:scene3d>
-      <a:camera prst="orthographicFront"/>
-      <a:lightRig rig="threePt" dir="t"/>
-    </dgm:scene3d>
-    <dgm:sp3d/>
-    <dgm:txPr/>
-    <dgm:style>
-      <a:lnRef idx="2">
-        <a:scrgbClr r="0" g="0" b="0"/>
-      </a:lnRef>
-      <a:fillRef idx="1">
-        <a:scrgbClr r="0" g="0" b="0"/>
-      </a:fillRef>
-      <a:effectRef idx="0">
-        <a:scrgbClr r="0" g="0" b="0"/>
-      </a:effectRef>
-      <a:fontRef idx="minor"/>
-    </dgm:style>
-  </dgm:styleLbl>
-  <dgm:styleLbl name="fgAcc3">
-    <dgm:scene3d>
-      <a:camera prst="orthographicFront"/>
-      <a:lightRig rig="threePt" dir="t"/>
-    </dgm:scene3d>
-    <dgm:sp3d/>
-    <dgm:txPr/>
-    <dgm:style>
-      <a:lnRef idx="2">
-        <a:scrgbClr r="0" g="0" b="0"/>
-      </a:lnRef>
-      <a:fillRef idx="1">
-        <a:scrgbClr r="0" g="0" b="0"/>
-      </a:fillRef>
-      <a:effectRef idx="0">
-        <a:scrgbClr r="0" g="0" b="0"/>
-      </a:effectRef>
-      <a:fontRef idx="minor"/>
-    </dgm:style>
-  </dgm:styleLbl>
-  <dgm:styleLbl name="fgAcc4">
-    <dgm:scene3d>
-      <a:camera prst="orthographicFront"/>
-      <a:lightRig rig="threePt" dir="t"/>
-    </dgm:scene3d>
-    <dgm:sp3d/>
-    <dgm:txPr/>
-    <dgm:style>
-      <a:lnRef idx="2">
-        <a:scrgbClr r="0" g="0" b="0"/>
-      </a:lnRef>
-      <a:fillRef idx="1">
-        <a:scrgbClr r="0" g="0" b="0"/>
-      </a:fillRef>
-      <a:effectRef idx="0">
-        <a:scrgbClr r="0" g="0" b="0"/>
-      </a:effectRef>
-      <a:fontRef idx="minor"/>
-    </dgm:style>
-  </dgm:styleLbl>
-  <dgm:styleLbl name="bgShp">
-    <dgm:scene3d>
-      <a:camera prst="orthographicFront"/>
-      <a:lightRig rig="threePt" dir="t"/>
-    </dgm:scene3d>
-    <dgm:sp3d/>
-    <dgm:txPr/>
-    <dgm:style>
-      <a:lnRef idx="0">
-        <a:scrgbClr r="0" g="0" b="0"/>
-      </a:lnRef>
-      <a:fillRef idx="1">
-        <a:scrgbClr r="0" g="0" b="0"/>
-      </a:fillRef>
-      <a:effectRef idx="0">
-        <a:scrgbClr r="0" g="0" b="0"/>
-      </a:effectRef>
-      <a:fontRef idx="minor"/>
-    </dgm:style>
-  </dgm:styleLbl>
-  <dgm:styleLbl name="dkBgShp">
-    <dgm:scene3d>
-      <a:camera prst="orthographicFront"/>
-      <a:lightRig rig="threePt" dir="t"/>
-    </dgm:scene3d>
-    <dgm:sp3d/>
-    <dgm:txPr/>
-    <dgm:style>
-      <a:lnRef idx="0">
-        <a:scrgbClr r="0" g="0" b="0"/>
-      </a:lnRef>
-      <a:fillRef idx="1">
-        <a:scrgbClr r="0" g="0" b="0"/>
-      </a:fillRef>
-      <a:effectRef idx="0">
-        <a:scrgbClr r="0" g="0" b="0"/>
-      </a:effectRef>
-      <a:fontRef idx="minor"/>
-    </dgm:style>
-  </dgm:styleLbl>
-  <dgm:styleLbl name="trBgShp">
-    <dgm:scene3d>
-      <a:camera prst="orthographicFront"/>
-      <a:lightRig rig="threePt" dir="t"/>
-    </dgm:scene3d>
-    <dgm:sp3d/>
-    <dgm:txPr/>
-    <dgm:style>
-      <a:lnRef idx="0">
-        <a:scrgbClr r="0" g="0" b="0"/>
-      </a:lnRef>
-      <a:fillRef idx="1">
-        <a:scrgbClr r="0" g="0" b="0"/>
-      </a:fillRef>
-      <a:effectRef idx="0">
-        <a:scrgbClr r="0" g="0" b="0"/>
-      </a:effectRef>
-      <a:fontRef idx="minor"/>
-    </dgm:style>
-  </dgm:styleLbl>
-  <dgm:styleLbl name="fgShp">
-    <dgm:scene3d>
-      <a:camera prst="orthographicFront"/>
-      <a:lightRig rig="threePt" dir="t"/>
-    </dgm:scene3d>
-    <dgm:sp3d/>
-    <dgm:txPr/>
-    <dgm:style>
-      <a:lnRef idx="2">
-        <a:scrgbClr r="0" g="0" b="0"/>
-      </a:lnRef>
-      <a:fillRef idx="1">
-        <a:scrgbClr r="0" g="0" b="0"/>
-      </a:fillRef>
-      <a:effectRef idx="0">
-        <a:scrgbClr r="0" g="0" b="0"/>
-      </a:effectRef>
-      <a:fontRef idx="minor"/>
-    </dgm:style>
-  </dgm:styleLbl>
-  <dgm:styleLbl name="revTx">
-    <dgm:scene3d>
-      <a:camera prst="orthographicFront"/>
-      <a:lightRig rig="threePt" dir="t"/>
-    </dgm:scene3d>
-    <dgm:sp3d/>
-    <dgm:txPr/>
-    <dgm:style>
-      <a:lnRef idx="0">
-        <a:scrgbClr r="0" g="0" b="0"/>
-      </a:lnRef>
-      <a:fillRef idx="0">
-        <a:scrgbClr r="0" g="0" b="0"/>
-      </a:fillRef>
-      <a:effectRef idx="0">
-        <a:scrgbClr r="0" g="0" b="0"/>
-      </a:effectRef>
-      <a:fontRef idx="minor"/>
-    </dgm:style>
-  </dgm:styleLbl>
-</dgm:styleDef>
-</file>
-
-<file path=ppt/diagrams/quickStyle3.xml><?xml version="1.0" encoding="utf-8"?>
 <dgm:styleDef xmlns:dgm="http://schemas.openxmlformats.org/drawingml/2006/diagram" xmlns:a="http://schemas.openxmlformats.org/drawingml/2006/main" uniqueId="urn:microsoft.com/office/officeart/2005/8/quickstyle/simple1">
   <dgm:title val=""/>
   <dgm:desc val=""/>
@@ -12142,7 +8643,7 @@
           <a:p>
             <a:fld id="{28867087-9D41-4CB4-93DC-B04A41F6E46C}" type="datetimeFigureOut">
               <a:rPr lang="en-US" smtClean="0"/>
-              <a:t>10/31/2021</a:t>
+              <a:t>11/2/2021</a:t>
             </a:fld>
             <a:endParaRPr lang="en-US"/>
           </a:p>
@@ -12759,6 +9260,1377 @@
           <a:bodyPr/>
           <a:lstStyle/>
           <a:p>
+            <a:r>
+              <a:rPr lang="en-US" b="1" dirty="0" err="1"/>
+              <a:t>Goejson</a:t>
+            </a:r>
+            <a:r>
+              <a:rPr lang="en-US" b="1" dirty="0"/>
+              <a:t> format -&gt; "features": </a:t>
+            </a:r>
+            <a:r>
+              <a:rPr lang="en-US" dirty="0"/>
+              <a:t>[{"</a:t>
+            </a:r>
+            <a:r>
+              <a:rPr lang="en-US" dirty="0" err="1"/>
+              <a:t>type":"Feature","geometry</a:t>
+            </a:r>
+            <a:r>
+              <a:rPr lang="en-US" dirty="0"/>
+              <a:t>":{"</a:t>
+            </a:r>
+            <a:r>
+              <a:rPr lang="en-US" dirty="0" err="1"/>
+              <a:t>type":"Point","coordinates</a:t>
+            </a:r>
+            <a:r>
+              <a:rPr lang="en-US" dirty="0"/>
+              <a:t>":[-87.727999591,41.967287545]},"properties":</a:t>
+            </a:r>
+          </a:p>
+          <a:p>
+            <a:pPr marL="0" marR="0" fontAlgn="base" latinLnBrk="1">
+              <a:lnSpc>
+                <a:spcPct val="107000"/>
+              </a:lnSpc>
+              <a:spcBef>
+                <a:spcPts val="0"/>
+              </a:spcBef>
+              <a:spcAft>
+                <a:spcPts val="0"/>
+              </a:spcAft>
+              <a:tabLst>
+                <a:tab pos="581660" algn="l"/>
+                <a:tab pos="1163320" algn="l"/>
+                <a:tab pos="1744980" algn="l"/>
+                <a:tab pos="2326640" algn="l"/>
+                <a:tab pos="2908300" algn="l"/>
+                <a:tab pos="3489960" algn="l"/>
+                <a:tab pos="4071620" algn="l"/>
+                <a:tab pos="4653280" algn="l"/>
+                <a:tab pos="5234940" algn="l"/>
+                <a:tab pos="5816600" algn="l"/>
+                <a:tab pos="6398260" algn="l"/>
+                <a:tab pos="6979920" algn="l"/>
+                <a:tab pos="7561580" algn="l"/>
+                <a:tab pos="8143240" algn="l"/>
+                <a:tab pos="8724900" algn="l"/>
+                <a:tab pos="9306560" algn="l"/>
+              </a:tabLst>
+            </a:pPr>
+            <a:r>
+              <a:rPr lang="en-US" b="1" dirty="0"/>
+              <a:t>Data Loaded to  MongoDB -&gt;</a:t>
+            </a:r>
+            <a:r>
+              <a:rPr lang="en-US" sz="1800" b="1" dirty="0">
+                <a:solidFill>
+                  <a:srgbClr val="000000"/>
+                </a:solidFill>
+                <a:effectLst/>
+                <a:latin typeface="Courier New" panose="02070309020205020404" pitchFamily="49" charset="0"/>
+                <a:ea typeface="Times New Roman" panose="02020603050405020304" pitchFamily="18" charset="0"/>
+                <a:cs typeface="Times New Roman" panose="02020603050405020304" pitchFamily="18" charset="0"/>
+              </a:rPr>
+              <a:t>{</a:t>
+            </a:r>
+            <a:r>
+              <a:rPr lang="en-US" sz="1800" dirty="0">
+                <a:solidFill>
+                  <a:srgbClr val="000000"/>
+                </a:solidFill>
+                <a:effectLst/>
+                <a:latin typeface="Courier New" panose="02070309020205020404" pitchFamily="49" charset="0"/>
+                <a:ea typeface="Times New Roman" panose="02020603050405020304" pitchFamily="18" charset="0"/>
+                <a:cs typeface="Times New Roman" panose="02020603050405020304" pitchFamily="18" charset="0"/>
+              </a:rPr>
+              <a:t>'type': 'Feature',</a:t>
+            </a:r>
+            <a:endParaRPr lang="en-US" sz="1800" dirty="0">
+              <a:effectLst/>
+              <a:latin typeface="Calibri" panose="020F0502020204030204" pitchFamily="34" charset="0"/>
+              <a:ea typeface="Calibri" panose="020F0502020204030204" pitchFamily="34" charset="0"/>
+              <a:cs typeface="Times New Roman" panose="02020603050405020304" pitchFamily="18" charset="0"/>
+            </a:endParaRPr>
+          </a:p>
+          <a:p>
+            <a:pPr marL="0" marR="0" fontAlgn="base" latinLnBrk="1">
+              <a:lnSpc>
+                <a:spcPct val="107000"/>
+              </a:lnSpc>
+              <a:spcBef>
+                <a:spcPts val="0"/>
+              </a:spcBef>
+              <a:spcAft>
+                <a:spcPts val="0"/>
+              </a:spcAft>
+              <a:tabLst>
+                <a:tab pos="581660" algn="l"/>
+                <a:tab pos="1163320" algn="l"/>
+                <a:tab pos="1744980" algn="l"/>
+                <a:tab pos="2326640" algn="l"/>
+                <a:tab pos="2908300" algn="l"/>
+                <a:tab pos="3489960" algn="l"/>
+                <a:tab pos="4071620" algn="l"/>
+                <a:tab pos="4653280" algn="l"/>
+                <a:tab pos="5234940" algn="l"/>
+                <a:tab pos="5816600" algn="l"/>
+                <a:tab pos="6398260" algn="l"/>
+                <a:tab pos="6979920" algn="l"/>
+                <a:tab pos="7561580" algn="l"/>
+                <a:tab pos="8143240" algn="l"/>
+                <a:tab pos="8724900" algn="l"/>
+                <a:tab pos="9306560" algn="l"/>
+              </a:tabLst>
+            </a:pPr>
+            <a:r>
+              <a:rPr lang="en-US" sz="1800" dirty="0">
+                <a:solidFill>
+                  <a:srgbClr val="000000"/>
+                </a:solidFill>
+                <a:effectLst/>
+                <a:latin typeface="Courier New" panose="02070309020205020404" pitchFamily="49" charset="0"/>
+                <a:ea typeface="Times New Roman" panose="02020603050405020304" pitchFamily="18" charset="0"/>
+                <a:cs typeface="Times New Roman" panose="02020603050405020304" pitchFamily="18" charset="0"/>
+              </a:rPr>
+              <a:t> 'geometry': {'type': 'Point', 'coordinates': [-87.561272312, 41.764728045]},</a:t>
+            </a:r>
+            <a:endParaRPr lang="en-US" sz="1800" dirty="0">
+              <a:effectLst/>
+              <a:latin typeface="Calibri" panose="020F0502020204030204" pitchFamily="34" charset="0"/>
+              <a:ea typeface="Calibri" panose="020F0502020204030204" pitchFamily="34" charset="0"/>
+              <a:cs typeface="Times New Roman" panose="02020603050405020304" pitchFamily="18" charset="0"/>
+            </a:endParaRPr>
+          </a:p>
+          <a:p>
+            <a:pPr marL="0" marR="0" fontAlgn="base" latinLnBrk="1">
+              <a:lnSpc>
+                <a:spcPct val="107000"/>
+              </a:lnSpc>
+              <a:spcBef>
+                <a:spcPts val="0"/>
+              </a:spcBef>
+              <a:spcAft>
+                <a:spcPts val="0"/>
+              </a:spcAft>
+              <a:tabLst>
+                <a:tab pos="581660" algn="l"/>
+                <a:tab pos="1163320" algn="l"/>
+                <a:tab pos="1744980" algn="l"/>
+                <a:tab pos="2326640" algn="l"/>
+                <a:tab pos="2908300" algn="l"/>
+                <a:tab pos="3489960" algn="l"/>
+                <a:tab pos="4071620" algn="l"/>
+                <a:tab pos="4653280" algn="l"/>
+                <a:tab pos="5234940" algn="l"/>
+                <a:tab pos="5816600" algn="l"/>
+                <a:tab pos="6398260" algn="l"/>
+                <a:tab pos="6979920" algn="l"/>
+                <a:tab pos="7561580" algn="l"/>
+                <a:tab pos="8143240" algn="l"/>
+                <a:tab pos="8724900" algn="l"/>
+                <a:tab pos="9306560" algn="l"/>
+              </a:tabLst>
+            </a:pPr>
+            <a:r>
+              <a:rPr lang="en-US" sz="1800" dirty="0">
+                <a:solidFill>
+                  <a:srgbClr val="000000"/>
+                </a:solidFill>
+                <a:effectLst/>
+                <a:latin typeface="Courier New" panose="02070309020205020404" pitchFamily="49" charset="0"/>
+                <a:ea typeface="Times New Roman" panose="02020603050405020304" pitchFamily="18" charset="0"/>
+                <a:cs typeface="Times New Roman" panose="02020603050405020304" pitchFamily="18" charset="0"/>
+              </a:rPr>
+              <a:t> 'properties': {'</a:t>
+            </a:r>
+            <a:r>
+              <a:rPr lang="en-US" sz="1800" dirty="0" err="1">
+                <a:solidFill>
+                  <a:srgbClr val="000000"/>
+                </a:solidFill>
+                <a:effectLst/>
+                <a:latin typeface="Courier New" panose="02070309020205020404" pitchFamily="49" charset="0"/>
+                <a:ea typeface="Times New Roman" panose="02020603050405020304" pitchFamily="18" charset="0"/>
+                <a:cs typeface="Times New Roman" panose="02020603050405020304" pitchFamily="18" charset="0"/>
+              </a:rPr>
+              <a:t>location_state</a:t>
+            </a:r>
+            <a:r>
+              <a:rPr lang="en-US" sz="1800" dirty="0">
+                <a:solidFill>
+                  <a:srgbClr val="000000"/>
+                </a:solidFill>
+                <a:effectLst/>
+                <a:latin typeface="Courier New" panose="02070309020205020404" pitchFamily="49" charset="0"/>
+                <a:ea typeface="Times New Roman" panose="02020603050405020304" pitchFamily="18" charset="0"/>
+                <a:cs typeface="Times New Roman" panose="02020603050405020304" pitchFamily="18" charset="0"/>
+              </a:rPr>
+              <a:t>': ‘’,</a:t>
+            </a:r>
+            <a:endParaRPr lang="en-US" sz="1800" dirty="0">
+              <a:effectLst/>
+              <a:latin typeface="Calibri" panose="020F0502020204030204" pitchFamily="34" charset="0"/>
+              <a:ea typeface="Calibri" panose="020F0502020204030204" pitchFamily="34" charset="0"/>
+              <a:cs typeface="Times New Roman" panose="02020603050405020304" pitchFamily="18" charset="0"/>
+            </a:endParaRPr>
+          </a:p>
+          <a:p>
+            <a:pPr marL="0" marR="0">
+              <a:lnSpc>
+                <a:spcPct val="107000"/>
+              </a:lnSpc>
+              <a:spcBef>
+                <a:spcPts val="0"/>
+              </a:spcBef>
+              <a:spcAft>
+                <a:spcPts val="800"/>
+              </a:spcAft>
+            </a:pPr>
+            <a:r>
+              <a:rPr lang="en-US" sz="1800" dirty="0">
+                <a:effectLst/>
+                <a:latin typeface="Calibri" panose="020F0502020204030204" pitchFamily="34" charset="0"/>
+                <a:ea typeface="Calibri" panose="020F0502020204030204" pitchFamily="34" charset="0"/>
+                <a:cs typeface="Times New Roman" panose="02020603050405020304" pitchFamily="18" charset="0"/>
+              </a:rPr>
+              <a:t> </a:t>
+            </a:r>
+            <a:r>
+              <a:rPr lang="en-US" sz="1800" b="1" dirty="0">
+                <a:effectLst/>
+                <a:latin typeface="Calibri" panose="020F0502020204030204" pitchFamily="34" charset="0"/>
+                <a:ea typeface="Calibri" panose="020F0502020204030204" pitchFamily="34" charset="0"/>
+                <a:cs typeface="Times New Roman" panose="02020603050405020304" pitchFamily="18" charset="0"/>
+              </a:rPr>
+              <a:t>Example app.py script:</a:t>
+            </a:r>
+          </a:p>
+          <a:p>
+            <a:pPr marL="0" marR="0">
+              <a:lnSpc>
+                <a:spcPts val="1425"/>
+              </a:lnSpc>
+              <a:spcBef>
+                <a:spcPts val="0"/>
+              </a:spcBef>
+              <a:spcAft>
+                <a:spcPts val="0"/>
+              </a:spcAft>
+            </a:pPr>
+            <a:r>
+              <a:rPr lang="en-US" sz="1800" dirty="0">
+                <a:solidFill>
+                  <a:srgbClr val="9CDCFE"/>
+                </a:solidFill>
+                <a:effectLst/>
+                <a:latin typeface="Consolas" panose="020B0609020204030204" pitchFamily="49" charset="0"/>
+                <a:ea typeface="Times New Roman" panose="02020603050405020304" pitchFamily="18" charset="0"/>
+                <a:cs typeface="Times New Roman" panose="02020603050405020304" pitchFamily="18" charset="0"/>
+              </a:rPr>
+              <a:t>cursor</a:t>
+            </a:r>
+            <a:r>
+              <a:rPr lang="en-US" sz="1800" dirty="0">
+                <a:solidFill>
+                  <a:srgbClr val="D4D4D4"/>
+                </a:solidFill>
+                <a:effectLst/>
+                <a:latin typeface="Consolas" panose="020B0609020204030204" pitchFamily="49" charset="0"/>
+                <a:ea typeface="Times New Roman" panose="02020603050405020304" pitchFamily="18" charset="0"/>
+                <a:cs typeface="Times New Roman" panose="02020603050405020304" pitchFamily="18" charset="0"/>
+              </a:rPr>
+              <a:t>= </a:t>
+            </a:r>
+            <a:r>
+              <a:rPr lang="en-US" sz="1800" b="1" dirty="0" err="1">
+                <a:solidFill>
+                  <a:srgbClr val="9CDCFE"/>
+                </a:solidFill>
+                <a:effectLst/>
+                <a:latin typeface="Consolas" panose="020B0609020204030204" pitchFamily="49" charset="0"/>
+                <a:ea typeface="Times New Roman" panose="02020603050405020304" pitchFamily="18" charset="0"/>
+                <a:cs typeface="Times New Roman" panose="02020603050405020304" pitchFamily="18" charset="0"/>
+              </a:rPr>
+              <a:t>mongo</a:t>
+            </a:r>
+            <a:r>
+              <a:rPr lang="en-US" sz="1800" b="1" dirty="0" err="1">
+                <a:solidFill>
+                  <a:srgbClr val="D4D4D4"/>
+                </a:solidFill>
+                <a:effectLst/>
+                <a:latin typeface="Consolas" panose="020B0609020204030204" pitchFamily="49" charset="0"/>
+                <a:ea typeface="Times New Roman" panose="02020603050405020304" pitchFamily="18" charset="0"/>
+                <a:cs typeface="Times New Roman" panose="02020603050405020304" pitchFamily="18" charset="0"/>
+              </a:rPr>
+              <a:t>.</a:t>
+            </a:r>
+            <a:r>
+              <a:rPr lang="en-US" sz="1800" b="1" dirty="0" err="1">
+                <a:solidFill>
+                  <a:srgbClr val="9CDCFE"/>
+                </a:solidFill>
+                <a:effectLst/>
+                <a:latin typeface="Consolas" panose="020B0609020204030204" pitchFamily="49" charset="0"/>
+                <a:ea typeface="Times New Roman" panose="02020603050405020304" pitchFamily="18" charset="0"/>
+                <a:cs typeface="Times New Roman" panose="02020603050405020304" pitchFamily="18" charset="0"/>
+              </a:rPr>
+              <a:t>db</a:t>
+            </a:r>
+            <a:r>
+              <a:rPr lang="en-US" sz="1800" b="1" dirty="0" err="1">
+                <a:solidFill>
+                  <a:srgbClr val="D4D4D4"/>
+                </a:solidFill>
+                <a:effectLst/>
+                <a:latin typeface="Consolas" panose="020B0609020204030204" pitchFamily="49" charset="0"/>
+                <a:ea typeface="Times New Roman" panose="02020603050405020304" pitchFamily="18" charset="0"/>
+                <a:cs typeface="Times New Roman" panose="02020603050405020304" pitchFamily="18" charset="0"/>
+              </a:rPr>
+              <a:t>.events.</a:t>
+            </a:r>
+            <a:r>
+              <a:rPr lang="en-US" sz="1800" b="1" dirty="0" err="1">
+                <a:solidFill>
+                  <a:srgbClr val="DCDCAA"/>
+                </a:solidFill>
+                <a:effectLst/>
+                <a:latin typeface="Consolas" panose="020B0609020204030204" pitchFamily="49" charset="0"/>
+                <a:ea typeface="Times New Roman" panose="02020603050405020304" pitchFamily="18" charset="0"/>
+                <a:cs typeface="Times New Roman" panose="02020603050405020304" pitchFamily="18" charset="0"/>
+              </a:rPr>
+              <a:t>find</a:t>
+            </a:r>
+            <a:r>
+              <a:rPr lang="en-US" sz="1800" b="1" dirty="0">
+                <a:solidFill>
+                  <a:srgbClr val="D4D4D4"/>
+                </a:solidFill>
+                <a:effectLst/>
+                <a:latin typeface="Consolas" panose="020B0609020204030204" pitchFamily="49" charset="0"/>
+                <a:ea typeface="Times New Roman" panose="02020603050405020304" pitchFamily="18" charset="0"/>
+                <a:cs typeface="Times New Roman" panose="02020603050405020304" pitchFamily="18" charset="0"/>
+              </a:rPr>
+              <a:t>({ </a:t>
+            </a:r>
+            <a:r>
+              <a:rPr lang="en-US" sz="1800" b="1" dirty="0">
+                <a:solidFill>
+                  <a:srgbClr val="CE9178"/>
+                </a:solidFill>
+                <a:effectLst/>
+                <a:latin typeface="Consolas" panose="020B0609020204030204" pitchFamily="49" charset="0"/>
+                <a:ea typeface="Times New Roman" panose="02020603050405020304" pitchFamily="18" charset="0"/>
+                <a:cs typeface="Times New Roman" panose="02020603050405020304" pitchFamily="18" charset="0"/>
+              </a:rPr>
+              <a:t>'$and'</a:t>
+            </a:r>
+            <a:r>
+              <a:rPr lang="en-US" sz="1800" b="1" dirty="0">
+                <a:solidFill>
+                  <a:srgbClr val="D4D4D4"/>
+                </a:solidFill>
+                <a:effectLst/>
+                <a:latin typeface="Consolas" panose="020B0609020204030204" pitchFamily="49" charset="0"/>
+                <a:ea typeface="Times New Roman" panose="02020603050405020304" pitchFamily="18" charset="0"/>
+                <a:cs typeface="Times New Roman" panose="02020603050405020304" pitchFamily="18" charset="0"/>
+              </a:rPr>
+              <a:t>: [{</a:t>
+            </a:r>
+            <a:r>
+              <a:rPr lang="en-US" sz="1800" b="1" dirty="0">
+                <a:solidFill>
+                  <a:srgbClr val="CE9178"/>
+                </a:solidFill>
+                <a:effectLst/>
+                <a:latin typeface="Consolas" panose="020B0609020204030204" pitchFamily="49" charset="0"/>
+                <a:ea typeface="Times New Roman" panose="02020603050405020304" pitchFamily="18" charset="0"/>
+                <a:cs typeface="Times New Roman" panose="02020603050405020304" pitchFamily="18" charset="0"/>
+              </a:rPr>
+              <a:t>'</a:t>
+            </a:r>
+            <a:r>
+              <a:rPr lang="en-US" sz="1800" b="1" dirty="0" err="1">
+                <a:solidFill>
+                  <a:srgbClr val="CE9178"/>
+                </a:solidFill>
+                <a:effectLst/>
+                <a:latin typeface="Consolas" panose="020B0609020204030204" pitchFamily="49" charset="0"/>
+                <a:ea typeface="Times New Roman" panose="02020603050405020304" pitchFamily="18" charset="0"/>
+                <a:cs typeface="Times New Roman" panose="02020603050405020304" pitchFamily="18" charset="0"/>
+              </a:rPr>
+              <a:t>properties.year</a:t>
+            </a:r>
+            <a:r>
+              <a:rPr lang="en-US" sz="1800" b="1" dirty="0">
+                <a:solidFill>
+                  <a:srgbClr val="CE9178"/>
+                </a:solidFill>
+                <a:effectLst/>
+                <a:latin typeface="Consolas" panose="020B0609020204030204" pitchFamily="49" charset="0"/>
+                <a:ea typeface="Times New Roman" panose="02020603050405020304" pitchFamily="18" charset="0"/>
+                <a:cs typeface="Times New Roman" panose="02020603050405020304" pitchFamily="18" charset="0"/>
+              </a:rPr>
+              <a:t>'</a:t>
+            </a:r>
+            <a:r>
+              <a:rPr lang="en-US" sz="1800" b="1" dirty="0">
+                <a:solidFill>
+                  <a:srgbClr val="D4D4D4"/>
+                </a:solidFill>
+                <a:effectLst/>
+                <a:latin typeface="Consolas" panose="020B0609020204030204" pitchFamily="49" charset="0"/>
+                <a:ea typeface="Times New Roman" panose="02020603050405020304" pitchFamily="18" charset="0"/>
+                <a:cs typeface="Times New Roman" panose="02020603050405020304" pitchFamily="18" charset="0"/>
+              </a:rPr>
+              <a:t>: </a:t>
+            </a:r>
+            <a:r>
+              <a:rPr lang="en-US" sz="1800" b="1" dirty="0">
+                <a:solidFill>
+                  <a:srgbClr val="CE9178"/>
+                </a:solidFill>
+                <a:effectLst/>
+                <a:latin typeface="Consolas" panose="020B0609020204030204" pitchFamily="49" charset="0"/>
+                <a:ea typeface="Times New Roman" panose="02020603050405020304" pitchFamily="18" charset="0"/>
+                <a:cs typeface="Times New Roman" panose="02020603050405020304" pitchFamily="18" charset="0"/>
+              </a:rPr>
+              <a:t>'2020'</a:t>
+            </a:r>
+            <a:r>
+              <a:rPr lang="en-US" sz="1800" b="1" dirty="0">
+                <a:solidFill>
+                  <a:srgbClr val="D4D4D4"/>
+                </a:solidFill>
+                <a:effectLst/>
+                <a:latin typeface="Consolas" panose="020B0609020204030204" pitchFamily="49" charset="0"/>
+                <a:ea typeface="Times New Roman" panose="02020603050405020304" pitchFamily="18" charset="0"/>
+                <a:cs typeface="Times New Roman" panose="02020603050405020304" pitchFamily="18" charset="0"/>
+              </a:rPr>
+              <a:t>}, {</a:t>
+            </a:r>
+            <a:r>
+              <a:rPr lang="en-US" sz="1800" b="1" dirty="0">
+                <a:solidFill>
+                  <a:srgbClr val="CE9178"/>
+                </a:solidFill>
+                <a:effectLst/>
+                <a:latin typeface="Consolas" panose="020B0609020204030204" pitchFamily="49" charset="0"/>
+                <a:ea typeface="Times New Roman" panose="02020603050405020304" pitchFamily="18" charset="0"/>
+                <a:cs typeface="Times New Roman" panose="02020603050405020304" pitchFamily="18" charset="0"/>
+              </a:rPr>
+              <a:t>'</a:t>
+            </a:r>
+            <a:r>
+              <a:rPr lang="en-US" sz="1800" b="1" dirty="0" err="1">
+                <a:solidFill>
+                  <a:srgbClr val="CE9178"/>
+                </a:solidFill>
+                <a:effectLst/>
+                <a:latin typeface="Consolas" panose="020B0609020204030204" pitchFamily="49" charset="0"/>
+                <a:ea typeface="Times New Roman" panose="02020603050405020304" pitchFamily="18" charset="0"/>
+                <a:cs typeface="Times New Roman" panose="02020603050405020304" pitchFamily="18" charset="0"/>
+              </a:rPr>
+              <a:t>properties.primary_type</a:t>
+            </a:r>
+            <a:r>
+              <a:rPr lang="en-US" sz="1800" b="1" dirty="0">
+                <a:solidFill>
+                  <a:srgbClr val="CE9178"/>
+                </a:solidFill>
+                <a:effectLst/>
+                <a:latin typeface="Consolas" panose="020B0609020204030204" pitchFamily="49" charset="0"/>
+                <a:ea typeface="Times New Roman" panose="02020603050405020304" pitchFamily="18" charset="0"/>
+                <a:cs typeface="Times New Roman" panose="02020603050405020304" pitchFamily="18" charset="0"/>
+              </a:rPr>
+              <a:t>'</a:t>
+            </a:r>
+            <a:r>
+              <a:rPr lang="en-US" sz="1800" b="1" dirty="0">
+                <a:solidFill>
+                  <a:srgbClr val="D4D4D4"/>
+                </a:solidFill>
+                <a:effectLst/>
+                <a:latin typeface="Consolas" panose="020B0609020204030204" pitchFamily="49" charset="0"/>
+                <a:ea typeface="Times New Roman" panose="02020603050405020304" pitchFamily="18" charset="0"/>
+                <a:cs typeface="Times New Roman" panose="02020603050405020304" pitchFamily="18" charset="0"/>
+              </a:rPr>
+              <a:t>: </a:t>
+            </a:r>
+            <a:r>
+              <a:rPr lang="en-US" sz="1800" b="1" dirty="0">
+                <a:solidFill>
+                  <a:srgbClr val="9CDCFE"/>
+                </a:solidFill>
+                <a:effectLst/>
+                <a:latin typeface="Consolas" panose="020B0609020204030204" pitchFamily="49" charset="0"/>
+                <a:ea typeface="Times New Roman" panose="02020603050405020304" pitchFamily="18" charset="0"/>
+                <a:cs typeface="Times New Roman" panose="02020603050405020304" pitchFamily="18" charset="0"/>
+              </a:rPr>
+              <a:t>selector</a:t>
+            </a:r>
+            <a:r>
+              <a:rPr lang="en-US" sz="1800" b="1" dirty="0">
+                <a:solidFill>
+                  <a:srgbClr val="D4D4D4"/>
+                </a:solidFill>
+                <a:effectLst/>
+                <a:latin typeface="Consolas" panose="020B0609020204030204" pitchFamily="49" charset="0"/>
+                <a:ea typeface="Times New Roman" panose="02020603050405020304" pitchFamily="18" charset="0"/>
+                <a:cs typeface="Times New Roman" panose="02020603050405020304" pitchFamily="18" charset="0"/>
+              </a:rPr>
+              <a:t>}] }) </a:t>
+            </a:r>
+            <a:endParaRPr lang="en-US" sz="1800" b="1" dirty="0">
+              <a:effectLst/>
+              <a:latin typeface="Calibri" panose="020F0502020204030204" pitchFamily="34" charset="0"/>
+              <a:ea typeface="Calibri" panose="020F0502020204030204" pitchFamily="34" charset="0"/>
+              <a:cs typeface="Times New Roman" panose="02020603050405020304" pitchFamily="18" charset="0"/>
+            </a:endParaRPr>
+          </a:p>
+          <a:p>
+            <a:pPr marL="0" marR="0">
+              <a:lnSpc>
+                <a:spcPts val="1425"/>
+              </a:lnSpc>
+              <a:spcBef>
+                <a:spcPts val="0"/>
+              </a:spcBef>
+              <a:spcAft>
+                <a:spcPts val="0"/>
+              </a:spcAft>
+            </a:pPr>
+            <a:r>
+              <a:rPr lang="en-US" sz="1800" dirty="0">
+                <a:solidFill>
+                  <a:srgbClr val="D4D4D4"/>
+                </a:solidFill>
+                <a:effectLst/>
+                <a:latin typeface="Consolas" panose="020B0609020204030204" pitchFamily="49" charset="0"/>
+                <a:ea typeface="Times New Roman" panose="02020603050405020304" pitchFamily="18" charset="0"/>
+                <a:cs typeface="Times New Roman" panose="02020603050405020304" pitchFamily="18" charset="0"/>
+              </a:rPr>
+              <a:t>    </a:t>
+            </a:r>
+            <a:r>
+              <a:rPr lang="en-US" sz="1800" dirty="0">
+                <a:solidFill>
+                  <a:srgbClr val="9CDCFE"/>
+                </a:solidFill>
+                <a:effectLst/>
+                <a:latin typeface="Consolas" panose="020B0609020204030204" pitchFamily="49" charset="0"/>
+                <a:ea typeface="Times New Roman" panose="02020603050405020304" pitchFamily="18" charset="0"/>
+                <a:cs typeface="Times New Roman" panose="02020603050405020304" pitchFamily="18" charset="0"/>
+              </a:rPr>
+              <a:t>features</a:t>
+            </a:r>
+            <a:r>
+              <a:rPr lang="en-US" sz="1800" dirty="0">
+                <a:solidFill>
+                  <a:srgbClr val="D4D4D4"/>
+                </a:solidFill>
+                <a:effectLst/>
+                <a:latin typeface="Consolas" panose="020B0609020204030204" pitchFamily="49" charset="0"/>
+                <a:ea typeface="Times New Roman" panose="02020603050405020304" pitchFamily="18" charset="0"/>
+                <a:cs typeface="Times New Roman" panose="02020603050405020304" pitchFamily="18" charset="0"/>
+              </a:rPr>
+              <a:t>=[]</a:t>
+            </a:r>
+            <a:endParaRPr lang="en-US" sz="1800" dirty="0">
+              <a:effectLst/>
+              <a:latin typeface="Calibri" panose="020F0502020204030204" pitchFamily="34" charset="0"/>
+              <a:ea typeface="Calibri" panose="020F0502020204030204" pitchFamily="34" charset="0"/>
+              <a:cs typeface="Times New Roman" panose="02020603050405020304" pitchFamily="18" charset="0"/>
+            </a:endParaRPr>
+          </a:p>
+          <a:p>
+            <a:pPr marL="0" marR="0">
+              <a:lnSpc>
+                <a:spcPts val="1425"/>
+              </a:lnSpc>
+              <a:spcBef>
+                <a:spcPts val="0"/>
+              </a:spcBef>
+              <a:spcAft>
+                <a:spcPts val="0"/>
+              </a:spcAft>
+            </a:pPr>
+            <a:r>
+              <a:rPr lang="en-US" sz="1800" dirty="0">
+                <a:solidFill>
+                  <a:srgbClr val="D4D4D4"/>
+                </a:solidFill>
+                <a:effectLst/>
+                <a:latin typeface="Consolas" panose="020B0609020204030204" pitchFamily="49" charset="0"/>
+                <a:ea typeface="Times New Roman" panose="02020603050405020304" pitchFamily="18" charset="0"/>
+                <a:cs typeface="Times New Roman" panose="02020603050405020304" pitchFamily="18" charset="0"/>
+              </a:rPr>
+              <a:t>    </a:t>
+            </a:r>
+            <a:r>
+              <a:rPr lang="en-US" sz="1800" dirty="0">
+                <a:solidFill>
+                  <a:srgbClr val="C586C0"/>
+                </a:solidFill>
+                <a:effectLst/>
+                <a:latin typeface="Consolas" panose="020B0609020204030204" pitchFamily="49" charset="0"/>
+                <a:ea typeface="Times New Roman" panose="02020603050405020304" pitchFamily="18" charset="0"/>
+                <a:cs typeface="Times New Roman" panose="02020603050405020304" pitchFamily="18" charset="0"/>
+              </a:rPr>
+              <a:t>for</a:t>
+            </a:r>
+            <a:r>
+              <a:rPr lang="en-US" sz="1800" dirty="0">
+                <a:solidFill>
+                  <a:srgbClr val="D4D4D4"/>
+                </a:solidFill>
+                <a:effectLst/>
+                <a:latin typeface="Consolas" panose="020B0609020204030204" pitchFamily="49" charset="0"/>
+                <a:ea typeface="Times New Roman" panose="02020603050405020304" pitchFamily="18" charset="0"/>
+                <a:cs typeface="Times New Roman" panose="02020603050405020304" pitchFamily="18" charset="0"/>
+              </a:rPr>
+              <a:t> </a:t>
+            </a:r>
+            <a:r>
+              <a:rPr lang="en-US" sz="1800" dirty="0" err="1">
+                <a:solidFill>
+                  <a:srgbClr val="9CDCFE"/>
+                </a:solidFill>
+                <a:effectLst/>
+                <a:latin typeface="Consolas" panose="020B0609020204030204" pitchFamily="49" charset="0"/>
+                <a:ea typeface="Times New Roman" panose="02020603050405020304" pitchFamily="18" charset="0"/>
+                <a:cs typeface="Times New Roman" panose="02020603050405020304" pitchFamily="18" charset="0"/>
+              </a:rPr>
+              <a:t>geojson_feature</a:t>
+            </a:r>
+            <a:r>
+              <a:rPr lang="en-US" sz="1800" dirty="0">
+                <a:solidFill>
+                  <a:srgbClr val="D4D4D4"/>
+                </a:solidFill>
+                <a:effectLst/>
+                <a:latin typeface="Consolas" panose="020B0609020204030204" pitchFamily="49" charset="0"/>
+                <a:ea typeface="Times New Roman" panose="02020603050405020304" pitchFamily="18" charset="0"/>
+                <a:cs typeface="Times New Roman" panose="02020603050405020304" pitchFamily="18" charset="0"/>
+              </a:rPr>
+              <a:t>  </a:t>
+            </a:r>
+            <a:r>
+              <a:rPr lang="en-US" sz="1800" dirty="0">
+                <a:solidFill>
+                  <a:srgbClr val="C586C0"/>
+                </a:solidFill>
+                <a:effectLst/>
+                <a:latin typeface="Consolas" panose="020B0609020204030204" pitchFamily="49" charset="0"/>
+                <a:ea typeface="Times New Roman" panose="02020603050405020304" pitchFamily="18" charset="0"/>
+                <a:cs typeface="Times New Roman" panose="02020603050405020304" pitchFamily="18" charset="0"/>
+              </a:rPr>
+              <a:t>in</a:t>
+            </a:r>
+            <a:r>
+              <a:rPr lang="en-US" sz="1800" dirty="0">
+                <a:solidFill>
+                  <a:srgbClr val="D4D4D4"/>
+                </a:solidFill>
+                <a:effectLst/>
+                <a:latin typeface="Consolas" panose="020B0609020204030204" pitchFamily="49" charset="0"/>
+                <a:ea typeface="Times New Roman" panose="02020603050405020304" pitchFamily="18" charset="0"/>
+                <a:cs typeface="Times New Roman" panose="02020603050405020304" pitchFamily="18" charset="0"/>
+              </a:rPr>
+              <a:t> </a:t>
+            </a:r>
+            <a:r>
+              <a:rPr lang="en-US" sz="1800" dirty="0">
+                <a:solidFill>
+                  <a:srgbClr val="9CDCFE"/>
+                </a:solidFill>
+                <a:effectLst/>
+                <a:latin typeface="Consolas" panose="020B0609020204030204" pitchFamily="49" charset="0"/>
+                <a:ea typeface="Times New Roman" panose="02020603050405020304" pitchFamily="18" charset="0"/>
+                <a:cs typeface="Times New Roman" panose="02020603050405020304" pitchFamily="18" charset="0"/>
+              </a:rPr>
+              <a:t>cursor</a:t>
+            </a:r>
+            <a:r>
+              <a:rPr lang="en-US" sz="1800" dirty="0">
+                <a:solidFill>
+                  <a:srgbClr val="D4D4D4"/>
+                </a:solidFill>
+                <a:effectLst/>
+                <a:latin typeface="Consolas" panose="020B0609020204030204" pitchFamily="49" charset="0"/>
+                <a:ea typeface="Times New Roman" panose="02020603050405020304" pitchFamily="18" charset="0"/>
+                <a:cs typeface="Times New Roman" panose="02020603050405020304" pitchFamily="18" charset="0"/>
+              </a:rPr>
+              <a:t>:</a:t>
+            </a:r>
+            <a:endParaRPr lang="en-US" sz="1800" dirty="0">
+              <a:effectLst/>
+              <a:latin typeface="Calibri" panose="020F0502020204030204" pitchFamily="34" charset="0"/>
+              <a:ea typeface="Calibri" panose="020F0502020204030204" pitchFamily="34" charset="0"/>
+              <a:cs typeface="Times New Roman" panose="02020603050405020304" pitchFamily="18" charset="0"/>
+            </a:endParaRPr>
+          </a:p>
+          <a:p>
+            <a:pPr marL="0" marR="0">
+              <a:lnSpc>
+                <a:spcPts val="1425"/>
+              </a:lnSpc>
+              <a:spcBef>
+                <a:spcPts val="0"/>
+              </a:spcBef>
+              <a:spcAft>
+                <a:spcPts val="0"/>
+              </a:spcAft>
+            </a:pPr>
+            <a:r>
+              <a:rPr lang="en-US" sz="1800" dirty="0">
+                <a:solidFill>
+                  <a:srgbClr val="D4D4D4"/>
+                </a:solidFill>
+                <a:effectLst/>
+                <a:latin typeface="Consolas" panose="020B0609020204030204" pitchFamily="49" charset="0"/>
+                <a:ea typeface="Times New Roman" panose="02020603050405020304" pitchFamily="18" charset="0"/>
+                <a:cs typeface="Times New Roman" panose="02020603050405020304" pitchFamily="18" charset="0"/>
+              </a:rPr>
+              <a:t>       </a:t>
+            </a:r>
+            <a:r>
+              <a:rPr lang="en-US" sz="1800" dirty="0" err="1">
+                <a:solidFill>
+                  <a:srgbClr val="9CDCFE"/>
+                </a:solidFill>
+                <a:effectLst/>
+                <a:latin typeface="Consolas" panose="020B0609020204030204" pitchFamily="49" charset="0"/>
+                <a:ea typeface="Times New Roman" panose="02020603050405020304" pitchFamily="18" charset="0"/>
+                <a:cs typeface="Times New Roman" panose="02020603050405020304" pitchFamily="18" charset="0"/>
+              </a:rPr>
+              <a:t>features</a:t>
+            </a:r>
+            <a:r>
+              <a:rPr lang="en-US" sz="1800" dirty="0" err="1">
+                <a:solidFill>
+                  <a:srgbClr val="D4D4D4"/>
+                </a:solidFill>
+                <a:effectLst/>
+                <a:latin typeface="Consolas" panose="020B0609020204030204" pitchFamily="49" charset="0"/>
+                <a:ea typeface="Times New Roman" panose="02020603050405020304" pitchFamily="18" charset="0"/>
+                <a:cs typeface="Times New Roman" panose="02020603050405020304" pitchFamily="18" charset="0"/>
+              </a:rPr>
+              <a:t>.</a:t>
+            </a:r>
+            <a:r>
+              <a:rPr lang="en-US" sz="1800" dirty="0" err="1">
+                <a:solidFill>
+                  <a:srgbClr val="DCDCAA"/>
+                </a:solidFill>
+                <a:effectLst/>
+                <a:latin typeface="Consolas" panose="020B0609020204030204" pitchFamily="49" charset="0"/>
+                <a:ea typeface="Times New Roman" panose="02020603050405020304" pitchFamily="18" charset="0"/>
+                <a:cs typeface="Times New Roman" panose="02020603050405020304" pitchFamily="18" charset="0"/>
+              </a:rPr>
+              <a:t>append</a:t>
+            </a:r>
+            <a:r>
+              <a:rPr lang="en-US" sz="1800" dirty="0">
+                <a:solidFill>
+                  <a:srgbClr val="D4D4D4"/>
+                </a:solidFill>
+                <a:effectLst/>
+                <a:latin typeface="Consolas" panose="020B0609020204030204" pitchFamily="49" charset="0"/>
+                <a:ea typeface="Times New Roman" panose="02020603050405020304" pitchFamily="18" charset="0"/>
+                <a:cs typeface="Times New Roman" panose="02020603050405020304" pitchFamily="18" charset="0"/>
+              </a:rPr>
+              <a:t>({</a:t>
+            </a:r>
+            <a:endParaRPr lang="en-US" sz="1800" dirty="0">
+              <a:effectLst/>
+              <a:latin typeface="Calibri" panose="020F0502020204030204" pitchFamily="34" charset="0"/>
+              <a:ea typeface="Calibri" panose="020F0502020204030204" pitchFamily="34" charset="0"/>
+              <a:cs typeface="Times New Roman" panose="02020603050405020304" pitchFamily="18" charset="0"/>
+            </a:endParaRPr>
+          </a:p>
+          <a:p>
+            <a:pPr marL="0" marR="0">
+              <a:lnSpc>
+                <a:spcPts val="1425"/>
+              </a:lnSpc>
+              <a:spcBef>
+                <a:spcPts val="0"/>
+              </a:spcBef>
+              <a:spcAft>
+                <a:spcPts val="0"/>
+              </a:spcAft>
+            </a:pPr>
+            <a:r>
+              <a:rPr lang="en-US" sz="1800" dirty="0">
+                <a:solidFill>
+                  <a:srgbClr val="D4D4D4"/>
+                </a:solidFill>
+                <a:effectLst/>
+                <a:latin typeface="Consolas" panose="020B0609020204030204" pitchFamily="49" charset="0"/>
+                <a:ea typeface="Times New Roman" panose="02020603050405020304" pitchFamily="18" charset="0"/>
+                <a:cs typeface="Times New Roman" panose="02020603050405020304" pitchFamily="18" charset="0"/>
+              </a:rPr>
+              <a:t>        </a:t>
+            </a:r>
+            <a:r>
+              <a:rPr lang="en-US" sz="1800" dirty="0">
+                <a:solidFill>
+                  <a:srgbClr val="CE9178"/>
+                </a:solidFill>
+                <a:effectLst/>
+                <a:latin typeface="Consolas" panose="020B0609020204030204" pitchFamily="49" charset="0"/>
+                <a:ea typeface="Times New Roman" panose="02020603050405020304" pitchFamily="18" charset="0"/>
+                <a:cs typeface="Times New Roman" panose="02020603050405020304" pitchFamily="18" charset="0"/>
+              </a:rPr>
+              <a:t>"type"</a:t>
+            </a:r>
+            <a:r>
+              <a:rPr lang="en-US" sz="1800" dirty="0">
+                <a:solidFill>
+                  <a:srgbClr val="D4D4D4"/>
+                </a:solidFill>
+                <a:effectLst/>
+                <a:latin typeface="Consolas" panose="020B0609020204030204" pitchFamily="49" charset="0"/>
+                <a:ea typeface="Times New Roman" panose="02020603050405020304" pitchFamily="18" charset="0"/>
+                <a:cs typeface="Times New Roman" panose="02020603050405020304" pitchFamily="18" charset="0"/>
+              </a:rPr>
+              <a:t>: </a:t>
+            </a:r>
+            <a:r>
+              <a:rPr lang="en-US" sz="1800" dirty="0" err="1">
+                <a:solidFill>
+                  <a:srgbClr val="9CDCFE"/>
+                </a:solidFill>
+                <a:effectLst/>
+                <a:latin typeface="Consolas" panose="020B0609020204030204" pitchFamily="49" charset="0"/>
+                <a:ea typeface="Times New Roman" panose="02020603050405020304" pitchFamily="18" charset="0"/>
+                <a:cs typeface="Times New Roman" panose="02020603050405020304" pitchFamily="18" charset="0"/>
+              </a:rPr>
+              <a:t>geojson_feature</a:t>
+            </a:r>
+            <a:r>
+              <a:rPr lang="en-US" sz="1800" dirty="0">
+                <a:solidFill>
+                  <a:srgbClr val="D4D4D4"/>
+                </a:solidFill>
+                <a:effectLst/>
+                <a:latin typeface="Consolas" panose="020B0609020204030204" pitchFamily="49" charset="0"/>
+                <a:ea typeface="Times New Roman" panose="02020603050405020304" pitchFamily="18" charset="0"/>
+                <a:cs typeface="Times New Roman" panose="02020603050405020304" pitchFamily="18" charset="0"/>
+              </a:rPr>
+              <a:t>[</a:t>
+            </a:r>
+            <a:r>
+              <a:rPr lang="en-US" sz="1800" dirty="0">
+                <a:solidFill>
+                  <a:srgbClr val="CE9178"/>
+                </a:solidFill>
+                <a:effectLst/>
+                <a:latin typeface="Consolas" panose="020B0609020204030204" pitchFamily="49" charset="0"/>
+                <a:ea typeface="Times New Roman" panose="02020603050405020304" pitchFamily="18" charset="0"/>
+                <a:cs typeface="Times New Roman" panose="02020603050405020304" pitchFamily="18" charset="0"/>
+              </a:rPr>
+              <a:t>'type'</a:t>
+            </a:r>
+            <a:r>
+              <a:rPr lang="en-US" sz="1800" dirty="0">
+                <a:solidFill>
+                  <a:srgbClr val="D4D4D4"/>
+                </a:solidFill>
+                <a:effectLst/>
+                <a:latin typeface="Consolas" panose="020B0609020204030204" pitchFamily="49" charset="0"/>
+                <a:ea typeface="Times New Roman" panose="02020603050405020304" pitchFamily="18" charset="0"/>
+                <a:cs typeface="Times New Roman" panose="02020603050405020304" pitchFamily="18" charset="0"/>
+              </a:rPr>
+              <a:t>],</a:t>
+            </a:r>
+            <a:endParaRPr lang="en-US" sz="1800" dirty="0">
+              <a:effectLst/>
+              <a:latin typeface="Calibri" panose="020F0502020204030204" pitchFamily="34" charset="0"/>
+              <a:ea typeface="Calibri" panose="020F0502020204030204" pitchFamily="34" charset="0"/>
+              <a:cs typeface="Times New Roman" panose="02020603050405020304" pitchFamily="18" charset="0"/>
+            </a:endParaRPr>
+          </a:p>
+          <a:p>
+            <a:pPr marL="0" marR="0">
+              <a:lnSpc>
+                <a:spcPts val="1425"/>
+              </a:lnSpc>
+              <a:spcBef>
+                <a:spcPts val="0"/>
+              </a:spcBef>
+              <a:spcAft>
+                <a:spcPts val="0"/>
+              </a:spcAft>
+            </a:pPr>
+            <a:r>
+              <a:rPr lang="en-US" sz="1800" dirty="0">
+                <a:solidFill>
+                  <a:srgbClr val="D4D4D4"/>
+                </a:solidFill>
+                <a:effectLst/>
+                <a:latin typeface="Consolas" panose="020B0609020204030204" pitchFamily="49" charset="0"/>
+                <a:ea typeface="Times New Roman" panose="02020603050405020304" pitchFamily="18" charset="0"/>
+                <a:cs typeface="Times New Roman" panose="02020603050405020304" pitchFamily="18" charset="0"/>
+              </a:rPr>
+              <a:t>        </a:t>
+            </a:r>
+            <a:r>
+              <a:rPr lang="en-US" sz="1800" dirty="0">
+                <a:solidFill>
+                  <a:srgbClr val="CE9178"/>
+                </a:solidFill>
+                <a:effectLst/>
+                <a:latin typeface="Consolas" panose="020B0609020204030204" pitchFamily="49" charset="0"/>
+                <a:ea typeface="Times New Roman" panose="02020603050405020304" pitchFamily="18" charset="0"/>
+                <a:cs typeface="Times New Roman" panose="02020603050405020304" pitchFamily="18" charset="0"/>
+              </a:rPr>
+              <a:t>"geometry"</a:t>
+            </a:r>
+            <a:r>
+              <a:rPr lang="en-US" sz="1800" dirty="0">
+                <a:solidFill>
+                  <a:srgbClr val="D4D4D4"/>
+                </a:solidFill>
+                <a:effectLst/>
+                <a:latin typeface="Consolas" panose="020B0609020204030204" pitchFamily="49" charset="0"/>
+                <a:ea typeface="Times New Roman" panose="02020603050405020304" pitchFamily="18" charset="0"/>
+                <a:cs typeface="Times New Roman" panose="02020603050405020304" pitchFamily="18" charset="0"/>
+              </a:rPr>
+              <a:t>:  </a:t>
+            </a:r>
+            <a:r>
+              <a:rPr lang="en-US" sz="1800" dirty="0" err="1">
+                <a:solidFill>
+                  <a:srgbClr val="9CDCFE"/>
+                </a:solidFill>
+                <a:effectLst/>
+                <a:latin typeface="Consolas" panose="020B0609020204030204" pitchFamily="49" charset="0"/>
+                <a:ea typeface="Times New Roman" panose="02020603050405020304" pitchFamily="18" charset="0"/>
+                <a:cs typeface="Times New Roman" panose="02020603050405020304" pitchFamily="18" charset="0"/>
+              </a:rPr>
+              <a:t>geojson_feature</a:t>
+            </a:r>
+            <a:r>
+              <a:rPr lang="en-US" sz="1800" dirty="0">
+                <a:solidFill>
+                  <a:srgbClr val="D4D4D4"/>
+                </a:solidFill>
+                <a:effectLst/>
+                <a:latin typeface="Consolas" panose="020B0609020204030204" pitchFamily="49" charset="0"/>
+                <a:ea typeface="Times New Roman" panose="02020603050405020304" pitchFamily="18" charset="0"/>
+                <a:cs typeface="Times New Roman" panose="02020603050405020304" pitchFamily="18" charset="0"/>
+              </a:rPr>
+              <a:t>[</a:t>
+            </a:r>
+            <a:r>
+              <a:rPr lang="en-US" sz="1800" dirty="0">
+                <a:solidFill>
+                  <a:srgbClr val="CE9178"/>
+                </a:solidFill>
+                <a:effectLst/>
+                <a:latin typeface="Consolas" panose="020B0609020204030204" pitchFamily="49" charset="0"/>
+                <a:ea typeface="Times New Roman" panose="02020603050405020304" pitchFamily="18" charset="0"/>
+                <a:cs typeface="Times New Roman" panose="02020603050405020304" pitchFamily="18" charset="0"/>
+              </a:rPr>
+              <a:t>'geometry'</a:t>
+            </a:r>
+            <a:r>
+              <a:rPr lang="en-US" sz="1800" dirty="0">
+                <a:solidFill>
+                  <a:srgbClr val="D4D4D4"/>
+                </a:solidFill>
+                <a:effectLst/>
+                <a:latin typeface="Consolas" panose="020B0609020204030204" pitchFamily="49" charset="0"/>
+                <a:ea typeface="Times New Roman" panose="02020603050405020304" pitchFamily="18" charset="0"/>
+                <a:cs typeface="Times New Roman" panose="02020603050405020304" pitchFamily="18" charset="0"/>
+              </a:rPr>
+              <a:t>],</a:t>
+            </a:r>
+            <a:endParaRPr lang="en-US" sz="1800" dirty="0">
+              <a:effectLst/>
+              <a:latin typeface="Calibri" panose="020F0502020204030204" pitchFamily="34" charset="0"/>
+              <a:ea typeface="Calibri" panose="020F0502020204030204" pitchFamily="34" charset="0"/>
+              <a:cs typeface="Times New Roman" panose="02020603050405020304" pitchFamily="18" charset="0"/>
+            </a:endParaRPr>
+          </a:p>
+          <a:p>
+            <a:pPr marL="0" marR="0">
+              <a:lnSpc>
+                <a:spcPts val="1425"/>
+              </a:lnSpc>
+              <a:spcBef>
+                <a:spcPts val="0"/>
+              </a:spcBef>
+              <a:spcAft>
+                <a:spcPts val="0"/>
+              </a:spcAft>
+            </a:pPr>
+            <a:r>
+              <a:rPr lang="en-US" sz="1800" dirty="0">
+                <a:solidFill>
+                  <a:srgbClr val="D4D4D4"/>
+                </a:solidFill>
+                <a:effectLst/>
+                <a:latin typeface="Consolas" panose="020B0609020204030204" pitchFamily="49" charset="0"/>
+                <a:ea typeface="Times New Roman" panose="02020603050405020304" pitchFamily="18" charset="0"/>
+                <a:cs typeface="Times New Roman" panose="02020603050405020304" pitchFamily="18" charset="0"/>
+              </a:rPr>
+              <a:t>        </a:t>
+            </a:r>
+            <a:r>
+              <a:rPr lang="en-US" sz="1800" dirty="0">
+                <a:solidFill>
+                  <a:srgbClr val="CE9178"/>
+                </a:solidFill>
+                <a:effectLst/>
+                <a:latin typeface="Consolas" panose="020B0609020204030204" pitchFamily="49" charset="0"/>
+                <a:ea typeface="Times New Roman" panose="02020603050405020304" pitchFamily="18" charset="0"/>
+                <a:cs typeface="Times New Roman" panose="02020603050405020304" pitchFamily="18" charset="0"/>
+              </a:rPr>
+              <a:t>"properties"</a:t>
+            </a:r>
+            <a:r>
+              <a:rPr lang="en-US" sz="1800" dirty="0">
+                <a:solidFill>
+                  <a:srgbClr val="D4D4D4"/>
+                </a:solidFill>
+                <a:effectLst/>
+                <a:latin typeface="Consolas" panose="020B0609020204030204" pitchFamily="49" charset="0"/>
+                <a:ea typeface="Times New Roman" panose="02020603050405020304" pitchFamily="18" charset="0"/>
+                <a:cs typeface="Times New Roman" panose="02020603050405020304" pitchFamily="18" charset="0"/>
+              </a:rPr>
+              <a:t> :  </a:t>
+            </a:r>
+            <a:r>
+              <a:rPr lang="en-US" sz="1800" dirty="0" err="1">
+                <a:solidFill>
+                  <a:srgbClr val="9CDCFE"/>
+                </a:solidFill>
+                <a:effectLst/>
+                <a:latin typeface="Consolas" panose="020B0609020204030204" pitchFamily="49" charset="0"/>
+                <a:ea typeface="Times New Roman" panose="02020603050405020304" pitchFamily="18" charset="0"/>
+                <a:cs typeface="Times New Roman" panose="02020603050405020304" pitchFamily="18" charset="0"/>
+              </a:rPr>
+              <a:t>geojson_feature</a:t>
+            </a:r>
+            <a:r>
+              <a:rPr lang="en-US" sz="1800" dirty="0">
+                <a:solidFill>
+                  <a:srgbClr val="D4D4D4"/>
+                </a:solidFill>
+                <a:effectLst/>
+                <a:latin typeface="Consolas" panose="020B0609020204030204" pitchFamily="49" charset="0"/>
+                <a:ea typeface="Times New Roman" panose="02020603050405020304" pitchFamily="18" charset="0"/>
+                <a:cs typeface="Times New Roman" panose="02020603050405020304" pitchFamily="18" charset="0"/>
+              </a:rPr>
+              <a:t>[</a:t>
+            </a:r>
+            <a:r>
+              <a:rPr lang="en-US" sz="1800" dirty="0">
+                <a:solidFill>
+                  <a:srgbClr val="CE9178"/>
+                </a:solidFill>
+                <a:effectLst/>
+                <a:latin typeface="Consolas" panose="020B0609020204030204" pitchFamily="49" charset="0"/>
+                <a:ea typeface="Times New Roman" panose="02020603050405020304" pitchFamily="18" charset="0"/>
+                <a:cs typeface="Times New Roman" panose="02020603050405020304" pitchFamily="18" charset="0"/>
+              </a:rPr>
+              <a:t>'properties'</a:t>
+            </a:r>
+            <a:r>
+              <a:rPr lang="en-US" sz="1800" dirty="0">
+                <a:solidFill>
+                  <a:srgbClr val="D4D4D4"/>
+                </a:solidFill>
+                <a:effectLst/>
+                <a:latin typeface="Consolas" panose="020B0609020204030204" pitchFamily="49" charset="0"/>
+                <a:ea typeface="Times New Roman" panose="02020603050405020304" pitchFamily="18" charset="0"/>
+                <a:cs typeface="Times New Roman" panose="02020603050405020304" pitchFamily="18" charset="0"/>
+              </a:rPr>
+              <a:t>]</a:t>
+            </a:r>
+            <a:endParaRPr lang="en-US" sz="1800" dirty="0">
+              <a:effectLst/>
+              <a:latin typeface="Calibri" panose="020F0502020204030204" pitchFamily="34" charset="0"/>
+              <a:ea typeface="Calibri" panose="020F0502020204030204" pitchFamily="34" charset="0"/>
+              <a:cs typeface="Times New Roman" panose="02020603050405020304" pitchFamily="18" charset="0"/>
+            </a:endParaRPr>
+          </a:p>
+          <a:p>
+            <a:pPr marL="0" marR="0">
+              <a:lnSpc>
+                <a:spcPts val="1425"/>
+              </a:lnSpc>
+              <a:spcBef>
+                <a:spcPts val="0"/>
+              </a:spcBef>
+              <a:spcAft>
+                <a:spcPts val="0"/>
+              </a:spcAft>
+            </a:pPr>
+            <a:r>
+              <a:rPr lang="en-US" sz="1800" dirty="0">
+                <a:solidFill>
+                  <a:srgbClr val="D4D4D4"/>
+                </a:solidFill>
+                <a:effectLst/>
+                <a:latin typeface="Consolas" panose="020B0609020204030204" pitchFamily="49" charset="0"/>
+                <a:ea typeface="Times New Roman" panose="02020603050405020304" pitchFamily="18" charset="0"/>
+                <a:cs typeface="Times New Roman" panose="02020603050405020304" pitchFamily="18" charset="0"/>
+              </a:rPr>
+              <a:t>           </a:t>
+            </a:r>
+            <a:endParaRPr lang="en-US" sz="1800" dirty="0">
+              <a:effectLst/>
+              <a:latin typeface="Calibri" panose="020F0502020204030204" pitchFamily="34" charset="0"/>
+              <a:ea typeface="Calibri" panose="020F0502020204030204" pitchFamily="34" charset="0"/>
+              <a:cs typeface="Times New Roman" panose="02020603050405020304" pitchFamily="18" charset="0"/>
+            </a:endParaRPr>
+          </a:p>
+          <a:p>
+            <a:pPr marL="0" marR="0">
+              <a:lnSpc>
+                <a:spcPts val="1425"/>
+              </a:lnSpc>
+              <a:spcBef>
+                <a:spcPts val="0"/>
+              </a:spcBef>
+              <a:spcAft>
+                <a:spcPts val="0"/>
+              </a:spcAft>
+            </a:pPr>
+            <a:r>
+              <a:rPr lang="en-US" sz="1800" dirty="0">
+                <a:solidFill>
+                  <a:srgbClr val="D4D4D4"/>
+                </a:solidFill>
+                <a:effectLst/>
+                <a:latin typeface="Consolas" panose="020B0609020204030204" pitchFamily="49" charset="0"/>
+                <a:ea typeface="Times New Roman" panose="02020603050405020304" pitchFamily="18" charset="0"/>
+                <a:cs typeface="Times New Roman" panose="02020603050405020304" pitchFamily="18" charset="0"/>
+              </a:rPr>
+              <a:t>           }</a:t>
+            </a:r>
+            <a:endParaRPr lang="en-US" sz="1800" dirty="0">
+              <a:effectLst/>
+              <a:latin typeface="Calibri" panose="020F0502020204030204" pitchFamily="34" charset="0"/>
+              <a:ea typeface="Calibri" panose="020F0502020204030204" pitchFamily="34" charset="0"/>
+              <a:cs typeface="Times New Roman" panose="02020603050405020304" pitchFamily="18" charset="0"/>
+            </a:endParaRPr>
+          </a:p>
+          <a:p>
+            <a:pPr marL="0" marR="0">
+              <a:lnSpc>
+                <a:spcPts val="1425"/>
+              </a:lnSpc>
+              <a:spcBef>
+                <a:spcPts val="0"/>
+              </a:spcBef>
+              <a:spcAft>
+                <a:spcPts val="0"/>
+              </a:spcAft>
+            </a:pPr>
+            <a:r>
+              <a:rPr lang="en-US" sz="1800" dirty="0">
+                <a:solidFill>
+                  <a:srgbClr val="D4D4D4"/>
+                </a:solidFill>
+                <a:effectLst/>
+                <a:latin typeface="Consolas" panose="020B0609020204030204" pitchFamily="49" charset="0"/>
+                <a:ea typeface="Times New Roman" panose="02020603050405020304" pitchFamily="18" charset="0"/>
+                <a:cs typeface="Times New Roman" panose="02020603050405020304" pitchFamily="18" charset="0"/>
+              </a:rPr>
+              <a:t>        )</a:t>
+            </a:r>
+            <a:endParaRPr lang="en-US" sz="1800" dirty="0">
+              <a:effectLst/>
+              <a:latin typeface="Calibri" panose="020F0502020204030204" pitchFamily="34" charset="0"/>
+              <a:ea typeface="Calibri" panose="020F0502020204030204" pitchFamily="34" charset="0"/>
+              <a:cs typeface="Times New Roman" panose="02020603050405020304" pitchFamily="18" charset="0"/>
+            </a:endParaRPr>
+          </a:p>
+          <a:p>
+            <a:pPr marL="0" marR="0">
+              <a:lnSpc>
+                <a:spcPts val="1425"/>
+              </a:lnSpc>
+              <a:spcBef>
+                <a:spcPts val="0"/>
+              </a:spcBef>
+              <a:spcAft>
+                <a:spcPts val="0"/>
+              </a:spcAft>
+            </a:pPr>
+            <a:r>
+              <a:rPr lang="en-US" sz="1800" dirty="0">
+                <a:solidFill>
+                  <a:srgbClr val="D4D4D4"/>
+                </a:solidFill>
+                <a:effectLst/>
+                <a:latin typeface="Consolas" panose="020B0609020204030204" pitchFamily="49" charset="0"/>
+                <a:ea typeface="Times New Roman" panose="02020603050405020304" pitchFamily="18" charset="0"/>
+                <a:cs typeface="Times New Roman" panose="02020603050405020304" pitchFamily="18" charset="0"/>
+              </a:rPr>
+              <a:t>    </a:t>
+            </a:r>
+            <a:r>
+              <a:rPr lang="en-US" sz="1800" dirty="0">
+                <a:solidFill>
+                  <a:srgbClr val="6A9955"/>
+                </a:solidFill>
+                <a:effectLst/>
+                <a:latin typeface="Consolas" panose="020B0609020204030204" pitchFamily="49" charset="0"/>
+                <a:ea typeface="Times New Roman" panose="02020603050405020304" pitchFamily="18" charset="0"/>
+                <a:cs typeface="Times New Roman" panose="02020603050405020304" pitchFamily="18" charset="0"/>
+              </a:rPr>
+              <a:t>#print(features)</a:t>
+            </a:r>
+            <a:endParaRPr lang="en-US" sz="1800" dirty="0">
+              <a:effectLst/>
+              <a:latin typeface="Calibri" panose="020F0502020204030204" pitchFamily="34" charset="0"/>
+              <a:ea typeface="Calibri" panose="020F0502020204030204" pitchFamily="34" charset="0"/>
+              <a:cs typeface="Times New Roman" panose="02020603050405020304" pitchFamily="18" charset="0"/>
+            </a:endParaRPr>
+          </a:p>
+          <a:p>
+            <a:pPr marL="0" marR="0">
+              <a:lnSpc>
+                <a:spcPts val="1425"/>
+              </a:lnSpc>
+              <a:spcBef>
+                <a:spcPts val="0"/>
+              </a:spcBef>
+              <a:spcAft>
+                <a:spcPts val="0"/>
+              </a:spcAft>
+            </a:pPr>
+            <a:r>
+              <a:rPr lang="en-US" sz="1800" dirty="0">
+                <a:solidFill>
+                  <a:srgbClr val="D4D4D4"/>
+                </a:solidFill>
+                <a:effectLst/>
+                <a:latin typeface="Consolas" panose="020B0609020204030204" pitchFamily="49" charset="0"/>
+                <a:ea typeface="Times New Roman" panose="02020603050405020304" pitchFamily="18" charset="0"/>
+                <a:cs typeface="Times New Roman" panose="02020603050405020304" pitchFamily="18" charset="0"/>
+              </a:rPr>
+              <a:t>    </a:t>
+            </a:r>
+            <a:endParaRPr lang="en-US" sz="1800" dirty="0">
+              <a:effectLst/>
+              <a:latin typeface="Calibri" panose="020F0502020204030204" pitchFamily="34" charset="0"/>
+              <a:ea typeface="Calibri" panose="020F0502020204030204" pitchFamily="34" charset="0"/>
+              <a:cs typeface="Times New Roman" panose="02020603050405020304" pitchFamily="18" charset="0"/>
+            </a:endParaRPr>
+          </a:p>
+          <a:p>
+            <a:pPr marL="0" marR="0">
+              <a:lnSpc>
+                <a:spcPts val="1425"/>
+              </a:lnSpc>
+              <a:spcBef>
+                <a:spcPts val="0"/>
+              </a:spcBef>
+              <a:spcAft>
+                <a:spcPts val="0"/>
+              </a:spcAft>
+            </a:pPr>
+            <a:r>
+              <a:rPr lang="en-US" sz="1800" dirty="0">
+                <a:solidFill>
+                  <a:srgbClr val="D4D4D4"/>
+                </a:solidFill>
+                <a:effectLst/>
+                <a:latin typeface="Consolas" panose="020B0609020204030204" pitchFamily="49" charset="0"/>
+                <a:ea typeface="Times New Roman" panose="02020603050405020304" pitchFamily="18" charset="0"/>
+                <a:cs typeface="Times New Roman" panose="02020603050405020304" pitchFamily="18" charset="0"/>
+              </a:rPr>
+              <a:t>    </a:t>
+            </a:r>
+            <a:r>
+              <a:rPr lang="en-US" sz="1800" b="1" dirty="0">
+                <a:solidFill>
+                  <a:srgbClr val="9CDCFE"/>
+                </a:solidFill>
+                <a:effectLst/>
+                <a:latin typeface="Consolas" panose="020B0609020204030204" pitchFamily="49" charset="0"/>
+                <a:ea typeface="Times New Roman" panose="02020603050405020304" pitchFamily="18" charset="0"/>
+                <a:cs typeface="Times New Roman" panose="02020603050405020304" pitchFamily="18" charset="0"/>
+              </a:rPr>
+              <a:t>data</a:t>
+            </a:r>
+            <a:r>
+              <a:rPr lang="en-US" sz="1800" b="1" dirty="0">
+                <a:solidFill>
+                  <a:srgbClr val="D4D4D4"/>
+                </a:solidFill>
+                <a:effectLst/>
+                <a:latin typeface="Consolas" panose="020B0609020204030204" pitchFamily="49" charset="0"/>
+                <a:ea typeface="Times New Roman" panose="02020603050405020304" pitchFamily="18" charset="0"/>
+                <a:cs typeface="Times New Roman" panose="02020603050405020304" pitchFamily="18" charset="0"/>
+              </a:rPr>
+              <a:t> = { </a:t>
+            </a:r>
+            <a:r>
+              <a:rPr lang="en-US" sz="1800" b="1" dirty="0">
+                <a:solidFill>
+                  <a:srgbClr val="CE9178"/>
+                </a:solidFill>
+                <a:effectLst/>
+                <a:latin typeface="Consolas" panose="020B0609020204030204" pitchFamily="49" charset="0"/>
+                <a:ea typeface="Times New Roman" panose="02020603050405020304" pitchFamily="18" charset="0"/>
+                <a:cs typeface="Times New Roman" panose="02020603050405020304" pitchFamily="18" charset="0"/>
+              </a:rPr>
+              <a:t>'features'</a:t>
+            </a:r>
+            <a:r>
+              <a:rPr lang="en-US" sz="1800" b="1" dirty="0">
+                <a:solidFill>
+                  <a:srgbClr val="D4D4D4"/>
+                </a:solidFill>
+                <a:effectLst/>
+                <a:latin typeface="Consolas" panose="020B0609020204030204" pitchFamily="49" charset="0"/>
+                <a:ea typeface="Times New Roman" panose="02020603050405020304" pitchFamily="18" charset="0"/>
+                <a:cs typeface="Times New Roman" panose="02020603050405020304" pitchFamily="18" charset="0"/>
+              </a:rPr>
+              <a:t> : </a:t>
+            </a:r>
+            <a:r>
+              <a:rPr lang="en-US" sz="1800" b="1" dirty="0">
+                <a:solidFill>
+                  <a:srgbClr val="9CDCFE"/>
+                </a:solidFill>
+                <a:effectLst/>
+                <a:latin typeface="Consolas" panose="020B0609020204030204" pitchFamily="49" charset="0"/>
+                <a:ea typeface="Times New Roman" panose="02020603050405020304" pitchFamily="18" charset="0"/>
+                <a:cs typeface="Times New Roman" panose="02020603050405020304" pitchFamily="18" charset="0"/>
+              </a:rPr>
+              <a:t>features</a:t>
+            </a:r>
+            <a:r>
+              <a:rPr lang="en-US" sz="1800" b="1" dirty="0">
+                <a:solidFill>
+                  <a:srgbClr val="D4D4D4"/>
+                </a:solidFill>
+                <a:effectLst/>
+                <a:latin typeface="Consolas" panose="020B0609020204030204" pitchFamily="49" charset="0"/>
+                <a:ea typeface="Times New Roman" panose="02020603050405020304" pitchFamily="18" charset="0"/>
+                <a:cs typeface="Times New Roman" panose="02020603050405020304" pitchFamily="18" charset="0"/>
+              </a:rPr>
+              <a:t>}</a:t>
+            </a:r>
+            <a:endParaRPr lang="en-US" sz="1800" b="1" dirty="0">
+              <a:effectLst/>
+              <a:latin typeface="Calibri" panose="020F0502020204030204" pitchFamily="34" charset="0"/>
+              <a:ea typeface="Calibri" panose="020F0502020204030204" pitchFamily="34" charset="0"/>
+              <a:cs typeface="Times New Roman" panose="02020603050405020304" pitchFamily="18" charset="0"/>
+            </a:endParaRPr>
+          </a:p>
+          <a:p>
             <a:endParaRPr lang="en-US" dirty="0"/>
           </a:p>
         </p:txBody>
@@ -13070,7 +10942,7 @@
             <a:fld id="{87DE6118-2437-4B30-8E3C-4D2BE6020583}" type="datetimeFigureOut">
               <a:rPr lang="en-US" smtClean="0"/>
               <a:pPr/>
-              <a:t>10/31/2021</a:t>
+              <a:t>11/2/2021</a:t>
             </a:fld>
             <a:endParaRPr lang="en-US" dirty="0"/>
           </a:p>
@@ -13347,7 +11219,7 @@
             <a:fld id="{87DE6118-2437-4B30-8E3C-4D2BE6020583}" type="datetimeFigureOut">
               <a:rPr lang="en-US" smtClean="0"/>
               <a:pPr/>
-              <a:t>10/31/2021</a:t>
+              <a:t>11/2/2021</a:t>
             </a:fld>
             <a:endParaRPr lang="en-US" dirty="0"/>
           </a:p>
@@ -13543,7 +11415,7 @@
             <a:fld id="{87DE6118-2437-4B30-8E3C-4D2BE6020583}" type="datetimeFigureOut">
               <a:rPr lang="en-US" smtClean="0"/>
               <a:pPr/>
-              <a:t>10/31/2021</a:t>
+              <a:t>11/2/2021</a:t>
             </a:fld>
             <a:endParaRPr lang="en-US" dirty="0"/>
           </a:p>
@@ -13818,7 +11690,7 @@
             <a:fld id="{87DE6118-2437-4B30-8E3C-4D2BE6020583}" type="datetimeFigureOut">
               <a:rPr lang="en-US" smtClean="0"/>
               <a:pPr/>
-              <a:t>10/31/2021</a:t>
+              <a:t>11/2/2021</a:t>
             </a:fld>
             <a:endParaRPr lang="en-US" dirty="0"/>
           </a:p>
@@ -14161,7 +12033,7 @@
             <a:fld id="{87DE6118-2437-4B30-8E3C-4D2BE6020583}" type="datetimeFigureOut">
               <a:rPr lang="en-US" smtClean="0"/>
               <a:pPr/>
-              <a:t>10/31/2021</a:t>
+              <a:t>11/2/2021</a:t>
             </a:fld>
             <a:endParaRPr lang="en-US" dirty="0"/>
           </a:p>
@@ -14786,7 +12658,7 @@
             <a:fld id="{87DE6118-2437-4B30-8E3C-4D2BE6020583}" type="datetimeFigureOut">
               <a:rPr lang="en-US" smtClean="0"/>
               <a:pPr/>
-              <a:t>10/31/2021</a:t>
+              <a:t>11/2/2021</a:t>
             </a:fld>
             <a:endParaRPr lang="en-US" dirty="0"/>
           </a:p>
@@ -15648,7 +13520,7 @@
             <a:fld id="{87DE6118-2437-4B30-8E3C-4D2BE6020583}" type="datetimeFigureOut">
               <a:rPr lang="en-US" smtClean="0"/>
               <a:pPr/>
-              <a:t>10/31/2021</a:t>
+              <a:t>11/2/2021</a:t>
             </a:fld>
             <a:endParaRPr lang="en-US" dirty="0"/>
           </a:p>
@@ -15820,7 +13692,7 @@
             <a:fld id="{87DE6118-2437-4B30-8E3C-4D2BE6020583}" type="datetimeFigureOut">
               <a:rPr lang="en-US" smtClean="0"/>
               <a:pPr/>
-              <a:t>10/31/2021</a:t>
+              <a:t>11/2/2021</a:t>
             </a:fld>
             <a:endParaRPr lang="en-US" dirty="0"/>
           </a:p>
@@ -16002,7 +13874,7 @@
             <a:fld id="{87DE6118-2437-4B30-8E3C-4D2BE6020583}" type="datetimeFigureOut">
               <a:rPr lang="en-US" smtClean="0"/>
               <a:pPr/>
-              <a:t>10/31/2021</a:t>
+              <a:t>11/2/2021</a:t>
             </a:fld>
             <a:endParaRPr lang="en-US" dirty="0"/>
           </a:p>
@@ -16174,7 +14046,7 @@
             <a:fld id="{87DE6118-2437-4B30-8E3C-4D2BE6020583}" type="datetimeFigureOut">
               <a:rPr lang="en-US" smtClean="0"/>
               <a:pPr/>
-              <a:t>10/31/2021</a:t>
+              <a:t>11/2/2021</a:t>
             </a:fld>
             <a:endParaRPr lang="en-US" dirty="0"/>
           </a:p>
@@ -16423,7 +14295,7 @@
             <a:fld id="{87DE6118-2437-4B30-8E3C-4D2BE6020583}" type="datetimeFigureOut">
               <a:rPr lang="en-US" smtClean="0"/>
               <a:pPr/>
-              <a:t>10/31/2021</a:t>
+              <a:t>11/2/2021</a:t>
             </a:fld>
             <a:endParaRPr lang="en-US" dirty="0"/>
           </a:p>
@@ -16717,7 +14589,7 @@
             <a:fld id="{87DE6118-2437-4B30-8E3C-4D2BE6020583}" type="datetimeFigureOut">
               <a:rPr lang="en-US" smtClean="0"/>
               <a:pPr/>
-              <a:t>10/31/2021</a:t>
+              <a:t>11/2/2021</a:t>
             </a:fld>
             <a:endParaRPr lang="en-US" dirty="0"/>
           </a:p>
@@ -17163,7 +15035,7 @@
             <a:fld id="{87DE6118-2437-4B30-8E3C-4D2BE6020583}" type="datetimeFigureOut">
               <a:rPr lang="en-US" smtClean="0"/>
               <a:pPr/>
-              <a:t>10/31/2021</a:t>
+              <a:t>11/2/2021</a:t>
             </a:fld>
             <a:endParaRPr lang="en-US" dirty="0"/>
           </a:p>
@@ -17282,7 +15154,7 @@
           <a:p>
             <a:fld id="{87DE6118-2437-4B30-8E3C-4D2BE6020583}" type="datetimeFigureOut">
               <a:rPr lang="en-US" smtClean="0"/>
-              <a:t>10/31/2021</a:t>
+              <a:t>11/2/2021</a:t>
             </a:fld>
             <a:endParaRPr lang="en-US" dirty="0"/>
           </a:p>
@@ -17377,7 +15249,7 @@
           <a:p>
             <a:fld id="{87DE6118-2437-4B30-8E3C-4D2BE6020583}" type="datetimeFigureOut">
               <a:rPr lang="en-US" smtClean="0"/>
-              <a:t>10/31/2021</a:t>
+              <a:t>11/2/2021</a:t>
             </a:fld>
             <a:endParaRPr lang="en-US" dirty="0"/>
           </a:p>
@@ -17657,7 +15529,7 @@
             <a:fld id="{87DE6118-2437-4B30-8E3C-4D2BE6020583}" type="datetimeFigureOut">
               <a:rPr lang="en-US" smtClean="0"/>
               <a:pPr/>
-              <a:t>10/31/2021</a:t>
+              <a:t>11/2/2021</a:t>
             </a:fld>
             <a:endParaRPr lang="en-US" dirty="0"/>
           </a:p>
@@ -17934,7 +15806,7 @@
             <a:fld id="{87DE6118-2437-4B30-8E3C-4D2BE6020583}" type="datetimeFigureOut">
               <a:rPr lang="en-US" smtClean="0"/>
               <a:pPr/>
-              <a:t>10/31/2021</a:t>
+              <a:t>11/2/2021</a:t>
             </a:fld>
             <a:endParaRPr lang="en-US" dirty="0"/>
           </a:p>
@@ -18365,7 +16237,7 @@
             <a:fld id="{87DE6118-2437-4B30-8E3C-4D2BE6020583}" type="datetimeFigureOut">
               <a:rPr lang="en-US" smtClean="0"/>
               <a:pPr/>
-              <a:t>10/31/2021</a:t>
+              <a:t>11/2/2021</a:t>
             </a:fld>
             <a:endParaRPr lang="en-US" dirty="0"/>
           </a:p>
@@ -21245,6 +19117,12 @@
               </a:rPr>
             </a:br>
             <a:r>
+              <a:rPr lang="en-US" b="1" dirty="0">
+                <a:sym typeface="Wingdings" panose="05000000000000000000" pitchFamily="2" charset="2"/>
+              </a:rPr>
+              <a:t>					</a:t>
+            </a:r>
+            <a:r>
               <a:rPr lang="en-US" sz="4400" dirty="0">
                 <a:sym typeface="Wingdings" panose="05000000000000000000" pitchFamily="2" charset="2"/>
               </a:rPr>
@@ -21254,37 +19132,600 @@
           </a:p>
         </p:txBody>
       </p:sp>
-      <p:graphicFrame>
-        <p:nvGraphicFramePr>
-          <p:cNvPr id="10" name="Content Placeholder 3">
+      <p:sp>
+        <p:nvSpPr>
+          <p:cNvPr id="6" name="Content Placeholder 5">
             <a:extLst>
               <a:ext uri="{FF2B5EF4-FFF2-40B4-BE49-F238E27FC236}">
-                <a16:creationId xmlns:a16="http://schemas.microsoft.com/office/drawing/2014/main" id="{D0DF2CD5-5311-40B5-A331-B14CCCABAB5C}"/>
+                <a16:creationId xmlns:a16="http://schemas.microsoft.com/office/drawing/2014/main" id="{5D6FB298-90E3-4579-AFAB-AA6E065C178B}"/>
               </a:ext>
             </a:extLst>
           </p:cNvPr>
-          <p:cNvGraphicFramePr>
-            <a:graphicFrameLocks noGrp="1"/>
-          </p:cNvGraphicFramePr>
+          <p:cNvSpPr>
+            <a:spLocks noGrp="1"/>
+          </p:cNvSpPr>
           <p:nvPr>
             <p:ph sz="half" idx="1"/>
-            <p:extLst>
-              <p:ext uri="{D42A27DB-BD31-4B8C-83A1-F6EECF244321}">
-                <p14:modId xmlns:p14="http://schemas.microsoft.com/office/powerpoint/2010/main" val="4170866340"/>
-              </p:ext>
-            </p:extLst>
           </p:nvPr>
-        </p:nvGraphicFramePr>
-        <p:xfrm>
-          <a:off x="1492095" y="2531326"/>
-          <a:ext cx="9436100" cy="3581401"/>
-        </p:xfrm>
-        <a:graphic>
-          <a:graphicData uri="http://schemas.openxmlformats.org/drawingml/2006/diagram">
-            <dgm:relIds xmlns:dgm="http://schemas.openxmlformats.org/drawingml/2006/diagram" xmlns:r="http://schemas.openxmlformats.org/officeDocument/2006/relationships" r:dm="rId3" r:lo="rId4" r:qs="rId5" r:cs="rId6"/>
-          </a:graphicData>
-        </a:graphic>
-      </p:graphicFrame>
+        </p:nvSpPr>
+        <p:spPr>
+          <a:xfrm>
+            <a:off x="1103312" y="2060575"/>
+            <a:ext cx="10270932" cy="4407958"/>
+          </a:xfrm>
+        </p:spPr>
+        <p:txBody>
+          <a:bodyPr>
+            <a:normAutofit/>
+          </a:bodyPr>
+          <a:lstStyle/>
+          <a:p>
+            <a:pPr lvl="1">
+              <a:buFont typeface="Wingdings" panose="05000000000000000000" pitchFamily="2" charset="2"/>
+              <a:buChar char="§"/>
+            </a:pPr>
+            <a:r>
+              <a:rPr lang="en-US" dirty="0"/>
+              <a:t>Source  of API (</a:t>
+            </a:r>
+            <a:r>
+              <a:rPr lang="en-US" dirty="0" err="1"/>
+              <a:t>Geojson</a:t>
+            </a:r>
+            <a:r>
+              <a:rPr lang="en-US" dirty="0"/>
+              <a:t>) </a:t>
+            </a:r>
+          </a:p>
+          <a:p>
+            <a:pPr marL="0" indent="0">
+              <a:buNone/>
+            </a:pPr>
+            <a:r>
+              <a:rPr lang="en-US" dirty="0">
+                <a:solidFill>
+                  <a:schemeClr val="tx1">
+                    <a:lumMod val="95000"/>
+                  </a:schemeClr>
+                </a:solidFill>
+                <a:latin typeface="Consolas" panose="020B0609020204030204" pitchFamily="49" charset="0"/>
+              </a:rPr>
+              <a:t>  </a:t>
+            </a:r>
+            <a:r>
+              <a:rPr lang="en-US" b="0" dirty="0">
+                <a:solidFill>
+                  <a:schemeClr val="tx1">
+                    <a:lumMod val="95000"/>
+                  </a:schemeClr>
+                </a:solidFill>
+                <a:effectLst/>
+                <a:latin typeface="Consolas" panose="020B0609020204030204" pitchFamily="49" charset="0"/>
+                <a:hlinkClick r:id="rId3"/>
+              </a:rPr>
+              <a:t>https://data.cityofchicago.org/resource/ijzp-q8t2.geojson</a:t>
+            </a:r>
+            <a:endParaRPr lang="en-US" b="0" dirty="0">
+              <a:solidFill>
+                <a:schemeClr val="tx1">
+                  <a:lumMod val="95000"/>
+                </a:schemeClr>
+              </a:solidFill>
+              <a:effectLst/>
+              <a:latin typeface="Consolas" panose="020B0609020204030204" pitchFamily="49" charset="0"/>
+            </a:endParaRPr>
+          </a:p>
+          <a:p>
+            <a:pPr lvl="1">
+              <a:buFont typeface="Wingdings" panose="05000000000000000000" pitchFamily="2" charset="2"/>
+              <a:buChar char="§"/>
+            </a:pPr>
+            <a:r>
+              <a:rPr lang="en-US" sz="1400" dirty="0" err="1">
+                <a:effectLst/>
+                <a:latin typeface="Segoe UI" panose="020B0502040204020203" pitchFamily="34" charset="0"/>
+                <a:ea typeface="Calibri" panose="020F0502020204030204" pitchFamily="34" charset="0"/>
+              </a:rPr>
+              <a:t>Geojson</a:t>
+            </a:r>
+            <a:r>
+              <a:rPr lang="en-US" sz="1400" dirty="0">
+                <a:effectLst/>
+                <a:latin typeface="Segoe UI" panose="020B0502040204020203" pitchFamily="34" charset="0"/>
+                <a:ea typeface="Calibri" panose="020F0502020204030204" pitchFamily="34" charset="0"/>
+              </a:rPr>
+              <a:t>  format with Leaflet used to  draw the map</a:t>
+            </a:r>
+            <a:endParaRPr lang="en-US" dirty="0"/>
+          </a:p>
+          <a:p>
+            <a:pPr lvl="1">
+              <a:buFont typeface="Arial" panose="020B0604020202020204" pitchFamily="34" charset="0"/>
+              <a:buChar char="•"/>
+            </a:pPr>
+            <a:r>
+              <a:rPr lang="en-US" dirty="0" err="1"/>
+              <a:t>Geojson</a:t>
+            </a:r>
+            <a:r>
+              <a:rPr lang="en-US" dirty="0"/>
+              <a:t> data has “feature’ array/list that make is easy to plot the map.</a:t>
+            </a:r>
+          </a:p>
+          <a:p>
+            <a:pPr lvl="1">
+              <a:buFont typeface="Arial" panose="020B0604020202020204" pitchFamily="34" charset="0"/>
+              <a:buChar char="•"/>
+            </a:pPr>
+            <a:r>
+              <a:rPr lang="en-US" b="1" dirty="0"/>
+              <a:t>Data Format issue </a:t>
+            </a:r>
+            <a:r>
+              <a:rPr lang="en-US" dirty="0"/>
+              <a:t>: Data was not fully loaded as </a:t>
+            </a:r>
+            <a:r>
+              <a:rPr lang="en-US" dirty="0" err="1"/>
+              <a:t>geojson</a:t>
+            </a:r>
+            <a:r>
+              <a:rPr lang="en-US" dirty="0"/>
+              <a:t> format because some other challenges. The list was missing. A line was added to a python script to convert  data fully to a  </a:t>
+            </a:r>
+            <a:r>
+              <a:rPr lang="en-US" dirty="0" err="1"/>
+              <a:t>geojson</a:t>
+            </a:r>
+            <a:r>
+              <a:rPr lang="en-US" dirty="0"/>
+              <a:t> format after the for loop.</a:t>
+            </a:r>
+          </a:p>
+          <a:p>
+            <a:pPr marL="0" indent="0">
+              <a:buNone/>
+            </a:pPr>
+            <a:r>
+              <a:rPr lang="en-US" dirty="0"/>
+              <a:t>			</a:t>
+            </a:r>
+            <a:r>
+              <a:rPr lang="en-US" sz="1800" dirty="0">
+                <a:solidFill>
+                  <a:srgbClr val="9CDCFE"/>
+                </a:solidFill>
+                <a:effectLst/>
+                <a:latin typeface="Consolas" panose="020B0609020204030204" pitchFamily="49" charset="0"/>
+                <a:ea typeface="Times New Roman" panose="02020603050405020304" pitchFamily="18" charset="0"/>
+                <a:cs typeface="Times New Roman" panose="02020603050405020304" pitchFamily="18" charset="0"/>
+              </a:rPr>
+              <a:t>data</a:t>
+            </a:r>
+            <a:r>
+              <a:rPr lang="en-US" sz="1800" dirty="0">
+                <a:solidFill>
+                  <a:srgbClr val="D4D4D4"/>
+                </a:solidFill>
+                <a:effectLst/>
+                <a:latin typeface="Consolas" panose="020B0609020204030204" pitchFamily="49" charset="0"/>
+                <a:ea typeface="Times New Roman" panose="02020603050405020304" pitchFamily="18" charset="0"/>
+                <a:cs typeface="Times New Roman" panose="02020603050405020304" pitchFamily="18" charset="0"/>
+              </a:rPr>
+              <a:t> = { </a:t>
+            </a:r>
+            <a:r>
+              <a:rPr lang="en-US" sz="1800" dirty="0">
+                <a:solidFill>
+                  <a:srgbClr val="CE9178"/>
+                </a:solidFill>
+                <a:effectLst/>
+                <a:latin typeface="Consolas" panose="020B0609020204030204" pitchFamily="49" charset="0"/>
+                <a:ea typeface="Times New Roman" panose="02020603050405020304" pitchFamily="18" charset="0"/>
+                <a:cs typeface="Times New Roman" panose="02020603050405020304" pitchFamily="18" charset="0"/>
+              </a:rPr>
+              <a:t>'features'</a:t>
+            </a:r>
+            <a:r>
+              <a:rPr lang="en-US" sz="1800" dirty="0">
+                <a:solidFill>
+                  <a:srgbClr val="D4D4D4"/>
+                </a:solidFill>
+                <a:effectLst/>
+                <a:latin typeface="Consolas" panose="020B0609020204030204" pitchFamily="49" charset="0"/>
+                <a:ea typeface="Times New Roman" panose="02020603050405020304" pitchFamily="18" charset="0"/>
+                <a:cs typeface="Times New Roman" panose="02020603050405020304" pitchFamily="18" charset="0"/>
+              </a:rPr>
+              <a:t> : </a:t>
+            </a:r>
+            <a:r>
+              <a:rPr lang="en-US" sz="1800" dirty="0">
+                <a:solidFill>
+                  <a:srgbClr val="9CDCFE"/>
+                </a:solidFill>
+                <a:effectLst/>
+                <a:latin typeface="Consolas" panose="020B0609020204030204" pitchFamily="49" charset="0"/>
+                <a:ea typeface="Times New Roman" panose="02020603050405020304" pitchFamily="18" charset="0"/>
+                <a:cs typeface="Times New Roman" panose="02020603050405020304" pitchFamily="18" charset="0"/>
+              </a:rPr>
+              <a:t>features</a:t>
+            </a:r>
+            <a:r>
+              <a:rPr lang="en-US" sz="1800" dirty="0">
+                <a:solidFill>
+                  <a:srgbClr val="D4D4D4"/>
+                </a:solidFill>
+                <a:effectLst/>
+                <a:latin typeface="Consolas" panose="020B0609020204030204" pitchFamily="49" charset="0"/>
+                <a:ea typeface="Times New Roman" panose="02020603050405020304" pitchFamily="18" charset="0"/>
+                <a:cs typeface="Times New Roman" panose="02020603050405020304" pitchFamily="18" charset="0"/>
+              </a:rPr>
+              <a:t>}</a:t>
+            </a:r>
+          </a:p>
+          <a:p>
+            <a:pPr lvl="1">
+              <a:buFont typeface="Wingdings" panose="05000000000000000000" pitchFamily="2" charset="2"/>
+              <a:buChar char="§"/>
+            </a:pPr>
+            <a:r>
+              <a:rPr lang="en-US" dirty="0">
+                <a:solidFill>
+                  <a:srgbClr val="D4D4D4"/>
+                </a:solidFill>
+                <a:latin typeface="Consolas" panose="020B0609020204030204" pitchFamily="49" charset="0"/>
+                <a:ea typeface="Calibri" panose="020F0502020204030204" pitchFamily="34" charset="0"/>
+                <a:cs typeface="Times New Roman" panose="02020603050405020304" pitchFamily="18" charset="0"/>
+              </a:rPr>
+              <a:t>Performance</a:t>
+            </a:r>
+            <a:r>
+              <a:rPr lang="en-US" b="1" dirty="0">
+                <a:solidFill>
+                  <a:srgbClr val="D4D4D4"/>
+                </a:solidFill>
+                <a:latin typeface="Consolas" panose="020B0609020204030204" pitchFamily="49" charset="0"/>
+                <a:ea typeface="Calibri" panose="020F0502020204030204" pitchFamily="34" charset="0"/>
+                <a:cs typeface="Times New Roman" panose="02020603050405020304" pitchFamily="18" charset="0"/>
+              </a:rPr>
+              <a:t> issue </a:t>
+            </a:r>
+            <a:r>
+              <a:rPr lang="en-US" dirty="0">
+                <a:solidFill>
+                  <a:srgbClr val="D4D4D4"/>
+                </a:solidFill>
+                <a:latin typeface="Consolas" panose="020B0609020204030204" pitchFamily="49" charset="0"/>
+                <a:ea typeface="Calibri" panose="020F0502020204030204" pitchFamily="34" charset="0"/>
+                <a:cs typeface="Times New Roman" panose="02020603050405020304" pitchFamily="18" charset="0"/>
+              </a:rPr>
+              <a:t>: Data Extraction is limited to only three prime types using a query python script 	</a:t>
+            </a:r>
+          </a:p>
+          <a:p>
+            <a:pPr marL="457200" lvl="1" indent="0">
+              <a:buNone/>
+            </a:pPr>
+            <a:r>
+              <a:rPr lang="en-US" sz="1600" b="1" dirty="0">
+                <a:solidFill>
+                  <a:srgbClr val="9CDCFE"/>
+                </a:solidFill>
+                <a:effectLst/>
+                <a:latin typeface="Consolas" panose="020B0609020204030204" pitchFamily="49" charset="0"/>
+                <a:ea typeface="Times New Roman" panose="02020603050405020304" pitchFamily="18" charset="0"/>
+                <a:cs typeface="Times New Roman" panose="02020603050405020304" pitchFamily="18" charset="0"/>
+              </a:rPr>
+              <a:t>	</a:t>
+            </a:r>
+            <a:r>
+              <a:rPr lang="en-US" sz="1600" b="1" dirty="0" err="1">
+                <a:solidFill>
+                  <a:srgbClr val="9CDCFE"/>
+                </a:solidFill>
+                <a:effectLst/>
+                <a:latin typeface="Consolas" panose="020B0609020204030204" pitchFamily="49" charset="0"/>
+                <a:ea typeface="Times New Roman" panose="02020603050405020304" pitchFamily="18" charset="0"/>
+                <a:cs typeface="Times New Roman" panose="02020603050405020304" pitchFamily="18" charset="0"/>
+              </a:rPr>
+              <a:t>mongo</a:t>
+            </a:r>
+            <a:r>
+              <a:rPr lang="en-US" sz="1600" b="1" dirty="0" err="1">
+                <a:solidFill>
+                  <a:srgbClr val="D4D4D4"/>
+                </a:solidFill>
+                <a:effectLst/>
+                <a:latin typeface="Consolas" panose="020B0609020204030204" pitchFamily="49" charset="0"/>
+                <a:ea typeface="Times New Roman" panose="02020603050405020304" pitchFamily="18" charset="0"/>
+                <a:cs typeface="Times New Roman" panose="02020603050405020304" pitchFamily="18" charset="0"/>
+              </a:rPr>
+              <a:t>.</a:t>
+            </a:r>
+            <a:r>
+              <a:rPr lang="en-US" sz="1600" b="1" dirty="0" err="1">
+                <a:solidFill>
+                  <a:srgbClr val="9CDCFE"/>
+                </a:solidFill>
+                <a:effectLst/>
+                <a:latin typeface="Consolas" panose="020B0609020204030204" pitchFamily="49" charset="0"/>
+                <a:ea typeface="Times New Roman" panose="02020603050405020304" pitchFamily="18" charset="0"/>
+                <a:cs typeface="Times New Roman" panose="02020603050405020304" pitchFamily="18" charset="0"/>
+              </a:rPr>
+              <a:t>db</a:t>
+            </a:r>
+            <a:r>
+              <a:rPr lang="en-US" sz="1600" b="1" dirty="0" err="1">
+                <a:solidFill>
+                  <a:srgbClr val="D4D4D4"/>
+                </a:solidFill>
+                <a:effectLst/>
+                <a:latin typeface="Consolas" panose="020B0609020204030204" pitchFamily="49" charset="0"/>
+                <a:ea typeface="Times New Roman" panose="02020603050405020304" pitchFamily="18" charset="0"/>
+                <a:cs typeface="Times New Roman" panose="02020603050405020304" pitchFamily="18" charset="0"/>
+              </a:rPr>
+              <a:t>.events.</a:t>
+            </a:r>
+            <a:r>
+              <a:rPr lang="en-US" sz="1600" b="1" dirty="0" err="1">
+                <a:solidFill>
+                  <a:srgbClr val="DCDCAA"/>
+                </a:solidFill>
+                <a:effectLst/>
+                <a:latin typeface="Consolas" panose="020B0609020204030204" pitchFamily="49" charset="0"/>
+                <a:ea typeface="Times New Roman" panose="02020603050405020304" pitchFamily="18" charset="0"/>
+                <a:cs typeface="Times New Roman" panose="02020603050405020304" pitchFamily="18" charset="0"/>
+              </a:rPr>
+              <a:t>find</a:t>
+            </a:r>
+            <a:r>
+              <a:rPr lang="en-US" sz="1600" b="1" dirty="0">
+                <a:solidFill>
+                  <a:srgbClr val="D4D4D4"/>
+                </a:solidFill>
+                <a:effectLst/>
+                <a:latin typeface="Consolas" panose="020B0609020204030204" pitchFamily="49" charset="0"/>
+                <a:ea typeface="Times New Roman" panose="02020603050405020304" pitchFamily="18" charset="0"/>
+                <a:cs typeface="Times New Roman" panose="02020603050405020304" pitchFamily="18" charset="0"/>
+              </a:rPr>
+              <a:t>({ </a:t>
+            </a:r>
+            <a:r>
+              <a:rPr lang="en-US" sz="1600" b="1" dirty="0">
+                <a:solidFill>
+                  <a:srgbClr val="CE9178"/>
+                </a:solidFill>
+                <a:effectLst/>
+                <a:latin typeface="Consolas" panose="020B0609020204030204" pitchFamily="49" charset="0"/>
+                <a:ea typeface="Times New Roman" panose="02020603050405020304" pitchFamily="18" charset="0"/>
+                <a:cs typeface="Times New Roman" panose="02020603050405020304" pitchFamily="18" charset="0"/>
+              </a:rPr>
+              <a:t>'$and'</a:t>
+            </a:r>
+            <a:r>
+              <a:rPr lang="en-US" sz="1600" b="1" dirty="0">
+                <a:solidFill>
+                  <a:srgbClr val="D4D4D4"/>
+                </a:solidFill>
+                <a:effectLst/>
+                <a:latin typeface="Consolas" panose="020B0609020204030204" pitchFamily="49" charset="0"/>
+                <a:ea typeface="Times New Roman" panose="02020603050405020304" pitchFamily="18" charset="0"/>
+                <a:cs typeface="Times New Roman" panose="02020603050405020304" pitchFamily="18" charset="0"/>
+              </a:rPr>
+              <a:t>: [{</a:t>
+            </a:r>
+            <a:r>
+              <a:rPr lang="en-US" sz="1600" b="1" dirty="0">
+                <a:solidFill>
+                  <a:srgbClr val="CE9178"/>
+                </a:solidFill>
+                <a:effectLst/>
+                <a:latin typeface="Consolas" panose="020B0609020204030204" pitchFamily="49" charset="0"/>
+                <a:ea typeface="Times New Roman" panose="02020603050405020304" pitchFamily="18" charset="0"/>
+                <a:cs typeface="Times New Roman" panose="02020603050405020304" pitchFamily="18" charset="0"/>
+              </a:rPr>
+              <a:t>'</a:t>
+            </a:r>
+            <a:r>
+              <a:rPr lang="en-US" sz="1600" b="1" dirty="0" err="1">
+                <a:solidFill>
+                  <a:srgbClr val="CE9178"/>
+                </a:solidFill>
+                <a:effectLst/>
+                <a:latin typeface="Consolas" panose="020B0609020204030204" pitchFamily="49" charset="0"/>
+                <a:ea typeface="Times New Roman" panose="02020603050405020304" pitchFamily="18" charset="0"/>
+                <a:cs typeface="Times New Roman" panose="02020603050405020304" pitchFamily="18" charset="0"/>
+              </a:rPr>
+              <a:t>properties.year</a:t>
+            </a:r>
+            <a:r>
+              <a:rPr lang="en-US" sz="1600" b="1" dirty="0">
+                <a:solidFill>
+                  <a:srgbClr val="CE9178"/>
+                </a:solidFill>
+                <a:effectLst/>
+                <a:latin typeface="Consolas" panose="020B0609020204030204" pitchFamily="49" charset="0"/>
+                <a:ea typeface="Times New Roman" panose="02020603050405020304" pitchFamily="18" charset="0"/>
+                <a:cs typeface="Times New Roman" panose="02020603050405020304" pitchFamily="18" charset="0"/>
+              </a:rPr>
+              <a:t>'</a:t>
+            </a:r>
+            <a:r>
+              <a:rPr lang="en-US" sz="1600" b="1" dirty="0">
+                <a:solidFill>
+                  <a:srgbClr val="D4D4D4"/>
+                </a:solidFill>
+                <a:effectLst/>
+                <a:latin typeface="Consolas" panose="020B0609020204030204" pitchFamily="49" charset="0"/>
+                <a:ea typeface="Times New Roman" panose="02020603050405020304" pitchFamily="18" charset="0"/>
+                <a:cs typeface="Times New Roman" panose="02020603050405020304" pitchFamily="18" charset="0"/>
+              </a:rPr>
+              <a:t>: </a:t>
+            </a:r>
+            <a:r>
+              <a:rPr lang="en-US" sz="1600" b="1" dirty="0">
+                <a:solidFill>
+                  <a:srgbClr val="CE9178"/>
+                </a:solidFill>
+                <a:effectLst/>
+                <a:latin typeface="Consolas" panose="020B0609020204030204" pitchFamily="49" charset="0"/>
+                <a:ea typeface="Times New Roman" panose="02020603050405020304" pitchFamily="18" charset="0"/>
+                <a:cs typeface="Times New Roman" panose="02020603050405020304" pitchFamily="18" charset="0"/>
+              </a:rPr>
+              <a:t>'2020’</a:t>
+            </a:r>
+            <a:r>
+              <a:rPr lang="en-US" sz="1600" b="1" dirty="0">
+                <a:solidFill>
+                  <a:srgbClr val="D4D4D4"/>
+                </a:solidFill>
+                <a:effectLst/>
+                <a:latin typeface="Consolas" panose="020B0609020204030204" pitchFamily="49" charset="0"/>
+                <a:ea typeface="Times New Roman" panose="02020603050405020304" pitchFamily="18" charset="0"/>
+                <a:cs typeface="Times New Roman" panose="02020603050405020304" pitchFamily="18" charset="0"/>
+              </a:rPr>
+              <a:t>}, 				{</a:t>
+            </a:r>
+            <a:r>
+              <a:rPr lang="en-US" sz="1600" b="1" dirty="0">
+                <a:solidFill>
+                  <a:srgbClr val="CE9178"/>
+                </a:solidFill>
+                <a:effectLst/>
+                <a:latin typeface="Consolas" panose="020B0609020204030204" pitchFamily="49" charset="0"/>
+                <a:ea typeface="Times New Roman" panose="02020603050405020304" pitchFamily="18" charset="0"/>
+                <a:cs typeface="Times New Roman" panose="02020603050405020304" pitchFamily="18" charset="0"/>
+              </a:rPr>
+              <a:t>'</a:t>
+            </a:r>
+            <a:r>
+              <a:rPr lang="en-US" sz="1600" b="1" dirty="0" err="1">
+                <a:solidFill>
+                  <a:srgbClr val="CE9178"/>
+                </a:solidFill>
+                <a:effectLst/>
+                <a:latin typeface="Consolas" panose="020B0609020204030204" pitchFamily="49" charset="0"/>
+                <a:ea typeface="Times New Roman" panose="02020603050405020304" pitchFamily="18" charset="0"/>
+                <a:cs typeface="Times New Roman" panose="02020603050405020304" pitchFamily="18" charset="0"/>
+              </a:rPr>
+              <a:t>properties.primary_type</a:t>
+            </a:r>
+            <a:r>
+              <a:rPr lang="en-US" sz="1600" b="1" dirty="0">
+                <a:solidFill>
+                  <a:srgbClr val="CE9178"/>
+                </a:solidFill>
+                <a:effectLst/>
+                <a:latin typeface="Consolas" panose="020B0609020204030204" pitchFamily="49" charset="0"/>
+                <a:ea typeface="Times New Roman" panose="02020603050405020304" pitchFamily="18" charset="0"/>
+                <a:cs typeface="Times New Roman" panose="02020603050405020304" pitchFamily="18" charset="0"/>
+              </a:rPr>
+              <a:t>'</a:t>
+            </a:r>
+            <a:r>
+              <a:rPr lang="en-US" sz="1600" b="1" dirty="0">
+                <a:solidFill>
+                  <a:srgbClr val="D4D4D4"/>
+                </a:solidFill>
+                <a:effectLst/>
+                <a:latin typeface="Consolas" panose="020B0609020204030204" pitchFamily="49" charset="0"/>
+                <a:ea typeface="Times New Roman" panose="02020603050405020304" pitchFamily="18" charset="0"/>
+                <a:cs typeface="Times New Roman" panose="02020603050405020304" pitchFamily="18" charset="0"/>
+              </a:rPr>
+              <a:t>: </a:t>
+            </a:r>
+            <a:r>
+              <a:rPr lang="en-US" sz="1600" b="1" dirty="0">
+                <a:solidFill>
+                  <a:srgbClr val="9CDCFE"/>
+                </a:solidFill>
+                <a:effectLst/>
+                <a:latin typeface="Consolas" panose="020B0609020204030204" pitchFamily="49" charset="0"/>
+                <a:ea typeface="Times New Roman" panose="02020603050405020304" pitchFamily="18" charset="0"/>
+                <a:cs typeface="Times New Roman" panose="02020603050405020304" pitchFamily="18" charset="0"/>
+              </a:rPr>
+              <a:t>selector</a:t>
+            </a:r>
+            <a:r>
+              <a:rPr lang="en-US" sz="1600" b="1" dirty="0">
+                <a:solidFill>
+                  <a:srgbClr val="D4D4D4"/>
+                </a:solidFill>
+                <a:effectLst/>
+                <a:latin typeface="Consolas" panose="020B0609020204030204" pitchFamily="49" charset="0"/>
+                <a:ea typeface="Times New Roman" panose="02020603050405020304" pitchFamily="18" charset="0"/>
+                <a:cs typeface="Times New Roman" panose="02020603050405020304" pitchFamily="18" charset="0"/>
+              </a:rPr>
+              <a:t>}] }) </a:t>
+            </a:r>
+            <a:endParaRPr lang="en-US" dirty="0">
+              <a:solidFill>
+                <a:srgbClr val="D4D4D4"/>
+              </a:solidFill>
+              <a:latin typeface="Consolas" panose="020B0609020204030204" pitchFamily="49" charset="0"/>
+              <a:ea typeface="Calibri" panose="020F0502020204030204" pitchFamily="34" charset="0"/>
+              <a:cs typeface="Times New Roman" panose="02020603050405020304" pitchFamily="18" charset="0"/>
+            </a:endParaRPr>
+          </a:p>
+          <a:p>
+            <a:pPr lvl="1">
+              <a:buFont typeface="Wingdings" panose="05000000000000000000" pitchFamily="2" charset="2"/>
+              <a:buChar char="§"/>
+            </a:pPr>
+            <a:r>
+              <a:rPr lang="en-US" dirty="0">
+                <a:effectLst/>
+                <a:latin typeface="Calibri" panose="020F0502020204030204" pitchFamily="34" charset="0"/>
+                <a:ea typeface="Calibri" panose="020F0502020204030204" pitchFamily="34" charset="0"/>
+                <a:cs typeface="Times New Roman" panose="02020603050405020304" pitchFamily="18" charset="0"/>
+              </a:rPr>
+              <a:t>Data from MongoDB  passed to a map JavaScript using  </a:t>
+            </a:r>
+            <a:r>
+              <a:rPr lang="en-US" dirty="0" err="1">
+                <a:effectLst/>
+                <a:latin typeface="Calibri" panose="020F0502020204030204" pitchFamily="34" charset="0"/>
+                <a:ea typeface="Calibri" panose="020F0502020204030204" pitchFamily="34" charset="0"/>
+                <a:cs typeface="Times New Roman" panose="02020603050405020304" pitchFamily="18" charset="0"/>
+              </a:rPr>
+              <a:t>Jinga</a:t>
+            </a:r>
+            <a:r>
+              <a:rPr lang="en-US" dirty="0">
+                <a:effectLst/>
+                <a:latin typeface="Calibri" panose="020F0502020204030204" pitchFamily="34" charset="0"/>
+                <a:ea typeface="Calibri" panose="020F0502020204030204" pitchFamily="34" charset="0"/>
+                <a:cs typeface="Times New Roman" panose="02020603050405020304" pitchFamily="18" charset="0"/>
+              </a:rPr>
+              <a:t> and flask  application.</a:t>
+            </a:r>
+          </a:p>
+          <a:p>
+            <a:pPr marL="0" indent="0">
+              <a:buNone/>
+            </a:pPr>
+            <a:endParaRPr lang="en-US" dirty="0"/>
+          </a:p>
+          <a:p>
+            <a:pPr marL="0" indent="0">
+              <a:buNone/>
+            </a:pPr>
+            <a:endParaRPr lang="en-US" dirty="0"/>
+          </a:p>
+          <a:p>
+            <a:pPr marL="0" indent="0">
+              <a:buNone/>
+            </a:pPr>
+            <a:endParaRPr lang="en-US" dirty="0"/>
+          </a:p>
+          <a:p>
+            <a:pPr marL="0" indent="0">
+              <a:buNone/>
+            </a:pPr>
+            <a:endParaRPr lang="en-US" dirty="0"/>
+          </a:p>
+        </p:txBody>
+      </p:sp>
     </p:spTree>
     <p:extLst>
       <p:ext uri="{BB962C8B-B14F-4D97-AF65-F5344CB8AC3E}">
@@ -21868,39 +20309,6 @@
           </a:p>
         </p:txBody>
       </p:sp>
-      <p:pic>
-        <p:nvPicPr>
-          <p:cNvPr id="6" name="Content Placeholder 5">
-            <a:extLst>
-              <a:ext uri="{FF2B5EF4-FFF2-40B4-BE49-F238E27FC236}">
-                <a16:creationId xmlns:a16="http://schemas.microsoft.com/office/drawing/2014/main" id="{DD2467F8-B260-45CF-AEF7-63BD07BCEFAA}"/>
-              </a:ext>
-            </a:extLst>
-          </p:cNvPr>
-          <p:cNvPicPr>
-            <a:picLocks noGrp="1" noChangeAspect="1"/>
-          </p:cNvPicPr>
-          <p:nvPr>
-            <p:ph sz="half" idx="1"/>
-          </p:nvPr>
-        </p:nvPicPr>
-        <p:blipFill>
-          <a:blip r:embed="rId6"/>
-          <a:stretch>
-            <a:fillRect/>
-          </a:stretch>
-        </p:blipFill>
-        <p:spPr>
-          <a:xfrm>
-            <a:off x="5608319" y="1829367"/>
-            <a:ext cx="5614835" cy="3046047"/>
-          </a:xfrm>
-          <a:prstGeom prst="rect">
-            <a:avLst/>
-          </a:prstGeom>
-          <a:effectLst/>
-        </p:spPr>
-      </p:pic>
       <p:sp>
         <p:nvSpPr>
           <p:cNvPr id="29" name="Rectangle 28">
@@ -21988,7 +20396,7 @@
               </a:lnSpc>
             </a:pPr>
             <a:r>
-              <a:rPr lang="en-US">
+              <a:rPr lang="en-US" dirty="0">
                 <a:solidFill>
                   <a:srgbClr val="FFFFFF"/>
                 </a:solidFill>
@@ -22003,12 +20411,44 @@
               </a:lnSpc>
             </a:pPr>
             <a:r>
-              <a:rPr lang="en-US">
+              <a:rPr lang="en-US" dirty="0">
                 <a:solidFill>
                   <a:srgbClr val="FFFFFF"/>
                 </a:solidFill>
               </a:rPr>
-              <a:t>Two Base layers: Using streetmap tile layer and darkmap tile layer .Visible at a time</a:t>
+              <a:t>Two Base layers: Using </a:t>
+            </a:r>
+            <a:r>
+              <a:rPr lang="en-US" dirty="0" err="1">
+                <a:solidFill>
+                  <a:srgbClr val="FFFFFF"/>
+                </a:solidFill>
+              </a:rPr>
+              <a:t>streetmap</a:t>
+            </a:r>
+            <a:r>
+              <a:rPr lang="en-US" dirty="0">
+                <a:solidFill>
+                  <a:srgbClr val="FFFFFF"/>
+                </a:solidFill>
+              </a:rPr>
+              <a:t> tile layer and </a:t>
+            </a:r>
+            <a:r>
+              <a:rPr lang="en-US" dirty="0" err="1">
+                <a:solidFill>
+                  <a:srgbClr val="FFFFFF"/>
+                </a:solidFill>
+              </a:rPr>
+              <a:t>darkmap</a:t>
+            </a:r>
+            <a:r>
+              <a:rPr lang="en-US" dirty="0">
+                <a:solidFill>
+                  <a:srgbClr val="FFFFFF"/>
+                </a:solidFill>
+              </a:rPr>
+              <a:t> tile layer .Visible at a time.</a:t>
             </a:r>
           </a:p>
           <a:p>
@@ -22018,7 +20458,7 @@
               </a:lnSpc>
             </a:pPr>
             <a:r>
-              <a:rPr lang="en-US">
+              <a:rPr lang="en-US" dirty="0">
                 <a:solidFill>
                   <a:srgbClr val="FFFFFF"/>
                 </a:solidFill>
@@ -22033,7 +20473,7 @@
               </a:lnSpc>
             </a:pPr>
             <a:r>
-              <a:rPr lang="en-US">
+              <a:rPr lang="en-US" dirty="0">
                 <a:solidFill>
                   <a:srgbClr val="FFFFFF"/>
                 </a:solidFill>
@@ -22047,7 +20487,7 @@
                 <a:spcPct val="90000"/>
               </a:lnSpc>
             </a:pPr>
-            <a:endParaRPr lang="en-US">
+            <a:endParaRPr lang="en-US" dirty="0">
               <a:solidFill>
                 <a:srgbClr val="FFFFFF"/>
               </a:solidFill>
@@ -22059,7 +20499,7 @@
                 <a:spcPct val="90000"/>
               </a:lnSpc>
             </a:pPr>
-            <a:endParaRPr lang="en-US">
+            <a:endParaRPr lang="en-US" dirty="0">
               <a:solidFill>
                 <a:srgbClr val="FFFFFF"/>
               </a:solidFill>
@@ -22067,6 +20507,35 @@
           </a:p>
         </p:txBody>
       </p:sp>
+      <p:pic>
+        <p:nvPicPr>
+          <p:cNvPr id="22" name="Content Placeholder 21">
+            <a:extLst>
+              <a:ext uri="{FF2B5EF4-FFF2-40B4-BE49-F238E27FC236}">
+                <a16:creationId xmlns:a16="http://schemas.microsoft.com/office/drawing/2014/main" id="{554D18D3-F8CA-4BA4-AB06-0C0A9B9AB221}"/>
+              </a:ext>
+            </a:extLst>
+          </p:cNvPr>
+          <p:cNvPicPr>
+            <a:picLocks noGrp="1" noChangeAspect="1"/>
+          </p:cNvPicPr>
+          <p:nvPr>
+            <p:ph sz="half" idx="1"/>
+          </p:nvPr>
+        </p:nvPicPr>
+        <p:blipFill>
+          <a:blip r:embed="rId6"/>
+          <a:stretch>
+            <a:fillRect/>
+          </a:stretch>
+        </p:blipFill>
+        <p:spPr>
+          <a:xfrm>
+            <a:off x="5441854" y="1473200"/>
+            <a:ext cx="5641502" cy="3784599"/>
+          </a:xfrm>
+        </p:spPr>
+      </p:pic>
     </p:spTree>
     <p:extLst>
       <p:ext uri="{BB962C8B-B14F-4D97-AF65-F5344CB8AC3E}">
@@ -22671,39 +21140,6 @@
           </a:p>
         </p:txBody>
       </p:sp>
-      <p:pic>
-        <p:nvPicPr>
-          <p:cNvPr id="6" name="Content Placeholder 5">
-            <a:extLst>
-              <a:ext uri="{FF2B5EF4-FFF2-40B4-BE49-F238E27FC236}">
-                <a16:creationId xmlns:a16="http://schemas.microsoft.com/office/drawing/2014/main" id="{05262585-D719-4BF4-9D1E-96FB3FF20BAC}"/>
-              </a:ext>
-            </a:extLst>
-          </p:cNvPr>
-          <p:cNvPicPr>
-            <a:picLocks noGrp="1" noChangeAspect="1"/>
-          </p:cNvPicPr>
-          <p:nvPr>
-            <p:ph sz="half" idx="1"/>
-          </p:nvPr>
-        </p:nvPicPr>
-        <p:blipFill>
-          <a:blip r:embed="rId6"/>
-          <a:stretch>
-            <a:fillRect/>
-          </a:stretch>
-        </p:blipFill>
-        <p:spPr>
-          <a:xfrm>
-            <a:off x="5608319" y="1962719"/>
-            <a:ext cx="5614835" cy="2779342"/>
-          </a:xfrm>
-          <a:prstGeom prst="rect">
-            <a:avLst/>
-          </a:prstGeom>
-          <a:effectLst/>
-        </p:spPr>
-      </p:pic>
       <p:sp>
         <p:nvSpPr>
           <p:cNvPr id="29" name="Rectangle 28">
@@ -22833,6 +21269,35 @@
           </a:p>
         </p:txBody>
       </p:sp>
+      <p:pic>
+        <p:nvPicPr>
+          <p:cNvPr id="8" name="Content Placeholder 7">
+            <a:extLst>
+              <a:ext uri="{FF2B5EF4-FFF2-40B4-BE49-F238E27FC236}">
+                <a16:creationId xmlns:a16="http://schemas.microsoft.com/office/drawing/2014/main" id="{18D8ADC8-C365-436F-B50E-DF3382017E82}"/>
+              </a:ext>
+            </a:extLst>
+          </p:cNvPr>
+          <p:cNvPicPr>
+            <a:picLocks noGrp="1" noChangeAspect="1"/>
+          </p:cNvPicPr>
+          <p:nvPr>
+            <p:ph sz="half" idx="1"/>
+          </p:nvPr>
+        </p:nvPicPr>
+        <p:blipFill>
+          <a:blip r:embed="rId6"/>
+          <a:stretch>
+            <a:fillRect/>
+          </a:stretch>
+        </p:blipFill>
+        <p:spPr>
+          <a:xfrm>
+            <a:off x="5352621" y="1896168"/>
+            <a:ext cx="6371336" cy="3285432"/>
+          </a:xfrm>
+        </p:spPr>
+      </p:pic>
     </p:spTree>
     <p:extLst>
       <p:ext uri="{BB962C8B-B14F-4D97-AF65-F5344CB8AC3E}">
@@ -23437,39 +21902,6 @@
           </a:p>
         </p:txBody>
       </p:sp>
-      <p:pic>
-        <p:nvPicPr>
-          <p:cNvPr id="10" name="Content Placeholder 9">
-            <a:extLst>
-              <a:ext uri="{FF2B5EF4-FFF2-40B4-BE49-F238E27FC236}">
-                <a16:creationId xmlns:a16="http://schemas.microsoft.com/office/drawing/2014/main" id="{1BB774B4-D83F-4EB8-8F73-C9BA9FE3B871}"/>
-              </a:ext>
-            </a:extLst>
-          </p:cNvPr>
-          <p:cNvPicPr>
-            <a:picLocks noGrp="1" noChangeAspect="1"/>
-          </p:cNvPicPr>
-          <p:nvPr>
-            <p:ph sz="half" idx="1"/>
-          </p:nvPr>
-        </p:nvPicPr>
-        <p:blipFill>
-          <a:blip r:embed="rId6"/>
-          <a:stretch>
-            <a:fillRect/>
-          </a:stretch>
-        </p:blipFill>
-        <p:spPr>
-          <a:xfrm>
-            <a:off x="5608319" y="1927626"/>
-            <a:ext cx="5614835" cy="2849528"/>
-          </a:xfrm>
-          <a:prstGeom prst="rect">
-            <a:avLst/>
-          </a:prstGeom>
-          <a:effectLst/>
-        </p:spPr>
-      </p:pic>
       <p:sp>
         <p:nvSpPr>
           <p:cNvPr id="33" name="Rectangle 32">
@@ -23585,6 +22017,35 @@
           </a:p>
         </p:txBody>
       </p:sp>
+      <p:pic>
+        <p:nvPicPr>
+          <p:cNvPr id="7" name="Content Placeholder 6">
+            <a:extLst>
+              <a:ext uri="{FF2B5EF4-FFF2-40B4-BE49-F238E27FC236}">
+                <a16:creationId xmlns:a16="http://schemas.microsoft.com/office/drawing/2014/main" id="{89755C37-601B-4CDC-B15C-119456C365BE}"/>
+              </a:ext>
+            </a:extLst>
+          </p:cNvPr>
+          <p:cNvPicPr>
+            <a:picLocks noGrp="1" noChangeAspect="1"/>
+          </p:cNvPicPr>
+          <p:nvPr>
+            <p:ph sz="half" idx="1"/>
+          </p:nvPr>
+        </p:nvPicPr>
+        <p:blipFill>
+          <a:blip r:embed="rId6"/>
+          <a:stretch>
+            <a:fillRect/>
+          </a:stretch>
+        </p:blipFill>
+        <p:spPr>
+          <a:xfrm>
+            <a:off x="5441855" y="1371600"/>
+            <a:ext cx="6265932" cy="3810000"/>
+          </a:xfrm>
+        </p:spPr>
+      </p:pic>
     </p:spTree>
     <p:extLst>
       <p:ext uri="{BB962C8B-B14F-4D97-AF65-F5344CB8AC3E}">

--- a/Project2_Chicago_Crime.pptx
+++ b/Project2_Chicago_Crime.pptx
@@ -19249,7 +19249,7 @@
             </a:r>
             <a:r>
               <a:rPr lang="en-US" dirty="0"/>
-              <a:t> data has “feature’ array/list that make is easy to plot the map.</a:t>
+              <a:t> data has “features” array/list that make is easy to plot the map.</a:t>
             </a:r>
           </a:p>
           <a:p>
@@ -19271,7 +19271,7 @@
             </a:r>
             <a:r>
               <a:rPr lang="en-US" dirty="0"/>
-              <a:t> format because some other challenges. The list was missing. A line was added to a python script to convert  data fully to a  </a:t>
+              <a:t> format because some other challenges. The  features list was missing. A line was added to a python script to convert  data fully to a  </a:t>
             </a:r>
             <a:r>
               <a:rPr lang="en-US" dirty="0" err="1"/>
